--- a/MGT5804-Leader Tech-Based Org/AI Automation Project/gasser18-AI_automation_project_slides.pptx
+++ b/MGT5804-Leader Tech-Based Org/AI Automation Project/gasser18-AI_automation_project_slides.pptx
@@ -5,73 +5,76 @@
     <p:sldMasterId id="2147483674" r:id="rId1"/>
   </p:sldMasterIdLst>
   <p:notesMasterIdLst>
-    <p:notesMasterId r:id="rId19"/>
+    <p:notesMasterId r:id="rId22"/>
   </p:notesMasterIdLst>
   <p:sldIdLst>
     <p:sldId id="256" r:id="rId2"/>
-    <p:sldId id="271" r:id="rId3"/>
-    <p:sldId id="272" r:id="rId4"/>
-    <p:sldId id="257" r:id="rId5"/>
-    <p:sldId id="258" r:id="rId6"/>
-    <p:sldId id="259" r:id="rId7"/>
-    <p:sldId id="260" r:id="rId8"/>
-    <p:sldId id="261" r:id="rId9"/>
-    <p:sldId id="262" r:id="rId10"/>
-    <p:sldId id="263" r:id="rId11"/>
-    <p:sldId id="264" r:id="rId12"/>
-    <p:sldId id="265" r:id="rId13"/>
-    <p:sldId id="266" r:id="rId14"/>
-    <p:sldId id="267" r:id="rId15"/>
-    <p:sldId id="268" r:id="rId16"/>
-    <p:sldId id="269" r:id="rId17"/>
-    <p:sldId id="270" r:id="rId18"/>
+    <p:sldId id="258" r:id="rId3"/>
+    <p:sldId id="273" r:id="rId4"/>
+    <p:sldId id="274" r:id="rId5"/>
+    <p:sldId id="271" r:id="rId6"/>
+    <p:sldId id="272" r:id="rId7"/>
+    <p:sldId id="276" r:id="rId8"/>
+    <p:sldId id="257" r:id="rId9"/>
+    <p:sldId id="259" r:id="rId10"/>
+    <p:sldId id="260" r:id="rId11"/>
+    <p:sldId id="261" r:id="rId12"/>
+    <p:sldId id="262" r:id="rId13"/>
+    <p:sldId id="263" r:id="rId14"/>
+    <p:sldId id="264" r:id="rId15"/>
+    <p:sldId id="265" r:id="rId16"/>
+    <p:sldId id="266" r:id="rId17"/>
+    <p:sldId id="267" r:id="rId18"/>
+    <p:sldId id="268" r:id="rId19"/>
+    <p:sldId id="269" r:id="rId20"/>
+    <p:sldId id="270" r:id="rId21"/>
   </p:sldIdLst>
   <p:sldSz cx="9144000" cy="5143500" type="screen16x9"/>
   <p:notesSz cx="6858000" cy="9144000"/>
   <p:embeddedFontLst>
     <p:embeddedFont>
       <p:font typeface="Bungee" panose="020B0604020202020204" charset="0"/>
-      <p:regular r:id="rId20"/>
+      <p:regular r:id="rId23"/>
     </p:embeddedFont>
     <p:embeddedFont>
       <p:font typeface="Lato" panose="020F0502020204030203" pitchFamily="34" charset="0"/>
-      <p:regular r:id="rId21"/>
-      <p:bold r:id="rId22"/>
-      <p:italic r:id="rId23"/>
-      <p:boldItalic r:id="rId24"/>
+      <p:regular r:id="rId24"/>
+      <p:bold r:id="rId25"/>
+      <p:italic r:id="rId26"/>
+      <p:boldItalic r:id="rId27"/>
     </p:embeddedFont>
     <p:embeddedFont>
       <p:font typeface="Open Sans" panose="020B0606030504020204" pitchFamily="34" charset="0"/>
-      <p:regular r:id="rId25"/>
-      <p:bold r:id="rId26"/>
-      <p:italic r:id="rId27"/>
-      <p:boldItalic r:id="rId28"/>
+      <p:regular r:id="rId28"/>
+      <p:bold r:id="rId29"/>
+      <p:italic r:id="rId30"/>
+      <p:boldItalic r:id="rId31"/>
     </p:embeddedFont>
     <p:embeddedFont>
       <p:font typeface="Poppins SemiBold" panose="00000700000000000000" pitchFamily="2" charset="0"/>
-      <p:regular r:id="rId29"/>
-      <p:bold r:id="rId30"/>
-      <p:italic r:id="rId31"/>
-      <p:boldItalic r:id="rId32"/>
+      <p:regular r:id="rId32"/>
+      <p:bold r:id="rId33"/>
+      <p:italic r:id="rId34"/>
+      <p:boldItalic r:id="rId35"/>
     </p:embeddedFont>
     <p:embeddedFont>
       <p:font typeface="PT Sans" panose="020B0503020203020204" pitchFamily="34" charset="0"/>
-      <p:regular r:id="rId33"/>
-      <p:bold r:id="rId34"/>
-      <p:italic r:id="rId35"/>
-      <p:boldItalic r:id="rId36"/>
+      <p:regular r:id="rId36"/>
+      <p:bold r:id="rId37"/>
+      <p:italic r:id="rId38"/>
+      <p:boldItalic r:id="rId39"/>
     </p:embeddedFont>
     <p:embeddedFont>
       <p:font typeface="Roboto" panose="02000000000000000000" pitchFamily="2" charset="0"/>
-      <p:regular r:id="rId37"/>
-      <p:bold r:id="rId38"/>
-      <p:italic r:id="rId39"/>
-      <p:boldItalic r:id="rId40"/>
+      <p:regular r:id="rId40"/>
+      <p:bold r:id="rId41"/>
+      <p:italic r:id="rId42"/>
+      <p:boldItalic r:id="rId43"/>
     </p:embeddedFont>
     <p:embeddedFont>
       <p:font typeface="Roboto Condensed Light" panose="02000000000000000000" pitchFamily="2" charset="0"/>
-      <p:regular r:id="rId41"/>
-      <p:italic r:id="rId42"/>
+      <p:regular r:id="rId44"/>
+      <p:italic r:id="rId45"/>
     </p:embeddedFont>
   </p:embeddedFontLst>
   <p:defaultTextStyle>
@@ -303,6 +306,11 @@
       </a:defRPr>
     </a:lvl9pPr>
   </p:defaultTextStyle>
+  <p:extLst>
+    <p:ext uri="{EFAFB233-063F-42B5-8137-9DF3F51BA10A}">
+      <p15:sldGuideLst xmlns:p15="http://schemas.microsoft.com/office/powerpoint/2012/main"/>
+    </p:ext>
+  </p:extLst>
 </p:presentation>
 </file>
 
@@ -860,6 +868,326 @@
   <p:cSld>
     <p:spTree>
       <p:nvGrpSpPr>
+        <p:cNvPr id="1" name="Shape 211"/>
+        <p:cNvGrpSpPr/>
+        <p:nvPr/>
+      </p:nvGrpSpPr>
+      <p:grpSpPr>
+        <a:xfrm>
+          <a:off x="0" y="0"/>
+          <a:ext cx="0" cy="0"/>
+          <a:chOff x="0" y="0"/>
+          <a:chExt cx="0" cy="0"/>
+        </a:xfrm>
+      </p:grpSpPr>
+      <p:sp>
+        <p:nvSpPr>
+          <p:cNvPr id="212" name="Google Shape;212;gbd6c00e730_0_143:notes"/>
+          <p:cNvSpPr>
+            <a:spLocks noGrp="1" noRot="1" noChangeAspect="1"/>
+          </p:cNvSpPr>
+          <p:nvPr>
+            <p:ph type="sldImg" idx="2"/>
+          </p:nvPr>
+        </p:nvSpPr>
+        <p:spPr>
+          <a:xfrm>
+            <a:off x="381300" y="685800"/>
+            <a:ext cx="6096000" cy="3429000"/>
+          </a:xfrm>
+          <a:custGeom>
+            <a:avLst/>
+            <a:gdLst/>
+            <a:ahLst/>
+            <a:cxnLst/>
+            <a:rect l="l" t="t" r="r" b="b"/>
+            <a:pathLst>
+              <a:path w="120000" h="120000" extrusionOk="0">
+                <a:moveTo>
+                  <a:pt x="0" y="0"/>
+                </a:moveTo>
+                <a:lnTo>
+                  <a:pt x="120000" y="0"/>
+                </a:lnTo>
+                <a:lnTo>
+                  <a:pt x="120000" y="120000"/>
+                </a:lnTo>
+                <a:lnTo>
+                  <a:pt x="0" y="120000"/>
+                </a:lnTo>
+                <a:close/>
+              </a:path>
+            </a:pathLst>
+          </a:custGeom>
+        </p:spPr>
+      </p:sp>
+      <p:sp>
+        <p:nvSpPr>
+          <p:cNvPr id="213" name="Google Shape;213;gbd6c00e730_0_143:notes"/>
+          <p:cNvSpPr txBox="1">
+            <a:spLocks noGrp="1"/>
+          </p:cNvSpPr>
+          <p:nvPr>
+            <p:ph type="body" idx="1"/>
+          </p:nvPr>
+        </p:nvSpPr>
+        <p:spPr>
+          <a:xfrm>
+            <a:off x="685800" y="4343400"/>
+            <a:ext cx="5486400" cy="4114800"/>
+          </a:xfrm>
+          <a:prstGeom prst="rect">
+            <a:avLst/>
+          </a:prstGeom>
+        </p:spPr>
+        <p:txBody>
+          <a:bodyPr spcFirstLastPara="1" wrap="square" lIns="91425" tIns="91425" rIns="91425" bIns="91425" anchor="t" anchorCtr="0">
+            <a:noAutofit/>
+          </a:bodyPr>
+          <a:lstStyle/>
+          <a:p>
+            <a:pPr marL="0" lvl="0" indent="0" algn="l" rtl="0">
+              <a:spcBef>
+                <a:spcPts val="0"/>
+              </a:spcBef>
+              <a:spcAft>
+                <a:spcPts val="0"/>
+              </a:spcAft>
+              <a:buNone/>
+            </a:pPr>
+            <a:endParaRPr/>
+          </a:p>
+        </p:txBody>
+      </p:sp>
+    </p:spTree>
+  </p:cSld>
+  <p:clrMapOvr>
+    <a:masterClrMapping/>
+  </p:clrMapOvr>
+</p:notes>
+</file>
+
+<file path=ppt/notesSlides/notesSlide11.xml><?xml version="1.0" encoding="utf-8"?>
+<p:notes xmlns:a="http://schemas.openxmlformats.org/drawingml/2006/main" xmlns:r="http://schemas.openxmlformats.org/officeDocument/2006/relationships" xmlns:p="http://schemas.openxmlformats.org/presentationml/2006/main" showMasterSp="0" showMasterPhAnim="0">
+  <p:cSld>
+    <p:spTree>
+      <p:nvGrpSpPr>
+        <p:cNvPr id="1" name="Shape 238"/>
+        <p:cNvGrpSpPr/>
+        <p:nvPr/>
+      </p:nvGrpSpPr>
+      <p:grpSpPr>
+        <a:xfrm>
+          <a:off x="0" y="0"/>
+          <a:ext cx="0" cy="0"/>
+          <a:chOff x="0" y="0"/>
+          <a:chExt cx="0" cy="0"/>
+        </a:xfrm>
+      </p:grpSpPr>
+      <p:sp>
+        <p:nvSpPr>
+          <p:cNvPr id="239" name="Google Shape;239;g13403699d15_0_84:notes"/>
+          <p:cNvSpPr>
+            <a:spLocks noGrp="1" noRot="1" noChangeAspect="1"/>
+          </p:cNvSpPr>
+          <p:nvPr>
+            <p:ph type="sldImg" idx="2"/>
+          </p:nvPr>
+        </p:nvSpPr>
+        <p:spPr>
+          <a:xfrm>
+            <a:off x="381000" y="685800"/>
+            <a:ext cx="6096000" cy="3429000"/>
+          </a:xfrm>
+          <a:custGeom>
+            <a:avLst/>
+            <a:gdLst/>
+            <a:ahLst/>
+            <a:cxnLst/>
+            <a:rect l="l" t="t" r="r" b="b"/>
+            <a:pathLst>
+              <a:path w="120000" h="120000" extrusionOk="0">
+                <a:moveTo>
+                  <a:pt x="0" y="0"/>
+                </a:moveTo>
+                <a:lnTo>
+                  <a:pt x="120000" y="0"/>
+                </a:lnTo>
+                <a:lnTo>
+                  <a:pt x="120000" y="120000"/>
+                </a:lnTo>
+                <a:lnTo>
+                  <a:pt x="0" y="120000"/>
+                </a:lnTo>
+                <a:close/>
+              </a:path>
+            </a:pathLst>
+          </a:custGeom>
+        </p:spPr>
+      </p:sp>
+      <p:sp>
+        <p:nvSpPr>
+          <p:cNvPr id="240" name="Google Shape;240;g13403699d15_0_84:notes"/>
+          <p:cNvSpPr txBox="1">
+            <a:spLocks noGrp="1"/>
+          </p:cNvSpPr>
+          <p:nvPr>
+            <p:ph type="body" idx="1"/>
+          </p:nvPr>
+        </p:nvSpPr>
+        <p:spPr>
+          <a:xfrm>
+            <a:off x="685800" y="4343400"/>
+            <a:ext cx="5486400" cy="4114800"/>
+          </a:xfrm>
+          <a:prstGeom prst="rect">
+            <a:avLst/>
+          </a:prstGeom>
+        </p:spPr>
+        <p:txBody>
+          <a:bodyPr spcFirstLastPara="1" wrap="square" lIns="91425" tIns="91425" rIns="91425" bIns="91425" anchor="t" anchorCtr="0">
+            <a:noAutofit/>
+          </a:bodyPr>
+          <a:lstStyle/>
+          <a:p>
+            <a:pPr marL="0" lvl="0" indent="0" algn="l" rtl="0">
+              <a:spcBef>
+                <a:spcPts val="0"/>
+              </a:spcBef>
+              <a:spcAft>
+                <a:spcPts val="0"/>
+              </a:spcAft>
+              <a:buNone/>
+            </a:pPr>
+            <a:endParaRPr>
+              <a:solidFill>
+                <a:srgbClr val="FF0000"/>
+              </a:solidFill>
+            </a:endParaRPr>
+          </a:p>
+        </p:txBody>
+      </p:sp>
+    </p:spTree>
+  </p:cSld>
+  <p:clrMapOvr>
+    <a:masterClrMapping/>
+  </p:clrMapOvr>
+</p:notes>
+</file>
+
+<file path=ppt/notesSlides/notesSlide12.xml><?xml version="1.0" encoding="utf-8"?>
+<p:notes xmlns:a="http://schemas.openxmlformats.org/drawingml/2006/main" xmlns:r="http://schemas.openxmlformats.org/officeDocument/2006/relationships" xmlns:p="http://schemas.openxmlformats.org/presentationml/2006/main" showMasterSp="0" showMasterPhAnim="0">
+  <p:cSld>
+    <p:spTree>
+      <p:nvGrpSpPr>
+        <p:cNvPr id="1" name="Shape 245"/>
+        <p:cNvGrpSpPr/>
+        <p:nvPr/>
+      </p:nvGrpSpPr>
+      <p:grpSpPr>
+        <a:xfrm>
+          <a:off x="0" y="0"/>
+          <a:ext cx="0" cy="0"/>
+          <a:chOff x="0" y="0"/>
+          <a:chExt cx="0" cy="0"/>
+        </a:xfrm>
+      </p:grpSpPr>
+      <p:sp>
+        <p:nvSpPr>
+          <p:cNvPr id="246" name="Google Shape;246;g13403699d15_0_129:notes"/>
+          <p:cNvSpPr>
+            <a:spLocks noGrp="1" noRot="1" noChangeAspect="1"/>
+          </p:cNvSpPr>
+          <p:nvPr>
+            <p:ph type="sldImg" idx="2"/>
+          </p:nvPr>
+        </p:nvSpPr>
+        <p:spPr>
+          <a:xfrm>
+            <a:off x="381300" y="685800"/>
+            <a:ext cx="6096000" cy="3429000"/>
+          </a:xfrm>
+          <a:custGeom>
+            <a:avLst/>
+            <a:gdLst/>
+            <a:ahLst/>
+            <a:cxnLst/>
+            <a:rect l="l" t="t" r="r" b="b"/>
+            <a:pathLst>
+              <a:path w="120000" h="120000" extrusionOk="0">
+                <a:moveTo>
+                  <a:pt x="0" y="0"/>
+                </a:moveTo>
+                <a:lnTo>
+                  <a:pt x="120000" y="0"/>
+                </a:lnTo>
+                <a:lnTo>
+                  <a:pt x="120000" y="120000"/>
+                </a:lnTo>
+                <a:lnTo>
+                  <a:pt x="0" y="120000"/>
+                </a:lnTo>
+                <a:close/>
+              </a:path>
+            </a:pathLst>
+          </a:custGeom>
+        </p:spPr>
+      </p:sp>
+      <p:sp>
+        <p:nvSpPr>
+          <p:cNvPr id="247" name="Google Shape;247;g13403699d15_0_129:notes"/>
+          <p:cNvSpPr txBox="1">
+            <a:spLocks noGrp="1"/>
+          </p:cNvSpPr>
+          <p:nvPr>
+            <p:ph type="body" idx="1"/>
+          </p:nvPr>
+        </p:nvSpPr>
+        <p:spPr>
+          <a:xfrm>
+            <a:off x="685800" y="4343400"/>
+            <a:ext cx="5486400" cy="4114800"/>
+          </a:xfrm>
+          <a:prstGeom prst="rect">
+            <a:avLst/>
+          </a:prstGeom>
+        </p:spPr>
+        <p:txBody>
+          <a:bodyPr spcFirstLastPara="1" wrap="square" lIns="91425" tIns="91425" rIns="91425" bIns="91425" anchor="t" anchorCtr="0">
+            <a:noAutofit/>
+          </a:bodyPr>
+          <a:lstStyle/>
+          <a:p>
+            <a:pPr marL="0" lvl="0" indent="0" algn="l" rtl="0">
+              <a:spcBef>
+                <a:spcPts val="0"/>
+              </a:spcBef>
+              <a:spcAft>
+                <a:spcPts val="0"/>
+              </a:spcAft>
+              <a:buNone/>
+            </a:pPr>
+            <a:endParaRPr>
+              <a:solidFill>
+                <a:srgbClr val="FF0000"/>
+              </a:solidFill>
+            </a:endParaRPr>
+          </a:p>
+        </p:txBody>
+      </p:sp>
+    </p:spTree>
+  </p:cSld>
+  <p:clrMapOvr>
+    <a:masterClrMapping/>
+  </p:clrMapOvr>
+</p:notes>
+</file>
+
+<file path=ppt/notesSlides/notesSlide13.xml><?xml version="1.0" encoding="utf-8"?>
+<p:notes xmlns:a="http://schemas.openxmlformats.org/drawingml/2006/main" xmlns:r="http://schemas.openxmlformats.org/officeDocument/2006/relationships" xmlns:p="http://schemas.openxmlformats.org/presentationml/2006/main" showMasterSp="0" showMasterPhAnim="0">
+  <p:cSld>
+    <p:spTree>
+      <p:nvGrpSpPr>
         <p:cNvPr id="1" name="Shape 253"/>
         <p:cNvGrpSpPr/>
         <p:nvPr/>
@@ -963,7 +1291,7 @@
 </p:notes>
 </file>
 
-<file path=ppt/notesSlides/notesSlide11.xml><?xml version="1.0" encoding="utf-8"?>
+<file path=ppt/notesSlides/notesSlide14.xml><?xml version="1.0" encoding="utf-8"?>
 <p:notes xmlns:a="http://schemas.openxmlformats.org/drawingml/2006/main" xmlns:r="http://schemas.openxmlformats.org/officeDocument/2006/relationships" xmlns:p="http://schemas.openxmlformats.org/presentationml/2006/main" showMasterSp="0" showMasterPhAnim="0">
   <p:cSld>
     <p:spTree>
@@ -1067,7 +1395,7 @@
 </p:notes>
 </file>
 
-<file path=ppt/notesSlides/notesSlide12.xml><?xml version="1.0" encoding="utf-8"?>
+<file path=ppt/notesSlides/notesSlide15.xml><?xml version="1.0" encoding="utf-8"?>
 <p:notes xmlns:a="http://schemas.openxmlformats.org/drawingml/2006/main" xmlns:r="http://schemas.openxmlformats.org/officeDocument/2006/relationships" xmlns:p="http://schemas.openxmlformats.org/presentationml/2006/main" showMasterSp="0" showMasterPhAnim="0">
   <p:cSld>
     <p:spTree>
@@ -1171,7 +1499,7 @@
 </p:notes>
 </file>
 
-<file path=ppt/notesSlides/notesSlide13.xml><?xml version="1.0" encoding="utf-8"?>
+<file path=ppt/notesSlides/notesSlide16.xml><?xml version="1.0" encoding="utf-8"?>
 <p:notes xmlns:a="http://schemas.openxmlformats.org/drawingml/2006/main" xmlns:r="http://schemas.openxmlformats.org/officeDocument/2006/relationships" xmlns:p="http://schemas.openxmlformats.org/presentationml/2006/main" showMasterSp="0" showMasterPhAnim="0">
   <p:cSld>
     <p:spTree>
@@ -1275,7 +1603,7 @@
 </p:notes>
 </file>
 
-<file path=ppt/notesSlides/notesSlide14.xml><?xml version="1.0" encoding="utf-8"?>
+<file path=ppt/notesSlides/notesSlide17.xml><?xml version="1.0" encoding="utf-8"?>
 <p:notes xmlns:a="http://schemas.openxmlformats.org/drawingml/2006/main" xmlns:r="http://schemas.openxmlformats.org/officeDocument/2006/relationships" xmlns:p="http://schemas.openxmlformats.org/presentationml/2006/main" showMasterSp="0" showMasterPhAnim="0">
   <p:cSld>
     <p:spTree>
@@ -1379,7 +1707,7 @@
 </p:notes>
 </file>
 
-<file path=ppt/notesSlides/notesSlide15.xml><?xml version="1.0" encoding="utf-8"?>
+<file path=ppt/notesSlides/notesSlide18.xml><?xml version="1.0" encoding="utf-8"?>
 <p:notes xmlns:a="http://schemas.openxmlformats.org/drawingml/2006/main" xmlns:r="http://schemas.openxmlformats.org/officeDocument/2006/relationships" xmlns:p="http://schemas.openxmlformats.org/presentationml/2006/main" showMasterSp="0" showMasterPhAnim="0">
   <p:cSld>
     <p:spTree>
@@ -1486,7 +1814,7 @@
 </p:notes>
 </file>
 
-<file path=ppt/notesSlides/notesSlide16.xml><?xml version="1.0" encoding="utf-8"?>
+<file path=ppt/notesSlides/notesSlide19.xml><?xml version="1.0" encoding="utf-8"?>
 <p:notes xmlns:a="http://schemas.openxmlformats.org/drawingml/2006/main" xmlns:r="http://schemas.openxmlformats.org/officeDocument/2006/relationships" xmlns:p="http://schemas.openxmlformats.org/presentationml/2006/main" showMasterSp="0" showMasterPhAnim="0">
   <p:cSld>
     <p:spTree>
@@ -1595,6 +1923,352 @@
   <p:cSld>
     <p:spTree>
       <p:nvGrpSpPr>
+        <p:cNvPr id="1" name="Shape 189"/>
+        <p:cNvGrpSpPr/>
+        <p:nvPr/>
+      </p:nvGrpSpPr>
+      <p:grpSpPr>
+        <a:xfrm>
+          <a:off x="0" y="0"/>
+          <a:ext cx="0" cy="0"/>
+          <a:chOff x="0" y="0"/>
+          <a:chExt cx="0" cy="0"/>
+        </a:xfrm>
+      </p:grpSpPr>
+      <p:sp>
+        <p:nvSpPr>
+          <p:cNvPr id="190" name="Google Shape;190;g12fc0804dff_2_1:notes"/>
+          <p:cNvSpPr>
+            <a:spLocks noGrp="1" noRot="1" noChangeAspect="1"/>
+          </p:cNvSpPr>
+          <p:nvPr>
+            <p:ph type="sldImg" idx="2"/>
+          </p:nvPr>
+        </p:nvSpPr>
+        <p:spPr>
+          <a:xfrm>
+            <a:off x="381000" y="685800"/>
+            <a:ext cx="6096000" cy="3429000"/>
+          </a:xfrm>
+          <a:custGeom>
+            <a:avLst/>
+            <a:gdLst/>
+            <a:ahLst/>
+            <a:cxnLst/>
+            <a:rect l="l" t="t" r="r" b="b"/>
+            <a:pathLst>
+              <a:path w="120000" h="120000" extrusionOk="0">
+                <a:moveTo>
+                  <a:pt x="0" y="0"/>
+                </a:moveTo>
+                <a:lnTo>
+                  <a:pt x="120000" y="0"/>
+                </a:lnTo>
+                <a:lnTo>
+                  <a:pt x="120000" y="120000"/>
+                </a:lnTo>
+                <a:lnTo>
+                  <a:pt x="0" y="120000"/>
+                </a:lnTo>
+                <a:close/>
+              </a:path>
+            </a:pathLst>
+          </a:custGeom>
+        </p:spPr>
+      </p:sp>
+      <p:sp>
+        <p:nvSpPr>
+          <p:cNvPr id="191" name="Google Shape;191;g12fc0804dff_2_1:notes"/>
+          <p:cNvSpPr txBox="1">
+            <a:spLocks noGrp="1"/>
+          </p:cNvSpPr>
+          <p:nvPr>
+            <p:ph type="body" idx="1"/>
+          </p:nvPr>
+        </p:nvSpPr>
+        <p:spPr>
+          <a:xfrm>
+            <a:off x="685800" y="4343400"/>
+            <a:ext cx="5486400" cy="4114800"/>
+          </a:xfrm>
+          <a:prstGeom prst="rect">
+            <a:avLst/>
+          </a:prstGeom>
+        </p:spPr>
+        <p:txBody>
+          <a:bodyPr spcFirstLastPara="1" wrap="square" lIns="91425" tIns="91425" rIns="91425" bIns="91425" anchor="t" anchorCtr="0">
+            <a:noAutofit/>
+          </a:bodyPr>
+          <a:lstStyle/>
+          <a:p>
+            <a:pPr marL="0" lvl="0" indent="0" algn="l" rtl="0">
+              <a:spcBef>
+                <a:spcPts val="0"/>
+              </a:spcBef>
+              <a:spcAft>
+                <a:spcPts val="0"/>
+              </a:spcAft>
+              <a:buNone/>
+            </a:pPr>
+            <a:endParaRPr sz="1200">
+              <a:solidFill>
+                <a:schemeClr val="dk1"/>
+              </a:solidFill>
+              <a:latin typeface="Lato"/>
+              <a:ea typeface="Lato"/>
+              <a:cs typeface="Lato"/>
+              <a:sym typeface="Lato"/>
+            </a:endParaRPr>
+          </a:p>
+        </p:txBody>
+      </p:sp>
+    </p:spTree>
+  </p:cSld>
+  <p:clrMapOvr>
+    <a:masterClrMapping/>
+  </p:clrMapOvr>
+</p:notes>
+</file>
+
+<file path=ppt/notesSlides/notesSlide3.xml><?xml version="1.0" encoding="utf-8"?>
+<p:notes xmlns:a="http://schemas.openxmlformats.org/drawingml/2006/main" xmlns:r="http://schemas.openxmlformats.org/officeDocument/2006/relationships" xmlns:p="http://schemas.openxmlformats.org/presentationml/2006/main" showMasterSp="0" showMasterPhAnim="0">
+  <p:cSld>
+    <p:spTree>
+      <p:nvGrpSpPr>
+        <p:cNvPr id="1" name="Shape 189"/>
+        <p:cNvGrpSpPr/>
+        <p:nvPr/>
+      </p:nvGrpSpPr>
+      <p:grpSpPr>
+        <a:xfrm>
+          <a:off x="0" y="0"/>
+          <a:ext cx="0" cy="0"/>
+          <a:chOff x="0" y="0"/>
+          <a:chExt cx="0" cy="0"/>
+        </a:xfrm>
+      </p:grpSpPr>
+      <p:sp>
+        <p:nvSpPr>
+          <p:cNvPr id="190" name="Google Shape;190;g12fc0804dff_2_1:notes"/>
+          <p:cNvSpPr>
+            <a:spLocks noGrp="1" noRot="1" noChangeAspect="1"/>
+          </p:cNvSpPr>
+          <p:nvPr>
+            <p:ph type="sldImg" idx="2"/>
+          </p:nvPr>
+        </p:nvSpPr>
+        <p:spPr>
+          <a:xfrm>
+            <a:off x="381000" y="685800"/>
+            <a:ext cx="6096000" cy="3429000"/>
+          </a:xfrm>
+          <a:custGeom>
+            <a:avLst/>
+            <a:gdLst/>
+            <a:ahLst/>
+            <a:cxnLst/>
+            <a:rect l="l" t="t" r="r" b="b"/>
+            <a:pathLst>
+              <a:path w="120000" h="120000" extrusionOk="0">
+                <a:moveTo>
+                  <a:pt x="0" y="0"/>
+                </a:moveTo>
+                <a:lnTo>
+                  <a:pt x="120000" y="0"/>
+                </a:lnTo>
+                <a:lnTo>
+                  <a:pt x="120000" y="120000"/>
+                </a:lnTo>
+                <a:lnTo>
+                  <a:pt x="0" y="120000"/>
+                </a:lnTo>
+                <a:close/>
+              </a:path>
+            </a:pathLst>
+          </a:custGeom>
+        </p:spPr>
+      </p:sp>
+      <p:sp>
+        <p:nvSpPr>
+          <p:cNvPr id="191" name="Google Shape;191;g12fc0804dff_2_1:notes"/>
+          <p:cNvSpPr txBox="1">
+            <a:spLocks noGrp="1"/>
+          </p:cNvSpPr>
+          <p:nvPr>
+            <p:ph type="body" idx="1"/>
+          </p:nvPr>
+        </p:nvSpPr>
+        <p:spPr>
+          <a:xfrm>
+            <a:off x="685800" y="4343400"/>
+            <a:ext cx="5486400" cy="4114800"/>
+          </a:xfrm>
+          <a:prstGeom prst="rect">
+            <a:avLst/>
+          </a:prstGeom>
+        </p:spPr>
+        <p:txBody>
+          <a:bodyPr spcFirstLastPara="1" wrap="square" lIns="91425" tIns="91425" rIns="91425" bIns="91425" anchor="t" anchorCtr="0">
+            <a:noAutofit/>
+          </a:bodyPr>
+          <a:lstStyle/>
+          <a:p>
+            <a:pPr marL="0" lvl="0" indent="0" algn="l" rtl="0">
+              <a:spcBef>
+                <a:spcPts val="0"/>
+              </a:spcBef>
+              <a:spcAft>
+                <a:spcPts val="0"/>
+              </a:spcAft>
+              <a:buNone/>
+            </a:pPr>
+            <a:endParaRPr sz="1200">
+              <a:solidFill>
+                <a:schemeClr val="dk1"/>
+              </a:solidFill>
+              <a:latin typeface="Lato"/>
+              <a:ea typeface="Lato"/>
+              <a:cs typeface="Lato"/>
+              <a:sym typeface="Lato"/>
+            </a:endParaRPr>
+          </a:p>
+        </p:txBody>
+      </p:sp>
+    </p:spTree>
+    <p:extLst>
+      <p:ext uri="{BB962C8B-B14F-4D97-AF65-F5344CB8AC3E}">
+        <p14:creationId xmlns:p14="http://schemas.microsoft.com/office/powerpoint/2010/main" val="1109001615"/>
+      </p:ext>
+    </p:extLst>
+  </p:cSld>
+  <p:clrMapOvr>
+    <a:masterClrMapping/>
+  </p:clrMapOvr>
+</p:notes>
+</file>
+
+<file path=ppt/notesSlides/notesSlide4.xml><?xml version="1.0" encoding="utf-8"?>
+<p:notes xmlns:a="http://schemas.openxmlformats.org/drawingml/2006/main" xmlns:r="http://schemas.openxmlformats.org/officeDocument/2006/relationships" xmlns:p="http://schemas.openxmlformats.org/presentationml/2006/main" showMasterSp="0" showMasterPhAnim="0">
+  <p:cSld>
+    <p:spTree>
+      <p:nvGrpSpPr>
+        <p:cNvPr id="1" name="Shape 189"/>
+        <p:cNvGrpSpPr/>
+        <p:nvPr/>
+      </p:nvGrpSpPr>
+      <p:grpSpPr>
+        <a:xfrm>
+          <a:off x="0" y="0"/>
+          <a:ext cx="0" cy="0"/>
+          <a:chOff x="0" y="0"/>
+          <a:chExt cx="0" cy="0"/>
+        </a:xfrm>
+      </p:grpSpPr>
+      <p:sp>
+        <p:nvSpPr>
+          <p:cNvPr id="190" name="Google Shape;190;g12fc0804dff_2_1:notes"/>
+          <p:cNvSpPr>
+            <a:spLocks noGrp="1" noRot="1" noChangeAspect="1"/>
+          </p:cNvSpPr>
+          <p:nvPr>
+            <p:ph type="sldImg" idx="2"/>
+          </p:nvPr>
+        </p:nvSpPr>
+        <p:spPr>
+          <a:xfrm>
+            <a:off x="381000" y="685800"/>
+            <a:ext cx="6096000" cy="3429000"/>
+          </a:xfrm>
+          <a:custGeom>
+            <a:avLst/>
+            <a:gdLst/>
+            <a:ahLst/>
+            <a:cxnLst/>
+            <a:rect l="l" t="t" r="r" b="b"/>
+            <a:pathLst>
+              <a:path w="120000" h="120000" extrusionOk="0">
+                <a:moveTo>
+                  <a:pt x="0" y="0"/>
+                </a:moveTo>
+                <a:lnTo>
+                  <a:pt x="120000" y="0"/>
+                </a:lnTo>
+                <a:lnTo>
+                  <a:pt x="120000" y="120000"/>
+                </a:lnTo>
+                <a:lnTo>
+                  <a:pt x="0" y="120000"/>
+                </a:lnTo>
+                <a:close/>
+              </a:path>
+            </a:pathLst>
+          </a:custGeom>
+        </p:spPr>
+      </p:sp>
+      <p:sp>
+        <p:nvSpPr>
+          <p:cNvPr id="191" name="Google Shape;191;g12fc0804dff_2_1:notes"/>
+          <p:cNvSpPr txBox="1">
+            <a:spLocks noGrp="1"/>
+          </p:cNvSpPr>
+          <p:nvPr>
+            <p:ph type="body" idx="1"/>
+          </p:nvPr>
+        </p:nvSpPr>
+        <p:spPr>
+          <a:xfrm>
+            <a:off x="685800" y="4343400"/>
+            <a:ext cx="5486400" cy="4114800"/>
+          </a:xfrm>
+          <a:prstGeom prst="rect">
+            <a:avLst/>
+          </a:prstGeom>
+        </p:spPr>
+        <p:txBody>
+          <a:bodyPr spcFirstLastPara="1" wrap="square" lIns="91425" tIns="91425" rIns="91425" bIns="91425" anchor="t" anchorCtr="0">
+            <a:noAutofit/>
+          </a:bodyPr>
+          <a:lstStyle/>
+          <a:p>
+            <a:pPr marL="0" lvl="0" indent="0" algn="l" rtl="0">
+              <a:spcBef>
+                <a:spcPts val="0"/>
+              </a:spcBef>
+              <a:spcAft>
+                <a:spcPts val="0"/>
+              </a:spcAft>
+              <a:buNone/>
+            </a:pPr>
+            <a:endParaRPr sz="1200">
+              <a:solidFill>
+                <a:schemeClr val="dk1"/>
+              </a:solidFill>
+              <a:latin typeface="Lato"/>
+              <a:ea typeface="Lato"/>
+              <a:cs typeface="Lato"/>
+              <a:sym typeface="Lato"/>
+            </a:endParaRPr>
+          </a:p>
+        </p:txBody>
+      </p:sp>
+    </p:spTree>
+    <p:extLst>
+      <p:ext uri="{BB962C8B-B14F-4D97-AF65-F5344CB8AC3E}">
+        <p14:creationId xmlns:p14="http://schemas.microsoft.com/office/powerpoint/2010/main" val="3087539063"/>
+      </p:ext>
+    </p:extLst>
+  </p:cSld>
+  <p:clrMapOvr>
+    <a:masterClrMapping/>
+  </p:clrMapOvr>
+</p:notes>
+</file>
+
+<file path=ppt/notesSlides/notesSlide5.xml><?xml version="1.0" encoding="utf-8"?>
+<p:notes xmlns:a="http://schemas.openxmlformats.org/drawingml/2006/main" xmlns:r="http://schemas.openxmlformats.org/officeDocument/2006/relationships" xmlns:p="http://schemas.openxmlformats.org/presentationml/2006/main" showMasterSp="0" showMasterPhAnim="0">
+  <p:cSld>
+    <p:spTree>
+      <p:nvGrpSpPr>
         <p:cNvPr id="1" name="Shape 313"/>
         <p:cNvGrpSpPr/>
         <p:nvPr/>
@@ -1714,7 +2388,131 @@
 </p:notes>
 </file>
 
-<file path=ppt/notesSlides/notesSlide3.xml><?xml version="1.0" encoding="utf-8"?>
+<file path=ppt/notesSlides/notesSlide6.xml><?xml version="1.0" encoding="utf-8"?>
+<p:notes xmlns:a="http://schemas.openxmlformats.org/drawingml/2006/main" xmlns:r="http://schemas.openxmlformats.org/officeDocument/2006/relationships" xmlns:p="http://schemas.openxmlformats.org/presentationml/2006/main" showMasterSp="0" showMasterPhAnim="0">
+  <p:cSld>
+    <p:spTree>
+      <p:nvGrpSpPr>
+        <p:cNvPr id="1" name="Shape 313"/>
+        <p:cNvGrpSpPr/>
+        <p:nvPr/>
+      </p:nvGrpSpPr>
+      <p:grpSpPr>
+        <a:xfrm>
+          <a:off x="0" y="0"/>
+          <a:ext cx="0" cy="0"/>
+          <a:chOff x="0" y="0"/>
+          <a:chExt cx="0" cy="0"/>
+        </a:xfrm>
+      </p:grpSpPr>
+      <p:sp>
+        <p:nvSpPr>
+          <p:cNvPr id="314" name="Google Shape;314;g13181617799_2_175:notes"/>
+          <p:cNvSpPr>
+            <a:spLocks noGrp="1" noRot="1" noChangeAspect="1"/>
+          </p:cNvSpPr>
+          <p:nvPr>
+            <p:ph type="sldImg" idx="2"/>
+          </p:nvPr>
+        </p:nvSpPr>
+        <p:spPr>
+          <a:xfrm>
+            <a:off x="381000" y="685800"/>
+            <a:ext cx="6096000" cy="3429000"/>
+          </a:xfrm>
+          <a:custGeom>
+            <a:avLst/>
+            <a:gdLst/>
+            <a:ahLst/>
+            <a:cxnLst/>
+            <a:rect l="l" t="t" r="r" b="b"/>
+            <a:pathLst>
+              <a:path w="120000" h="120000" extrusionOk="0">
+                <a:moveTo>
+                  <a:pt x="0" y="0"/>
+                </a:moveTo>
+                <a:lnTo>
+                  <a:pt x="120000" y="0"/>
+                </a:lnTo>
+                <a:lnTo>
+                  <a:pt x="120000" y="120000"/>
+                </a:lnTo>
+                <a:lnTo>
+                  <a:pt x="0" y="120000"/>
+                </a:lnTo>
+                <a:close/>
+              </a:path>
+            </a:pathLst>
+          </a:custGeom>
+        </p:spPr>
+      </p:sp>
+      <p:sp>
+        <p:nvSpPr>
+          <p:cNvPr id="315" name="Google Shape;315;g13181617799_2_175:notes"/>
+          <p:cNvSpPr txBox="1">
+            <a:spLocks noGrp="1"/>
+          </p:cNvSpPr>
+          <p:nvPr>
+            <p:ph type="body" idx="1"/>
+          </p:nvPr>
+        </p:nvSpPr>
+        <p:spPr>
+          <a:xfrm>
+            <a:off x="685800" y="4343400"/>
+            <a:ext cx="5486400" cy="4114800"/>
+          </a:xfrm>
+          <a:prstGeom prst="rect">
+            <a:avLst/>
+          </a:prstGeom>
+        </p:spPr>
+        <p:txBody>
+          <a:bodyPr spcFirstLastPara="1" wrap="square" lIns="91425" tIns="91425" rIns="91425" bIns="91425" anchor="t" anchorCtr="0">
+            <a:noAutofit/>
+          </a:bodyPr>
+          <a:lstStyle/>
+          <a:p>
+            <a:pPr marL="0" lvl="0" indent="0" algn="l" rtl="0">
+              <a:spcBef>
+                <a:spcPts val="0"/>
+              </a:spcBef>
+              <a:spcAft>
+                <a:spcPts val="0"/>
+              </a:spcAft>
+              <a:buNone/>
+            </a:pPr>
+            <a:r>
+              <a:rPr lang="en-US" dirty="0"/>
+              <a:t>Icons: </a:t>
+            </a:r>
+            <a:r>
+              <a:rPr lang="en-US" sz="1800" b="0" i="0" u="sng" strike="noStrike" dirty="0">
+                <a:solidFill>
+                  <a:srgbClr val="000000"/>
+                </a:solidFill>
+                <a:effectLst/>
+                <a:latin typeface="Lato" panose="020F0502020204030203" pitchFamily="34" charset="0"/>
+                <a:hlinkClick r:id="rId3"/>
+              </a:rPr>
+              <a:t>https://icons8.com</a:t>
+            </a:r>
+            <a:endParaRPr dirty="0"/>
+          </a:p>
+        </p:txBody>
+      </p:sp>
+    </p:spTree>
+    <p:extLst>
+      <p:ext uri="{BB962C8B-B14F-4D97-AF65-F5344CB8AC3E}">
+        <p14:creationId xmlns:p14="http://schemas.microsoft.com/office/powerpoint/2010/main" val="4033174974"/>
+      </p:ext>
+    </p:extLst>
+  </p:cSld>
+  <p:clrMapOvr>
+    <a:masterClrMapping/>
+  </p:clrMapOvr>
+</p:notes>
+</file>
+
+<file path=ppt/notesSlides/notesSlide7.xml><?xml version="1.0" encoding="utf-8"?>
 <p:notes xmlns:a="http://schemas.openxmlformats.org/drawingml/2006/main" xmlns:r="http://schemas.openxmlformats.org/officeDocument/2006/relationships" xmlns:p="http://schemas.openxmlformats.org/presentationml/2006/main" showMasterSp="0" showMasterPhAnim="0">
   <p:cSld>
     <p:spTree>
@@ -1743,7 +2541,7 @@
         </p:nvSpPr>
         <p:spPr>
           <a:xfrm>
-            <a:off x="381300" y="685800"/>
+            <a:off x="381000" y="685800"/>
             <a:ext cx="6096000" cy="3429000"/>
           </a:xfrm>
           <a:custGeom>
@@ -1818,119 +2616,7 @@
 </p:notes>
 </file>
 
-<file path=ppt/notesSlides/notesSlide4.xml><?xml version="1.0" encoding="utf-8"?>
-<p:notes xmlns:a="http://schemas.openxmlformats.org/drawingml/2006/main" xmlns:r="http://schemas.openxmlformats.org/officeDocument/2006/relationships" xmlns:p="http://schemas.openxmlformats.org/presentationml/2006/main" showMasterSp="0" showMasterPhAnim="0">
-  <p:cSld>
-    <p:spTree>
-      <p:nvGrpSpPr>
-        <p:cNvPr id="1" name="Shape 189"/>
-        <p:cNvGrpSpPr/>
-        <p:nvPr/>
-      </p:nvGrpSpPr>
-      <p:grpSpPr>
-        <a:xfrm>
-          <a:off x="0" y="0"/>
-          <a:ext cx="0" cy="0"/>
-          <a:chOff x="0" y="0"/>
-          <a:chExt cx="0" cy="0"/>
-        </a:xfrm>
-      </p:grpSpPr>
-      <p:sp>
-        <p:nvSpPr>
-          <p:cNvPr id="190" name="Google Shape;190;g12fc0804dff_2_1:notes"/>
-          <p:cNvSpPr>
-            <a:spLocks noGrp="1" noRot="1" noChangeAspect="1"/>
-          </p:cNvSpPr>
-          <p:nvPr>
-            <p:ph type="sldImg" idx="2"/>
-          </p:nvPr>
-        </p:nvSpPr>
-        <p:spPr>
-          <a:xfrm>
-            <a:off x="381300" y="685800"/>
-            <a:ext cx="6096000" cy="3429000"/>
-          </a:xfrm>
-          <a:custGeom>
-            <a:avLst/>
-            <a:gdLst/>
-            <a:ahLst/>
-            <a:cxnLst/>
-            <a:rect l="l" t="t" r="r" b="b"/>
-            <a:pathLst>
-              <a:path w="120000" h="120000" extrusionOk="0">
-                <a:moveTo>
-                  <a:pt x="0" y="0"/>
-                </a:moveTo>
-                <a:lnTo>
-                  <a:pt x="120000" y="0"/>
-                </a:lnTo>
-                <a:lnTo>
-                  <a:pt x="120000" y="120000"/>
-                </a:lnTo>
-                <a:lnTo>
-                  <a:pt x="0" y="120000"/>
-                </a:lnTo>
-                <a:close/>
-              </a:path>
-            </a:pathLst>
-          </a:custGeom>
-        </p:spPr>
-      </p:sp>
-      <p:sp>
-        <p:nvSpPr>
-          <p:cNvPr id="191" name="Google Shape;191;g12fc0804dff_2_1:notes"/>
-          <p:cNvSpPr txBox="1">
-            <a:spLocks noGrp="1"/>
-          </p:cNvSpPr>
-          <p:nvPr>
-            <p:ph type="body" idx="1"/>
-          </p:nvPr>
-        </p:nvSpPr>
-        <p:spPr>
-          <a:xfrm>
-            <a:off x="685800" y="4343400"/>
-            <a:ext cx="5486400" cy="4114800"/>
-          </a:xfrm>
-          <a:prstGeom prst="rect">
-            <a:avLst/>
-          </a:prstGeom>
-        </p:spPr>
-        <p:txBody>
-          <a:bodyPr spcFirstLastPara="1" wrap="square" lIns="91425" tIns="91425" rIns="91425" bIns="91425" anchor="t" anchorCtr="0">
-            <a:noAutofit/>
-          </a:bodyPr>
-          <a:lstStyle/>
-          <a:p>
-            <a:pPr marL="0" lvl="0" indent="0" algn="l" rtl="0">
-              <a:spcBef>
-                <a:spcPts val="0"/>
-              </a:spcBef>
-              <a:spcAft>
-                <a:spcPts val="0"/>
-              </a:spcAft>
-              <a:buNone/>
-            </a:pPr>
-            <a:endParaRPr sz="1200">
-              <a:solidFill>
-                <a:schemeClr val="dk1"/>
-              </a:solidFill>
-              <a:latin typeface="Lato"/>
-              <a:ea typeface="Lato"/>
-              <a:cs typeface="Lato"/>
-              <a:sym typeface="Lato"/>
-            </a:endParaRPr>
-          </a:p>
-        </p:txBody>
-      </p:sp>
-    </p:spTree>
-  </p:cSld>
-  <p:clrMapOvr>
-    <a:masterClrMapping/>
-  </p:clrMapOvr>
-</p:notes>
-</file>
-
-<file path=ppt/notesSlides/notesSlide5.xml><?xml version="1.0" encoding="utf-8"?>
+<file path=ppt/notesSlides/notesSlide8.xml><?xml version="1.0" encoding="utf-8"?>
 <p:notes xmlns:a="http://schemas.openxmlformats.org/drawingml/2006/main" xmlns:r="http://schemas.openxmlformats.org/officeDocument/2006/relationships" xmlns:p="http://schemas.openxmlformats.org/presentationml/2006/main" showMasterSp="0" showMasterPhAnim="0">
   <p:cSld>
     <p:spTree>
@@ -2048,7 +2734,7 @@
 </p:notes>
 </file>
 
-<file path=ppt/notesSlides/notesSlide6.xml><?xml version="1.0" encoding="utf-8"?>
+<file path=ppt/notesSlides/notesSlide9.xml><?xml version="1.0" encoding="utf-8"?>
 <p:notes xmlns:a="http://schemas.openxmlformats.org/drawingml/2006/main" xmlns:r="http://schemas.openxmlformats.org/officeDocument/2006/relationships" xmlns:p="http://schemas.openxmlformats.org/presentationml/2006/main" showMasterSp="0" showMasterPhAnim="0">
   <p:cSld>
     <p:spTree>
@@ -2144,326 +2830,6 @@
               <a:buNone/>
             </a:pPr>
             <a:endParaRPr/>
-          </a:p>
-        </p:txBody>
-      </p:sp>
-    </p:spTree>
-  </p:cSld>
-  <p:clrMapOvr>
-    <a:masterClrMapping/>
-  </p:clrMapOvr>
-</p:notes>
-</file>
-
-<file path=ppt/notesSlides/notesSlide7.xml><?xml version="1.0" encoding="utf-8"?>
-<p:notes xmlns:a="http://schemas.openxmlformats.org/drawingml/2006/main" xmlns:r="http://schemas.openxmlformats.org/officeDocument/2006/relationships" xmlns:p="http://schemas.openxmlformats.org/presentationml/2006/main" showMasterSp="0" showMasterPhAnim="0">
-  <p:cSld>
-    <p:spTree>
-      <p:nvGrpSpPr>
-        <p:cNvPr id="1" name="Shape 211"/>
-        <p:cNvGrpSpPr/>
-        <p:nvPr/>
-      </p:nvGrpSpPr>
-      <p:grpSpPr>
-        <a:xfrm>
-          <a:off x="0" y="0"/>
-          <a:ext cx="0" cy="0"/>
-          <a:chOff x="0" y="0"/>
-          <a:chExt cx="0" cy="0"/>
-        </a:xfrm>
-      </p:grpSpPr>
-      <p:sp>
-        <p:nvSpPr>
-          <p:cNvPr id="212" name="Google Shape;212;gbd6c00e730_0_143:notes"/>
-          <p:cNvSpPr>
-            <a:spLocks noGrp="1" noRot="1" noChangeAspect="1"/>
-          </p:cNvSpPr>
-          <p:nvPr>
-            <p:ph type="sldImg" idx="2"/>
-          </p:nvPr>
-        </p:nvSpPr>
-        <p:spPr>
-          <a:xfrm>
-            <a:off x="381300" y="685800"/>
-            <a:ext cx="6096000" cy="3429000"/>
-          </a:xfrm>
-          <a:custGeom>
-            <a:avLst/>
-            <a:gdLst/>
-            <a:ahLst/>
-            <a:cxnLst/>
-            <a:rect l="l" t="t" r="r" b="b"/>
-            <a:pathLst>
-              <a:path w="120000" h="120000" extrusionOk="0">
-                <a:moveTo>
-                  <a:pt x="0" y="0"/>
-                </a:moveTo>
-                <a:lnTo>
-                  <a:pt x="120000" y="0"/>
-                </a:lnTo>
-                <a:lnTo>
-                  <a:pt x="120000" y="120000"/>
-                </a:lnTo>
-                <a:lnTo>
-                  <a:pt x="0" y="120000"/>
-                </a:lnTo>
-                <a:close/>
-              </a:path>
-            </a:pathLst>
-          </a:custGeom>
-        </p:spPr>
-      </p:sp>
-      <p:sp>
-        <p:nvSpPr>
-          <p:cNvPr id="213" name="Google Shape;213;gbd6c00e730_0_143:notes"/>
-          <p:cNvSpPr txBox="1">
-            <a:spLocks noGrp="1"/>
-          </p:cNvSpPr>
-          <p:nvPr>
-            <p:ph type="body" idx="1"/>
-          </p:nvPr>
-        </p:nvSpPr>
-        <p:spPr>
-          <a:xfrm>
-            <a:off x="685800" y="4343400"/>
-            <a:ext cx="5486400" cy="4114800"/>
-          </a:xfrm>
-          <a:prstGeom prst="rect">
-            <a:avLst/>
-          </a:prstGeom>
-        </p:spPr>
-        <p:txBody>
-          <a:bodyPr spcFirstLastPara="1" wrap="square" lIns="91425" tIns="91425" rIns="91425" bIns="91425" anchor="t" anchorCtr="0">
-            <a:noAutofit/>
-          </a:bodyPr>
-          <a:lstStyle/>
-          <a:p>
-            <a:pPr marL="0" lvl="0" indent="0" algn="l" rtl="0">
-              <a:spcBef>
-                <a:spcPts val="0"/>
-              </a:spcBef>
-              <a:spcAft>
-                <a:spcPts val="0"/>
-              </a:spcAft>
-              <a:buNone/>
-            </a:pPr>
-            <a:endParaRPr/>
-          </a:p>
-        </p:txBody>
-      </p:sp>
-    </p:spTree>
-  </p:cSld>
-  <p:clrMapOvr>
-    <a:masterClrMapping/>
-  </p:clrMapOvr>
-</p:notes>
-</file>
-
-<file path=ppt/notesSlides/notesSlide8.xml><?xml version="1.0" encoding="utf-8"?>
-<p:notes xmlns:a="http://schemas.openxmlformats.org/drawingml/2006/main" xmlns:r="http://schemas.openxmlformats.org/officeDocument/2006/relationships" xmlns:p="http://schemas.openxmlformats.org/presentationml/2006/main" showMasterSp="0" showMasterPhAnim="0">
-  <p:cSld>
-    <p:spTree>
-      <p:nvGrpSpPr>
-        <p:cNvPr id="1" name="Shape 238"/>
-        <p:cNvGrpSpPr/>
-        <p:nvPr/>
-      </p:nvGrpSpPr>
-      <p:grpSpPr>
-        <a:xfrm>
-          <a:off x="0" y="0"/>
-          <a:ext cx="0" cy="0"/>
-          <a:chOff x="0" y="0"/>
-          <a:chExt cx="0" cy="0"/>
-        </a:xfrm>
-      </p:grpSpPr>
-      <p:sp>
-        <p:nvSpPr>
-          <p:cNvPr id="239" name="Google Shape;239;g13403699d15_0_84:notes"/>
-          <p:cNvSpPr>
-            <a:spLocks noGrp="1" noRot="1" noChangeAspect="1"/>
-          </p:cNvSpPr>
-          <p:nvPr>
-            <p:ph type="sldImg" idx="2"/>
-          </p:nvPr>
-        </p:nvSpPr>
-        <p:spPr>
-          <a:xfrm>
-            <a:off x="381000" y="685800"/>
-            <a:ext cx="6096000" cy="3429000"/>
-          </a:xfrm>
-          <a:custGeom>
-            <a:avLst/>
-            <a:gdLst/>
-            <a:ahLst/>
-            <a:cxnLst/>
-            <a:rect l="l" t="t" r="r" b="b"/>
-            <a:pathLst>
-              <a:path w="120000" h="120000" extrusionOk="0">
-                <a:moveTo>
-                  <a:pt x="0" y="0"/>
-                </a:moveTo>
-                <a:lnTo>
-                  <a:pt x="120000" y="0"/>
-                </a:lnTo>
-                <a:lnTo>
-                  <a:pt x="120000" y="120000"/>
-                </a:lnTo>
-                <a:lnTo>
-                  <a:pt x="0" y="120000"/>
-                </a:lnTo>
-                <a:close/>
-              </a:path>
-            </a:pathLst>
-          </a:custGeom>
-        </p:spPr>
-      </p:sp>
-      <p:sp>
-        <p:nvSpPr>
-          <p:cNvPr id="240" name="Google Shape;240;g13403699d15_0_84:notes"/>
-          <p:cNvSpPr txBox="1">
-            <a:spLocks noGrp="1"/>
-          </p:cNvSpPr>
-          <p:nvPr>
-            <p:ph type="body" idx="1"/>
-          </p:nvPr>
-        </p:nvSpPr>
-        <p:spPr>
-          <a:xfrm>
-            <a:off x="685800" y="4343400"/>
-            <a:ext cx="5486400" cy="4114800"/>
-          </a:xfrm>
-          <a:prstGeom prst="rect">
-            <a:avLst/>
-          </a:prstGeom>
-        </p:spPr>
-        <p:txBody>
-          <a:bodyPr spcFirstLastPara="1" wrap="square" lIns="91425" tIns="91425" rIns="91425" bIns="91425" anchor="t" anchorCtr="0">
-            <a:noAutofit/>
-          </a:bodyPr>
-          <a:lstStyle/>
-          <a:p>
-            <a:pPr marL="0" lvl="0" indent="0" algn="l" rtl="0">
-              <a:spcBef>
-                <a:spcPts val="0"/>
-              </a:spcBef>
-              <a:spcAft>
-                <a:spcPts val="0"/>
-              </a:spcAft>
-              <a:buNone/>
-            </a:pPr>
-            <a:endParaRPr>
-              <a:solidFill>
-                <a:srgbClr val="FF0000"/>
-              </a:solidFill>
-            </a:endParaRPr>
-          </a:p>
-        </p:txBody>
-      </p:sp>
-    </p:spTree>
-  </p:cSld>
-  <p:clrMapOvr>
-    <a:masterClrMapping/>
-  </p:clrMapOvr>
-</p:notes>
-</file>
-
-<file path=ppt/notesSlides/notesSlide9.xml><?xml version="1.0" encoding="utf-8"?>
-<p:notes xmlns:a="http://schemas.openxmlformats.org/drawingml/2006/main" xmlns:r="http://schemas.openxmlformats.org/officeDocument/2006/relationships" xmlns:p="http://schemas.openxmlformats.org/presentationml/2006/main" showMasterSp="0" showMasterPhAnim="0">
-  <p:cSld>
-    <p:spTree>
-      <p:nvGrpSpPr>
-        <p:cNvPr id="1" name="Shape 245"/>
-        <p:cNvGrpSpPr/>
-        <p:nvPr/>
-      </p:nvGrpSpPr>
-      <p:grpSpPr>
-        <a:xfrm>
-          <a:off x="0" y="0"/>
-          <a:ext cx="0" cy="0"/>
-          <a:chOff x="0" y="0"/>
-          <a:chExt cx="0" cy="0"/>
-        </a:xfrm>
-      </p:grpSpPr>
-      <p:sp>
-        <p:nvSpPr>
-          <p:cNvPr id="246" name="Google Shape;246;g13403699d15_0_129:notes"/>
-          <p:cNvSpPr>
-            <a:spLocks noGrp="1" noRot="1" noChangeAspect="1"/>
-          </p:cNvSpPr>
-          <p:nvPr>
-            <p:ph type="sldImg" idx="2"/>
-          </p:nvPr>
-        </p:nvSpPr>
-        <p:spPr>
-          <a:xfrm>
-            <a:off x="381300" y="685800"/>
-            <a:ext cx="6096000" cy="3429000"/>
-          </a:xfrm>
-          <a:custGeom>
-            <a:avLst/>
-            <a:gdLst/>
-            <a:ahLst/>
-            <a:cxnLst/>
-            <a:rect l="l" t="t" r="r" b="b"/>
-            <a:pathLst>
-              <a:path w="120000" h="120000" extrusionOk="0">
-                <a:moveTo>
-                  <a:pt x="0" y="0"/>
-                </a:moveTo>
-                <a:lnTo>
-                  <a:pt x="120000" y="0"/>
-                </a:lnTo>
-                <a:lnTo>
-                  <a:pt x="120000" y="120000"/>
-                </a:lnTo>
-                <a:lnTo>
-                  <a:pt x="0" y="120000"/>
-                </a:lnTo>
-                <a:close/>
-              </a:path>
-            </a:pathLst>
-          </a:custGeom>
-        </p:spPr>
-      </p:sp>
-      <p:sp>
-        <p:nvSpPr>
-          <p:cNvPr id="247" name="Google Shape;247;g13403699d15_0_129:notes"/>
-          <p:cNvSpPr txBox="1">
-            <a:spLocks noGrp="1"/>
-          </p:cNvSpPr>
-          <p:nvPr>
-            <p:ph type="body" idx="1"/>
-          </p:nvPr>
-        </p:nvSpPr>
-        <p:spPr>
-          <a:xfrm>
-            <a:off x="685800" y="4343400"/>
-            <a:ext cx="5486400" cy="4114800"/>
-          </a:xfrm>
-          <a:prstGeom prst="rect">
-            <a:avLst/>
-          </a:prstGeom>
-        </p:spPr>
-        <p:txBody>
-          <a:bodyPr spcFirstLastPara="1" wrap="square" lIns="91425" tIns="91425" rIns="91425" bIns="91425" anchor="t" anchorCtr="0">
-            <a:noAutofit/>
-          </a:bodyPr>
-          <a:lstStyle/>
-          <a:p>
-            <a:pPr marL="0" lvl="0" indent="0" algn="l" rtl="0">
-              <a:spcBef>
-                <a:spcPts val="0"/>
-              </a:spcBef>
-              <a:spcAft>
-                <a:spcPts val="0"/>
-              </a:spcAft>
-              <a:buNone/>
-            </a:pPr>
-            <a:endParaRPr>
-              <a:solidFill>
-                <a:srgbClr val="FF0000"/>
-              </a:solidFill>
-            </a:endParaRPr>
           </a:p>
         </p:txBody>
       </p:sp>
@@ -20798,7 +21164,7 @@
         </p:nvSpPr>
         <p:spPr>
           <a:xfrm>
-            <a:off x="370800" y="789437"/>
+            <a:off x="2432399" y="926775"/>
             <a:ext cx="3910500" cy="1857300"/>
           </a:xfrm>
           <a:prstGeom prst="rect">
@@ -20864,8 +21230,8 @@
         </p:nvSpPr>
         <p:spPr>
           <a:xfrm>
-            <a:off x="264449" y="3820125"/>
-            <a:ext cx="4123200" cy="396600"/>
+            <a:off x="2327865" y="3001634"/>
+            <a:ext cx="4123200" cy="1215091"/>
           </a:xfrm>
           <a:prstGeom prst="rect">
             <a:avLst/>
@@ -20910,7 +21276,7 @@
             </a:pPr>
             <a:r>
               <a:rPr lang="en-US" sz="1500" dirty="0"/>
-              <a:t>BIT 5594</a:t>
+              <a:t>MGT 5804: AI Automation Project</a:t>
             </a:r>
           </a:p>
           <a:p>
@@ -20928,14 +21294,194 @@
             </a:pPr>
             <a:r>
               <a:rPr lang="en-US" sz="1500" dirty="0"/>
-              <a:t>5/1/2022</a:t>
+              <a:t>5/1/2023</a:t>
             </a:r>
+          </a:p>
+        </p:txBody>
+      </p:sp>
+    </p:spTree>
+  </p:cSld>
+  <p:clrMapOvr>
+    <a:masterClrMapping/>
+  </p:clrMapOvr>
+</p:sld>
+</file>
+
+<file path=ppt/slides/slide10.xml><?xml version="1.0" encoding="utf-8"?>
+<p:sld xmlns:a="http://schemas.openxmlformats.org/drawingml/2006/main" xmlns:r="http://schemas.openxmlformats.org/officeDocument/2006/relationships" xmlns:p="http://schemas.openxmlformats.org/presentationml/2006/main">
+  <p:cSld>
+    <p:spTree>
+      <p:nvGrpSpPr>
+        <p:cNvPr id="1" name="Shape 206"/>
+        <p:cNvGrpSpPr/>
+        <p:nvPr/>
+      </p:nvGrpSpPr>
+      <p:grpSpPr>
+        <a:xfrm>
+          <a:off x="0" y="0"/>
+          <a:ext cx="0" cy="0"/>
+          <a:chOff x="0" y="0"/>
+          <a:chExt cx="0" cy="0"/>
+        </a:xfrm>
+      </p:grpSpPr>
+      <p:sp>
+        <p:nvSpPr>
+          <p:cNvPr id="207" name="Google Shape;207;p32"/>
+          <p:cNvSpPr txBox="1">
+            <a:spLocks noGrp="1"/>
+          </p:cNvSpPr>
+          <p:nvPr>
+            <p:ph type="title"/>
+          </p:nvPr>
+        </p:nvSpPr>
+        <p:spPr>
+          <a:xfrm>
+            <a:off x="720000" y="445025"/>
+            <a:ext cx="7704000" cy="572700"/>
+          </a:xfrm>
+          <a:prstGeom prst="rect">
+            <a:avLst/>
+          </a:prstGeom>
+        </p:spPr>
+        <p:txBody>
+          <a:bodyPr spcFirstLastPara="1" wrap="square" lIns="91425" tIns="91425" rIns="91425" bIns="91425" anchor="t" anchorCtr="0">
+            <a:noAutofit/>
+          </a:bodyPr>
+          <a:lstStyle/>
+          <a:p>
+            <a:pPr marL="0" lvl="0" indent="0" algn="l" rtl="0">
+              <a:spcBef>
+                <a:spcPts val="0"/>
+              </a:spcBef>
+              <a:spcAft>
+                <a:spcPts val="0"/>
+              </a:spcAft>
+              <a:buNone/>
+            </a:pPr>
+            <a:r>
+              <a:rPr lang="en"/>
+              <a:t>Marketing Plan </a:t>
+            </a:r>
+            <a:endParaRPr/>
+          </a:p>
+        </p:txBody>
+      </p:sp>
+      <p:sp>
+        <p:nvSpPr>
+          <p:cNvPr id="208" name="Google Shape;208;p32"/>
+          <p:cNvSpPr txBox="1">
+            <a:spLocks noGrp="1"/>
+          </p:cNvSpPr>
+          <p:nvPr>
+            <p:ph type="body" idx="1"/>
+          </p:nvPr>
+        </p:nvSpPr>
+        <p:spPr>
+          <a:xfrm>
+            <a:off x="720000" y="1287725"/>
+            <a:ext cx="7704000" cy="3344400"/>
+          </a:xfrm>
+          <a:prstGeom prst="rect">
+            <a:avLst/>
+          </a:prstGeom>
+        </p:spPr>
+        <p:txBody>
+          <a:bodyPr spcFirstLastPara="1" wrap="square" lIns="91425" tIns="91425" rIns="91425" bIns="91425" anchor="t" anchorCtr="0">
+            <a:noAutofit/>
+          </a:bodyPr>
+          <a:lstStyle/>
+          <a:p>
+            <a:pPr marL="457200" lvl="0" indent="-311150" algn="l" rtl="0">
+              <a:spcBef>
+                <a:spcPts val="0"/>
+              </a:spcBef>
+              <a:spcAft>
+                <a:spcPts val="0"/>
+              </a:spcAft>
+              <a:buSzPts val="1300"/>
+              <a:buChar char="●"/>
+            </a:pPr>
+            <a:r>
+              <a:rPr lang="en" sz="1300" b="1"/>
+              <a:t>Competitors:</a:t>
+            </a:r>
+            <a:r>
+              <a:rPr lang="en" sz="1300"/>
+              <a:t> Lawn Buddy is a pioneering idea, a first of its kind. Our niche is to tackle real world problems by implementing innovative and futuristic technology in the lawn care industry. By mobilizing lawn maintenance, we actively implement ease and efficiency and in return customer satisfaction. </a:t>
+            </a:r>
+            <a:endParaRPr sz="1300"/>
+          </a:p>
+          <a:p>
+            <a:pPr marL="457200" lvl="0" indent="0" algn="l" rtl="0">
+              <a:spcBef>
+                <a:spcPts val="0"/>
+              </a:spcBef>
+              <a:spcAft>
+                <a:spcPts val="0"/>
+              </a:spcAft>
+              <a:buNone/>
+            </a:pPr>
+            <a:endParaRPr sz="1300"/>
+          </a:p>
+          <a:p>
+            <a:pPr marL="457200" lvl="0" indent="-311150" algn="l" rtl="0">
+              <a:spcBef>
+                <a:spcPts val="0"/>
+              </a:spcBef>
+              <a:spcAft>
+                <a:spcPts val="0"/>
+              </a:spcAft>
+              <a:buSzPts val="1300"/>
+              <a:buChar char="●"/>
+            </a:pPr>
+            <a:r>
+              <a:rPr lang="en" sz="1300" b="1"/>
+              <a:t>Target Audience:</a:t>
+            </a:r>
+            <a:r>
+              <a:rPr lang="en" sz="1300"/>
+              <a:t> We strive to provide our services to all people, everywhere. We know that some are busier than others and do not have time to dedicate to lawn maintenance, those are ideal customers that would have a need to avail our customers. As well as those that are physically unable to provide care to their lawn like the elderly, sick individuals or disabled persons. Including customers that do not have lawn care tools and seek lawn services. Lastly, tech enthusiasts that implement innovativeness and hope to simplify everyday tasks. </a:t>
+            </a:r>
+            <a:endParaRPr sz="1300"/>
+          </a:p>
+          <a:p>
+            <a:pPr marL="0" lvl="0" indent="0" algn="l" rtl="0">
+              <a:spcBef>
+                <a:spcPts val="0"/>
+              </a:spcBef>
+              <a:spcAft>
+                <a:spcPts val="0"/>
+              </a:spcAft>
+              <a:buNone/>
+            </a:pPr>
+            <a:endParaRPr sz="1300"/>
+          </a:p>
+          <a:p>
+            <a:pPr marL="457200" lvl="0" indent="-311150" algn="l" rtl="0">
+              <a:spcBef>
+                <a:spcPts val="0"/>
+              </a:spcBef>
+              <a:spcAft>
+                <a:spcPts val="0"/>
+              </a:spcAft>
+              <a:buSzPts val="1300"/>
+              <a:buChar char="●"/>
+            </a:pPr>
+            <a:r>
+              <a:rPr lang="en" sz="1300" b="1"/>
+              <a:t>Advertisement</a:t>
+            </a:r>
+            <a:r>
+              <a:rPr lang="en" sz="1300"/>
+              <a:t>: Lawn Buddy’s advertisements will be displayed on social media as well as similar service-type applications.</a:t>
+            </a:r>
+            <a:endParaRPr/>
           </a:p>
         </p:txBody>
       </p:sp>
       <p:pic>
         <p:nvPicPr>
-          <p:cNvPr id="151" name="Google Shape;151;p28"/>
+          <p:cNvPr id="209" name="Google Shape;209;p32"/>
           <p:cNvPicPr preferRelativeResize="0"/>
           <p:nvPr/>
         </p:nvPicPr>
@@ -20949,8 +21495,8 @@
         </p:blipFill>
         <p:spPr>
           <a:xfrm>
-            <a:off x="4604124" y="400775"/>
-            <a:ext cx="4275302" cy="4275302"/>
+            <a:off x="8064600" y="234850"/>
+            <a:ext cx="886950" cy="886950"/>
           </a:xfrm>
           <a:prstGeom prst="rect">
             <a:avLst/>
@@ -20961,6 +21507,97 @@
           </a:ln>
         </p:spPr>
       </p:pic>
+      <p:sp>
+        <p:nvSpPr>
+          <p:cNvPr id="210" name="Google Shape;210;p32"/>
+          <p:cNvSpPr txBox="1"/>
+          <p:nvPr/>
+        </p:nvSpPr>
+        <p:spPr>
+          <a:xfrm>
+            <a:off x="526700" y="4632125"/>
+            <a:ext cx="7704000" cy="330900"/>
+          </a:xfrm>
+          <a:prstGeom prst="rect">
+            <a:avLst/>
+          </a:prstGeom>
+          <a:noFill/>
+          <a:ln>
+            <a:noFill/>
+          </a:ln>
+        </p:spPr>
+        <p:txBody>
+          <a:bodyPr spcFirstLastPara="1" wrap="square" lIns="91425" tIns="91425" rIns="91425" bIns="91425" anchor="t" anchorCtr="0">
+            <a:spAutoFit/>
+          </a:bodyPr>
+          <a:lstStyle/>
+          <a:p>
+            <a:pPr marL="0" lvl="0" indent="0" algn="ctr" rtl="0">
+              <a:spcBef>
+                <a:spcPts val="0"/>
+              </a:spcBef>
+              <a:spcAft>
+                <a:spcPts val="0"/>
+              </a:spcAft>
+              <a:buNone/>
+            </a:pPr>
+            <a:r>
+              <a:rPr lang="en" sz="950" i="1">
+                <a:solidFill>
+                  <a:srgbClr val="38761D"/>
+                </a:solidFill>
+                <a:highlight>
+                  <a:srgbClr val="FFFFFF"/>
+                </a:highlight>
+                <a:latin typeface="Roboto"/>
+                <a:ea typeface="Roboto"/>
+                <a:cs typeface="Roboto"/>
+                <a:sym typeface="Roboto"/>
+              </a:rPr>
+              <a:t>“The average American spends about </a:t>
+            </a:r>
+            <a:r>
+              <a:rPr lang="en" sz="950" b="1" i="1">
+                <a:solidFill>
+                  <a:srgbClr val="38761D"/>
+                </a:solidFill>
+                <a:highlight>
+                  <a:srgbClr val="FFFFFF"/>
+                </a:highlight>
+                <a:latin typeface="Roboto"/>
+                <a:ea typeface="Roboto"/>
+                <a:cs typeface="Roboto"/>
+                <a:sym typeface="Roboto"/>
+              </a:rPr>
+              <a:t>70 hours a year</a:t>
+            </a:r>
+            <a:r>
+              <a:rPr lang="en" sz="950" i="1">
+                <a:solidFill>
+                  <a:srgbClr val="38761D"/>
+                </a:solidFill>
+                <a:highlight>
+                  <a:srgbClr val="FFFFFF"/>
+                </a:highlight>
+                <a:latin typeface="Roboto"/>
+                <a:ea typeface="Roboto"/>
+                <a:cs typeface="Roboto"/>
+                <a:sym typeface="Roboto"/>
+              </a:rPr>
+              <a:t> on lawn and garden care, according to the American Time Use Survey.”</a:t>
+            </a:r>
+            <a:endParaRPr sz="950" i="1">
+              <a:solidFill>
+                <a:srgbClr val="38761D"/>
+              </a:solidFill>
+              <a:latin typeface="Lato"/>
+              <a:ea typeface="Lato"/>
+              <a:cs typeface="Lato"/>
+              <a:sym typeface="Lato"/>
+            </a:endParaRPr>
+          </a:p>
+        </p:txBody>
+      </p:sp>
     </p:spTree>
   </p:cSld>
   <p:clrMapOvr>
@@ -20969,7 +21606,1657 @@
 </p:sld>
 </file>
 
-<file path=ppt/slides/slide10.xml><?xml version="1.0" encoding="utf-8"?>
+<file path=ppt/slides/slide11.xml><?xml version="1.0" encoding="utf-8"?>
+<p:sld xmlns:a="http://schemas.openxmlformats.org/drawingml/2006/main" xmlns:r="http://schemas.openxmlformats.org/officeDocument/2006/relationships" xmlns:p="http://schemas.openxmlformats.org/presentationml/2006/main">
+  <p:cSld>
+    <p:spTree>
+      <p:nvGrpSpPr>
+        <p:cNvPr id="1" name="Shape 214"/>
+        <p:cNvGrpSpPr/>
+        <p:nvPr/>
+      </p:nvGrpSpPr>
+      <p:grpSpPr>
+        <a:xfrm>
+          <a:off x="0" y="0"/>
+          <a:ext cx="0" cy="0"/>
+          <a:chOff x="0" y="0"/>
+          <a:chExt cx="0" cy="0"/>
+        </a:xfrm>
+      </p:grpSpPr>
+      <p:sp>
+        <p:nvSpPr>
+          <p:cNvPr id="215" name="Google Shape;215;p33"/>
+          <p:cNvSpPr/>
+          <p:nvPr/>
+        </p:nvSpPr>
+        <p:spPr>
+          <a:xfrm>
+            <a:off x="6733700" y="1211600"/>
+            <a:ext cx="639300" cy="619800"/>
+          </a:xfrm>
+          <a:prstGeom prst="roundRect">
+            <a:avLst>
+              <a:gd name="adj" fmla="val 16667"/>
+            </a:avLst>
+          </a:prstGeom>
+          <a:solidFill>
+            <a:schemeClr val="lt2"/>
+          </a:solidFill>
+          <a:ln>
+            <a:noFill/>
+          </a:ln>
+        </p:spPr>
+        <p:txBody>
+          <a:bodyPr spcFirstLastPara="1" wrap="square" lIns="91425" tIns="91425" rIns="91425" bIns="91425" anchor="ctr" anchorCtr="0">
+            <a:noAutofit/>
+          </a:bodyPr>
+          <a:lstStyle/>
+          <a:p>
+            <a:pPr marL="0" lvl="0" indent="0" algn="l" rtl="0">
+              <a:spcBef>
+                <a:spcPts val="0"/>
+              </a:spcBef>
+              <a:spcAft>
+                <a:spcPts val="0"/>
+              </a:spcAft>
+              <a:buNone/>
+            </a:pPr>
+            <a:endParaRPr/>
+          </a:p>
+        </p:txBody>
+      </p:sp>
+      <p:sp>
+        <p:nvSpPr>
+          <p:cNvPr id="216" name="Google Shape;216;p33"/>
+          <p:cNvSpPr/>
+          <p:nvPr/>
+        </p:nvSpPr>
+        <p:spPr>
+          <a:xfrm>
+            <a:off x="1705700" y="1211600"/>
+            <a:ext cx="639300" cy="619800"/>
+          </a:xfrm>
+          <a:prstGeom prst="roundRect">
+            <a:avLst>
+              <a:gd name="adj" fmla="val 16667"/>
+            </a:avLst>
+          </a:prstGeom>
+          <a:solidFill>
+            <a:schemeClr val="lt2"/>
+          </a:solidFill>
+          <a:ln>
+            <a:noFill/>
+          </a:ln>
+        </p:spPr>
+        <p:txBody>
+          <a:bodyPr spcFirstLastPara="1" wrap="square" lIns="91425" tIns="91425" rIns="91425" bIns="91425" anchor="ctr" anchorCtr="0">
+            <a:noAutofit/>
+          </a:bodyPr>
+          <a:lstStyle/>
+          <a:p>
+            <a:pPr marL="0" lvl="0" indent="0" algn="l" rtl="0">
+              <a:spcBef>
+                <a:spcPts val="0"/>
+              </a:spcBef>
+              <a:spcAft>
+                <a:spcPts val="0"/>
+              </a:spcAft>
+              <a:buNone/>
+            </a:pPr>
+            <a:endParaRPr/>
+          </a:p>
+        </p:txBody>
+      </p:sp>
+      <p:sp>
+        <p:nvSpPr>
+          <p:cNvPr id="217" name="Google Shape;217;p33"/>
+          <p:cNvSpPr txBox="1">
+            <a:spLocks noGrp="1"/>
+          </p:cNvSpPr>
+          <p:nvPr>
+            <p:ph type="title"/>
+          </p:nvPr>
+        </p:nvSpPr>
+        <p:spPr>
+          <a:xfrm>
+            <a:off x="958550" y="1919642"/>
+            <a:ext cx="2175300" cy="527700"/>
+          </a:xfrm>
+          <a:prstGeom prst="rect">
+            <a:avLst/>
+          </a:prstGeom>
+        </p:spPr>
+        <p:txBody>
+          <a:bodyPr spcFirstLastPara="1" wrap="square" lIns="91425" tIns="91425" rIns="91425" bIns="91425" anchor="t" anchorCtr="0">
+            <a:noAutofit/>
+          </a:bodyPr>
+          <a:lstStyle/>
+          <a:p>
+            <a:pPr marL="0" lvl="0" indent="0" algn="ctr" rtl="0">
+              <a:spcBef>
+                <a:spcPts val="0"/>
+              </a:spcBef>
+              <a:spcAft>
+                <a:spcPts val="0"/>
+              </a:spcAft>
+              <a:buNone/>
+            </a:pPr>
+            <a:r>
+              <a:rPr lang="en"/>
+              <a:t>Production</a:t>
+            </a:r>
+            <a:endParaRPr/>
+          </a:p>
+        </p:txBody>
+      </p:sp>
+      <p:sp>
+        <p:nvSpPr>
+          <p:cNvPr id="218" name="Google Shape;218;p33"/>
+          <p:cNvSpPr txBox="1">
+            <a:spLocks noGrp="1"/>
+          </p:cNvSpPr>
+          <p:nvPr>
+            <p:ph type="subTitle" idx="1"/>
+          </p:nvPr>
+        </p:nvSpPr>
+        <p:spPr>
+          <a:xfrm>
+            <a:off x="719475" y="2594450"/>
+            <a:ext cx="2733300" cy="2133000"/>
+          </a:xfrm>
+          <a:prstGeom prst="rect">
+            <a:avLst/>
+          </a:prstGeom>
+        </p:spPr>
+        <p:txBody>
+          <a:bodyPr spcFirstLastPara="1" wrap="square" lIns="91425" tIns="91425" rIns="91425" bIns="91425" anchor="t" anchorCtr="0">
+            <a:noAutofit/>
+          </a:bodyPr>
+          <a:lstStyle/>
+          <a:p>
+            <a:pPr marL="457200" lvl="0" indent="-317500" algn="l" rtl="0">
+              <a:spcBef>
+                <a:spcPts val="0"/>
+              </a:spcBef>
+              <a:spcAft>
+                <a:spcPts val="0"/>
+              </a:spcAft>
+              <a:buSzPts val="1400"/>
+              <a:buChar char="●"/>
+            </a:pPr>
+            <a:r>
+              <a:rPr lang="en"/>
+              <a:t>Production will be covered in house</a:t>
+            </a:r>
+            <a:endParaRPr/>
+          </a:p>
+          <a:p>
+            <a:pPr marL="457200" lvl="0" indent="-317500" algn="l" rtl="0">
+              <a:spcBef>
+                <a:spcPts val="0"/>
+              </a:spcBef>
+              <a:spcAft>
+                <a:spcPts val="0"/>
+              </a:spcAft>
+              <a:buSzPts val="1400"/>
+              <a:buChar char="●"/>
+            </a:pPr>
+            <a:r>
+              <a:rPr lang="en"/>
+              <a:t>Overall cost of production/development: $60,000 (app)</a:t>
+            </a:r>
+            <a:endParaRPr/>
+          </a:p>
+          <a:p>
+            <a:pPr marL="457200" lvl="0" indent="-317500" algn="l" rtl="0">
+              <a:spcBef>
+                <a:spcPts val="0"/>
+              </a:spcBef>
+              <a:spcAft>
+                <a:spcPts val="0"/>
+              </a:spcAft>
+              <a:buSzPts val="1400"/>
+              <a:buChar char="●"/>
+            </a:pPr>
+            <a:r>
+              <a:rPr lang="en"/>
+              <a:t>Monthly subscription-based (lawn mowing companies, $50/month/contractor) &amp; 5% of sales</a:t>
+            </a:r>
+            <a:endParaRPr/>
+          </a:p>
+          <a:p>
+            <a:pPr marL="457200" lvl="0" indent="0" algn="l" rtl="0">
+              <a:spcBef>
+                <a:spcPts val="0"/>
+              </a:spcBef>
+              <a:spcAft>
+                <a:spcPts val="0"/>
+              </a:spcAft>
+              <a:buNone/>
+            </a:pPr>
+            <a:endParaRPr/>
+          </a:p>
+        </p:txBody>
+      </p:sp>
+      <p:sp>
+        <p:nvSpPr>
+          <p:cNvPr id="219" name="Google Shape;219;p33"/>
+          <p:cNvSpPr txBox="1">
+            <a:spLocks noGrp="1"/>
+          </p:cNvSpPr>
+          <p:nvPr>
+            <p:ph type="title" idx="2"/>
+          </p:nvPr>
+        </p:nvSpPr>
+        <p:spPr>
+          <a:xfrm>
+            <a:off x="3483824" y="1919649"/>
+            <a:ext cx="2175300" cy="527700"/>
+          </a:xfrm>
+          <a:prstGeom prst="rect">
+            <a:avLst/>
+          </a:prstGeom>
+        </p:spPr>
+        <p:txBody>
+          <a:bodyPr spcFirstLastPara="1" wrap="square" lIns="91425" tIns="91425" rIns="91425" bIns="91425" anchor="t" anchorCtr="0">
+            <a:noAutofit/>
+          </a:bodyPr>
+          <a:lstStyle/>
+          <a:p>
+            <a:pPr marL="0" lvl="0" indent="0" algn="ctr" rtl="0">
+              <a:spcBef>
+                <a:spcPts val="0"/>
+              </a:spcBef>
+              <a:spcAft>
+                <a:spcPts val="0"/>
+              </a:spcAft>
+              <a:buNone/>
+            </a:pPr>
+            <a:r>
+              <a:rPr lang="en"/>
+              <a:t>Quality</a:t>
+            </a:r>
+            <a:endParaRPr/>
+          </a:p>
+        </p:txBody>
+      </p:sp>
+      <p:sp>
+        <p:nvSpPr>
+          <p:cNvPr id="220" name="Google Shape;220;p33"/>
+          <p:cNvSpPr txBox="1">
+            <a:spLocks noGrp="1"/>
+          </p:cNvSpPr>
+          <p:nvPr>
+            <p:ph type="subTitle" idx="3"/>
+          </p:nvPr>
+        </p:nvSpPr>
+        <p:spPr>
+          <a:xfrm>
+            <a:off x="3402225" y="2594450"/>
+            <a:ext cx="2733300" cy="1165800"/>
+          </a:xfrm>
+          <a:prstGeom prst="rect">
+            <a:avLst/>
+          </a:prstGeom>
+        </p:spPr>
+        <p:txBody>
+          <a:bodyPr spcFirstLastPara="1" wrap="square" lIns="91425" tIns="91425" rIns="91425" bIns="91425" anchor="t" anchorCtr="0">
+            <a:noAutofit/>
+          </a:bodyPr>
+          <a:lstStyle/>
+          <a:p>
+            <a:pPr marL="457200" lvl="0" indent="-317500" algn="l" rtl="0">
+              <a:spcBef>
+                <a:spcPts val="0"/>
+              </a:spcBef>
+              <a:spcAft>
+                <a:spcPts val="0"/>
+              </a:spcAft>
+              <a:buSzPts val="1400"/>
+              <a:buChar char="●"/>
+            </a:pPr>
+            <a:r>
+              <a:rPr lang="en"/>
+              <a:t>Monitor the marketplace (reviews by customers)</a:t>
+            </a:r>
+            <a:endParaRPr/>
+          </a:p>
+          <a:p>
+            <a:pPr marL="457200" lvl="0" indent="-317500" algn="l" rtl="0">
+              <a:spcBef>
+                <a:spcPts val="0"/>
+              </a:spcBef>
+              <a:spcAft>
+                <a:spcPts val="0"/>
+              </a:spcAft>
+              <a:buSzPts val="1400"/>
+              <a:buChar char="●"/>
+            </a:pPr>
+            <a:r>
+              <a:rPr lang="en"/>
+              <a:t>Automated Testing</a:t>
+            </a:r>
+            <a:endParaRPr/>
+          </a:p>
+          <a:p>
+            <a:pPr marL="457200" lvl="0" indent="-317500" algn="l" rtl="0">
+              <a:spcBef>
+                <a:spcPts val="0"/>
+              </a:spcBef>
+              <a:spcAft>
+                <a:spcPts val="0"/>
+              </a:spcAft>
+              <a:buSzPts val="1400"/>
+              <a:buChar char="●"/>
+            </a:pPr>
+            <a:r>
+              <a:rPr lang="en"/>
+              <a:t>Frequent Testing</a:t>
+            </a:r>
+            <a:endParaRPr/>
+          </a:p>
+          <a:p>
+            <a:pPr marL="457200" lvl="0" indent="-317500" algn="l" rtl="0">
+              <a:spcBef>
+                <a:spcPts val="0"/>
+              </a:spcBef>
+              <a:spcAft>
+                <a:spcPts val="0"/>
+              </a:spcAft>
+              <a:buSzPts val="1400"/>
+              <a:buChar char="●"/>
+            </a:pPr>
+            <a:r>
+              <a:rPr lang="en"/>
+              <a:t>Crowdsourcing Testing</a:t>
+            </a:r>
+            <a:endParaRPr/>
+          </a:p>
+          <a:p>
+            <a:pPr marL="457200" lvl="0" indent="0" algn="l" rtl="0">
+              <a:spcBef>
+                <a:spcPts val="0"/>
+              </a:spcBef>
+              <a:spcAft>
+                <a:spcPts val="0"/>
+              </a:spcAft>
+              <a:buNone/>
+            </a:pPr>
+            <a:endParaRPr/>
+          </a:p>
+        </p:txBody>
+      </p:sp>
+      <p:sp>
+        <p:nvSpPr>
+          <p:cNvPr id="221" name="Google Shape;221;p33"/>
+          <p:cNvSpPr txBox="1">
+            <a:spLocks noGrp="1"/>
+          </p:cNvSpPr>
+          <p:nvPr>
+            <p:ph type="subTitle" idx="5"/>
+          </p:nvPr>
+        </p:nvSpPr>
+        <p:spPr>
+          <a:xfrm>
+            <a:off x="5959600" y="2594450"/>
+            <a:ext cx="2318400" cy="1165800"/>
+          </a:xfrm>
+          <a:prstGeom prst="rect">
+            <a:avLst/>
+          </a:prstGeom>
+        </p:spPr>
+        <p:txBody>
+          <a:bodyPr spcFirstLastPara="1" wrap="square" lIns="91425" tIns="91425" rIns="91425" bIns="91425" anchor="t" anchorCtr="0">
+            <a:noAutofit/>
+          </a:bodyPr>
+          <a:lstStyle/>
+          <a:p>
+            <a:pPr marL="457200" lvl="0" indent="-317500" algn="l" rtl="0">
+              <a:spcBef>
+                <a:spcPts val="0"/>
+              </a:spcBef>
+              <a:spcAft>
+                <a:spcPts val="0"/>
+              </a:spcAft>
+              <a:buSzPts val="1400"/>
+              <a:buChar char="●"/>
+            </a:pPr>
+            <a:r>
+              <a:rPr lang="en"/>
+              <a:t>Contractors (lawn mowing companies &amp; individuals)</a:t>
+            </a:r>
+            <a:endParaRPr/>
+          </a:p>
+        </p:txBody>
+      </p:sp>
+      <p:grpSp>
+        <p:nvGrpSpPr>
+          <p:cNvPr id="222" name="Google Shape;222;p33"/>
+          <p:cNvGrpSpPr/>
+          <p:nvPr/>
+        </p:nvGrpSpPr>
+        <p:grpSpPr>
+          <a:xfrm>
+            <a:off x="6911274" y="1383536"/>
+            <a:ext cx="284159" cy="275951"/>
+            <a:chOff x="-40378075" y="3267450"/>
+            <a:chExt cx="317425" cy="289075"/>
+          </a:xfrm>
+        </p:grpSpPr>
+        <p:sp>
+          <p:nvSpPr>
+            <p:cNvPr id="223" name="Google Shape;223;p33"/>
+            <p:cNvSpPr/>
+            <p:nvPr/>
+          </p:nvSpPr>
+          <p:spPr>
+            <a:xfrm>
+              <a:off x="-40218975" y="3308400"/>
+              <a:ext cx="158325" cy="248125"/>
+            </a:xfrm>
+            <a:custGeom>
+              <a:avLst/>
+              <a:gdLst/>
+              <a:ahLst/>
+              <a:cxnLst/>
+              <a:rect l="l" t="t" r="r" b="b"/>
+              <a:pathLst>
+                <a:path w="6333" h="9925" extrusionOk="0">
+                  <a:moveTo>
+                    <a:pt x="4694" y="1"/>
+                  </a:moveTo>
+                  <a:lnTo>
+                    <a:pt x="4694" y="7877"/>
+                  </a:lnTo>
+                  <a:cubicBezTo>
+                    <a:pt x="4694" y="8097"/>
+                    <a:pt x="4474" y="8255"/>
+                    <a:pt x="4253" y="8255"/>
+                  </a:cubicBezTo>
+                  <a:cubicBezTo>
+                    <a:pt x="2993" y="8255"/>
+                    <a:pt x="1638" y="8696"/>
+                    <a:pt x="693" y="9452"/>
+                  </a:cubicBezTo>
+                  <a:cubicBezTo>
+                    <a:pt x="536" y="9546"/>
+                    <a:pt x="189" y="9925"/>
+                    <a:pt x="0" y="9925"/>
+                  </a:cubicBezTo>
+                  <a:lnTo>
+                    <a:pt x="5073" y="9925"/>
+                  </a:lnTo>
+                  <a:cubicBezTo>
+                    <a:pt x="5734" y="9925"/>
+                    <a:pt x="6333" y="9357"/>
+                    <a:pt x="6333" y="8696"/>
+                  </a:cubicBezTo>
+                  <a:lnTo>
+                    <a:pt x="6333" y="1229"/>
+                  </a:lnTo>
+                  <a:cubicBezTo>
+                    <a:pt x="6333" y="536"/>
+                    <a:pt x="5766" y="1"/>
+                    <a:pt x="5073" y="1"/>
+                  </a:cubicBezTo>
+                  <a:close/>
+                </a:path>
+              </a:pathLst>
+            </a:custGeom>
+            <a:solidFill>
+              <a:schemeClr val="dk1"/>
+            </a:solidFill>
+            <a:ln>
+              <a:noFill/>
+            </a:ln>
+          </p:spPr>
+          <p:txBody>
+            <a:bodyPr spcFirstLastPara="1" wrap="square" lIns="91425" tIns="91425" rIns="91425" bIns="91425" anchor="ctr" anchorCtr="0">
+              <a:noAutofit/>
+            </a:bodyPr>
+            <a:lstStyle/>
+            <a:p>
+              <a:pPr marL="0" lvl="0" indent="0" algn="l" rtl="0">
+                <a:spcBef>
+                  <a:spcPts val="0"/>
+                </a:spcBef>
+                <a:spcAft>
+                  <a:spcPts val="0"/>
+                </a:spcAft>
+                <a:buNone/>
+              </a:pPr>
+              <a:endParaRPr/>
+            </a:p>
+          </p:txBody>
+        </p:sp>
+        <p:sp>
+          <p:nvSpPr>
+            <p:cNvPr id="224" name="Google Shape;224;p33"/>
+            <p:cNvSpPr/>
+            <p:nvPr/>
+          </p:nvSpPr>
+          <p:spPr>
+            <a:xfrm>
+              <a:off x="-40316650" y="3267450"/>
+              <a:ext cx="86675" cy="257575"/>
+            </a:xfrm>
+            <a:custGeom>
+              <a:avLst/>
+              <a:gdLst/>
+              <a:ahLst/>
+              <a:cxnLst/>
+              <a:rect l="l" t="t" r="r" b="b"/>
+              <a:pathLst>
+                <a:path w="3467" h="10303" extrusionOk="0">
+                  <a:moveTo>
+                    <a:pt x="1" y="0"/>
+                  </a:moveTo>
+                  <a:lnTo>
+                    <a:pt x="1" y="9105"/>
+                  </a:lnTo>
+                  <a:cubicBezTo>
+                    <a:pt x="1166" y="9200"/>
+                    <a:pt x="2489" y="9578"/>
+                    <a:pt x="3466" y="10302"/>
+                  </a:cubicBezTo>
+                  <a:lnTo>
+                    <a:pt x="3466" y="1197"/>
+                  </a:lnTo>
+                  <a:cubicBezTo>
+                    <a:pt x="2489" y="473"/>
+                    <a:pt x="1229" y="95"/>
+                    <a:pt x="1" y="0"/>
+                  </a:cubicBezTo>
+                  <a:close/>
+                </a:path>
+              </a:pathLst>
+            </a:custGeom>
+            <a:solidFill>
+              <a:schemeClr val="dk1"/>
+            </a:solidFill>
+            <a:ln>
+              <a:noFill/>
+            </a:ln>
+          </p:spPr>
+          <p:txBody>
+            <a:bodyPr spcFirstLastPara="1" wrap="square" lIns="91425" tIns="91425" rIns="91425" bIns="91425" anchor="ctr" anchorCtr="0">
+              <a:noAutofit/>
+            </a:bodyPr>
+            <a:lstStyle/>
+            <a:p>
+              <a:pPr marL="0" lvl="0" indent="0" algn="l" rtl="0">
+                <a:spcBef>
+                  <a:spcPts val="0"/>
+                </a:spcBef>
+                <a:spcAft>
+                  <a:spcPts val="0"/>
+                </a:spcAft>
+                <a:buNone/>
+              </a:pPr>
+              <a:endParaRPr/>
+            </a:p>
+          </p:txBody>
+        </p:sp>
+        <p:sp>
+          <p:nvSpPr>
+            <p:cNvPr id="225" name="Google Shape;225;p33"/>
+            <p:cNvSpPr/>
+            <p:nvPr/>
+          </p:nvSpPr>
+          <p:spPr>
+            <a:xfrm>
+              <a:off x="-40209525" y="3267450"/>
+              <a:ext cx="86650" cy="257575"/>
+            </a:xfrm>
+            <a:custGeom>
+              <a:avLst/>
+              <a:gdLst/>
+              <a:ahLst/>
+              <a:cxnLst/>
+              <a:rect l="l" t="t" r="r" b="b"/>
+              <a:pathLst>
+                <a:path w="3466" h="10303" extrusionOk="0">
+                  <a:moveTo>
+                    <a:pt x="3466" y="0"/>
+                  </a:moveTo>
+                  <a:cubicBezTo>
+                    <a:pt x="2300" y="95"/>
+                    <a:pt x="977" y="473"/>
+                    <a:pt x="0" y="1197"/>
+                  </a:cubicBezTo>
+                  <a:lnTo>
+                    <a:pt x="0" y="10302"/>
+                  </a:lnTo>
+                  <a:cubicBezTo>
+                    <a:pt x="977" y="9578"/>
+                    <a:pt x="2237" y="9200"/>
+                    <a:pt x="3466" y="9105"/>
+                  </a:cubicBezTo>
+                  <a:lnTo>
+                    <a:pt x="3466" y="0"/>
+                  </a:lnTo>
+                  <a:close/>
+                </a:path>
+              </a:pathLst>
+            </a:custGeom>
+            <a:solidFill>
+              <a:schemeClr val="dk1"/>
+            </a:solidFill>
+            <a:ln>
+              <a:noFill/>
+            </a:ln>
+          </p:spPr>
+          <p:txBody>
+            <a:bodyPr spcFirstLastPara="1" wrap="square" lIns="91425" tIns="91425" rIns="91425" bIns="91425" anchor="ctr" anchorCtr="0">
+              <a:noAutofit/>
+            </a:bodyPr>
+            <a:lstStyle/>
+            <a:p>
+              <a:pPr marL="0" lvl="0" indent="0" algn="l" rtl="0">
+                <a:spcBef>
+                  <a:spcPts val="0"/>
+                </a:spcBef>
+                <a:spcAft>
+                  <a:spcPts val="0"/>
+                </a:spcAft>
+                <a:buNone/>
+              </a:pPr>
+              <a:endParaRPr/>
+            </a:p>
+          </p:txBody>
+        </p:sp>
+        <p:sp>
+          <p:nvSpPr>
+            <p:cNvPr id="226" name="Google Shape;226;p33"/>
+            <p:cNvSpPr/>
+            <p:nvPr/>
+          </p:nvSpPr>
+          <p:spPr>
+            <a:xfrm>
+              <a:off x="-40378075" y="3308400"/>
+              <a:ext cx="157550" cy="248125"/>
+            </a:xfrm>
+            <a:custGeom>
+              <a:avLst/>
+              <a:gdLst/>
+              <a:ahLst/>
+              <a:cxnLst/>
+              <a:rect l="l" t="t" r="r" b="b"/>
+              <a:pathLst>
+                <a:path w="6302" h="9925" extrusionOk="0">
+                  <a:moveTo>
+                    <a:pt x="1229" y="1"/>
+                  </a:moveTo>
+                  <a:cubicBezTo>
+                    <a:pt x="567" y="1"/>
+                    <a:pt x="0" y="536"/>
+                    <a:pt x="0" y="1198"/>
+                  </a:cubicBezTo>
+                  <a:lnTo>
+                    <a:pt x="0" y="8664"/>
+                  </a:lnTo>
+                  <a:cubicBezTo>
+                    <a:pt x="32" y="9357"/>
+                    <a:pt x="567" y="9925"/>
+                    <a:pt x="1229" y="9925"/>
+                  </a:cubicBezTo>
+                  <a:lnTo>
+                    <a:pt x="6301" y="9925"/>
+                  </a:lnTo>
+                  <a:cubicBezTo>
+                    <a:pt x="6112" y="9925"/>
+                    <a:pt x="5766" y="9609"/>
+                    <a:pt x="5608" y="9452"/>
+                  </a:cubicBezTo>
+                  <a:cubicBezTo>
+                    <a:pt x="4631" y="8664"/>
+                    <a:pt x="3277" y="8255"/>
+                    <a:pt x="2048" y="8255"/>
+                  </a:cubicBezTo>
+                  <a:cubicBezTo>
+                    <a:pt x="1828" y="8255"/>
+                    <a:pt x="1638" y="8066"/>
+                    <a:pt x="1638" y="7877"/>
+                  </a:cubicBezTo>
+                  <a:lnTo>
+                    <a:pt x="1638" y="1"/>
+                  </a:lnTo>
+                  <a:close/>
+                </a:path>
+              </a:pathLst>
+            </a:custGeom>
+            <a:solidFill>
+              <a:schemeClr val="dk1"/>
+            </a:solidFill>
+            <a:ln>
+              <a:noFill/>
+            </a:ln>
+          </p:spPr>
+          <p:txBody>
+            <a:bodyPr spcFirstLastPara="1" wrap="square" lIns="91425" tIns="91425" rIns="91425" bIns="91425" anchor="ctr" anchorCtr="0">
+              <a:noAutofit/>
+            </a:bodyPr>
+            <a:lstStyle/>
+            <a:p>
+              <a:pPr marL="0" lvl="0" indent="0" algn="l" rtl="0">
+                <a:spcBef>
+                  <a:spcPts val="0"/>
+                </a:spcBef>
+                <a:spcAft>
+                  <a:spcPts val="0"/>
+                </a:spcAft>
+                <a:buNone/>
+              </a:pPr>
+              <a:endParaRPr/>
+            </a:p>
+          </p:txBody>
+        </p:sp>
+      </p:grpSp>
+      <p:grpSp>
+        <p:nvGrpSpPr>
+          <p:cNvPr id="227" name="Google Shape;227;p33"/>
+          <p:cNvGrpSpPr/>
+          <p:nvPr/>
+        </p:nvGrpSpPr>
+        <p:grpSpPr>
+          <a:xfrm>
+            <a:off x="1883271" y="1383534"/>
+            <a:ext cx="284158" cy="275931"/>
+            <a:chOff x="1854078" y="1391294"/>
+            <a:chExt cx="341208" cy="260534"/>
+          </a:xfrm>
+        </p:grpSpPr>
+        <p:sp>
+          <p:nvSpPr>
+            <p:cNvPr id="228" name="Google Shape;228;p33"/>
+            <p:cNvSpPr/>
+            <p:nvPr/>
+          </p:nvSpPr>
+          <p:spPr>
+            <a:xfrm>
+              <a:off x="1854078" y="1609485"/>
+              <a:ext cx="341208" cy="42343"/>
+            </a:xfrm>
+            <a:custGeom>
+              <a:avLst/>
+              <a:gdLst/>
+              <a:ahLst/>
+              <a:cxnLst/>
+              <a:rect l="l" t="t" r="r" b="b"/>
+              <a:pathLst>
+                <a:path w="12635" h="1608" extrusionOk="0">
+                  <a:moveTo>
+                    <a:pt x="379" y="0"/>
+                  </a:moveTo>
+                  <a:cubicBezTo>
+                    <a:pt x="159" y="0"/>
+                    <a:pt x="1" y="189"/>
+                    <a:pt x="1" y="378"/>
+                  </a:cubicBezTo>
+                  <a:cubicBezTo>
+                    <a:pt x="1" y="1040"/>
+                    <a:pt x="537" y="1607"/>
+                    <a:pt x="1198" y="1607"/>
+                  </a:cubicBezTo>
+                  <a:lnTo>
+                    <a:pt x="11406" y="1607"/>
+                  </a:lnTo>
+                  <a:cubicBezTo>
+                    <a:pt x="12067" y="1607"/>
+                    <a:pt x="12634" y="1072"/>
+                    <a:pt x="12634" y="378"/>
+                  </a:cubicBezTo>
+                  <a:cubicBezTo>
+                    <a:pt x="12603" y="158"/>
+                    <a:pt x="12445" y="0"/>
+                    <a:pt x="12193" y="0"/>
+                  </a:cubicBezTo>
+                  <a:lnTo>
+                    <a:pt x="10965" y="0"/>
+                  </a:lnTo>
+                  <a:lnTo>
+                    <a:pt x="10965" y="378"/>
+                  </a:lnTo>
+                  <a:cubicBezTo>
+                    <a:pt x="10965" y="630"/>
+                    <a:pt x="10776" y="819"/>
+                    <a:pt x="10555" y="819"/>
+                  </a:cubicBezTo>
+                  <a:cubicBezTo>
+                    <a:pt x="10303" y="819"/>
+                    <a:pt x="10146" y="630"/>
+                    <a:pt x="10146" y="378"/>
+                  </a:cubicBezTo>
+                  <a:lnTo>
+                    <a:pt x="10146" y="0"/>
+                  </a:lnTo>
+                  <a:lnTo>
+                    <a:pt x="9326" y="0"/>
+                  </a:lnTo>
+                  <a:lnTo>
+                    <a:pt x="9326" y="378"/>
+                  </a:lnTo>
+                  <a:cubicBezTo>
+                    <a:pt x="9326" y="630"/>
+                    <a:pt x="9137" y="819"/>
+                    <a:pt x="8917" y="819"/>
+                  </a:cubicBezTo>
+                  <a:cubicBezTo>
+                    <a:pt x="8696" y="819"/>
+                    <a:pt x="8507" y="630"/>
+                    <a:pt x="8507" y="378"/>
+                  </a:cubicBezTo>
+                  <a:lnTo>
+                    <a:pt x="8507" y="0"/>
+                  </a:lnTo>
+                  <a:close/>
+                </a:path>
+              </a:pathLst>
+            </a:custGeom>
+            <a:solidFill>
+              <a:schemeClr val="dk1"/>
+            </a:solidFill>
+            <a:ln>
+              <a:noFill/>
+            </a:ln>
+          </p:spPr>
+          <p:txBody>
+            <a:bodyPr spcFirstLastPara="1" wrap="square" lIns="91425" tIns="91425" rIns="91425" bIns="91425" anchor="ctr" anchorCtr="0">
+              <a:noAutofit/>
+            </a:bodyPr>
+            <a:lstStyle/>
+            <a:p>
+              <a:pPr marL="0" lvl="0" indent="0" algn="l" rtl="0">
+                <a:spcBef>
+                  <a:spcPts val="0"/>
+                </a:spcBef>
+                <a:spcAft>
+                  <a:spcPts val="0"/>
+                </a:spcAft>
+                <a:buNone/>
+              </a:pPr>
+              <a:endParaRPr/>
+            </a:p>
+          </p:txBody>
+        </p:sp>
+        <p:sp>
+          <p:nvSpPr>
+            <p:cNvPr id="229" name="Google Shape;229;p33"/>
+            <p:cNvSpPr/>
+            <p:nvPr/>
+          </p:nvSpPr>
+          <p:spPr>
+            <a:xfrm>
+              <a:off x="1875358" y="1391294"/>
+              <a:ext cx="297811" cy="196651"/>
+            </a:xfrm>
+            <a:custGeom>
+              <a:avLst/>
+              <a:gdLst/>
+              <a:ahLst/>
+              <a:cxnLst/>
+              <a:rect l="l" t="t" r="r" b="b"/>
+              <a:pathLst>
+                <a:path w="11028" h="7468" extrusionOk="0">
+                  <a:moveTo>
+                    <a:pt x="3794" y="1673"/>
+                  </a:moveTo>
+                  <a:cubicBezTo>
+                    <a:pt x="3841" y="1673"/>
+                    <a:pt x="3890" y="1682"/>
+                    <a:pt x="3939" y="1702"/>
+                  </a:cubicBezTo>
+                  <a:lnTo>
+                    <a:pt x="6428" y="2521"/>
+                  </a:lnTo>
+                  <a:cubicBezTo>
+                    <a:pt x="6680" y="2616"/>
+                    <a:pt x="6806" y="2994"/>
+                    <a:pt x="6585" y="3214"/>
+                  </a:cubicBezTo>
+                  <a:lnTo>
+                    <a:pt x="6018" y="3750"/>
+                  </a:lnTo>
+                  <a:lnTo>
+                    <a:pt x="7404" y="5136"/>
+                  </a:lnTo>
+                  <a:cubicBezTo>
+                    <a:pt x="7593" y="5262"/>
+                    <a:pt x="7593" y="5514"/>
+                    <a:pt x="7436" y="5671"/>
+                  </a:cubicBezTo>
+                  <a:cubicBezTo>
+                    <a:pt x="7357" y="5750"/>
+                    <a:pt x="7247" y="5790"/>
+                    <a:pt x="7136" y="5790"/>
+                  </a:cubicBezTo>
+                  <a:cubicBezTo>
+                    <a:pt x="7026" y="5790"/>
+                    <a:pt x="6916" y="5750"/>
+                    <a:pt x="6837" y="5671"/>
+                  </a:cubicBezTo>
+                  <a:lnTo>
+                    <a:pt x="5451" y="4317"/>
+                  </a:lnTo>
+                  <a:lnTo>
+                    <a:pt x="4915" y="4852"/>
+                  </a:lnTo>
+                  <a:cubicBezTo>
+                    <a:pt x="4821" y="4947"/>
+                    <a:pt x="4714" y="4988"/>
+                    <a:pt x="4613" y="4988"/>
+                  </a:cubicBezTo>
+                  <a:cubicBezTo>
+                    <a:pt x="4444" y="4988"/>
+                    <a:pt x="4293" y="4872"/>
+                    <a:pt x="4254" y="4695"/>
+                  </a:cubicBezTo>
+                  <a:lnTo>
+                    <a:pt x="3435" y="2206"/>
+                  </a:lnTo>
+                  <a:cubicBezTo>
+                    <a:pt x="3328" y="1940"/>
+                    <a:pt x="3537" y="1673"/>
+                    <a:pt x="3794" y="1673"/>
+                  </a:cubicBezTo>
+                  <a:close/>
+                  <a:moveTo>
+                    <a:pt x="1198" y="1"/>
+                  </a:moveTo>
+                  <a:cubicBezTo>
+                    <a:pt x="536" y="1"/>
+                    <a:pt x="1" y="568"/>
+                    <a:pt x="1" y="1229"/>
+                  </a:cubicBezTo>
+                  <a:lnTo>
+                    <a:pt x="1" y="7467"/>
+                  </a:lnTo>
+                  <a:lnTo>
+                    <a:pt x="11027" y="7467"/>
+                  </a:lnTo>
+                  <a:lnTo>
+                    <a:pt x="11027" y="1229"/>
+                  </a:lnTo>
+                  <a:cubicBezTo>
+                    <a:pt x="11027" y="568"/>
+                    <a:pt x="10460" y="1"/>
+                    <a:pt x="9767" y="1"/>
+                  </a:cubicBezTo>
+                  <a:close/>
+                </a:path>
+              </a:pathLst>
+            </a:custGeom>
+            <a:solidFill>
+              <a:schemeClr val="dk1"/>
+            </a:solidFill>
+            <a:ln>
+              <a:noFill/>
+            </a:ln>
+          </p:spPr>
+          <p:txBody>
+            <a:bodyPr spcFirstLastPara="1" wrap="square" lIns="91425" tIns="91425" rIns="91425" bIns="91425" anchor="ctr" anchorCtr="0">
+              <a:noAutofit/>
+            </a:bodyPr>
+            <a:lstStyle/>
+            <a:p>
+              <a:pPr marL="0" lvl="0" indent="0" algn="l" rtl="0">
+                <a:spcBef>
+                  <a:spcPts val="0"/>
+                </a:spcBef>
+                <a:spcAft>
+                  <a:spcPts val="0"/>
+                </a:spcAft>
+                <a:buNone/>
+              </a:pPr>
+              <a:endParaRPr/>
+            </a:p>
+          </p:txBody>
+        </p:sp>
+      </p:grpSp>
+      <p:sp>
+        <p:nvSpPr>
+          <p:cNvPr id="230" name="Google Shape;230;p33"/>
+          <p:cNvSpPr/>
+          <p:nvPr/>
+        </p:nvSpPr>
+        <p:spPr>
+          <a:xfrm>
+            <a:off x="4219700" y="1197800"/>
+            <a:ext cx="639300" cy="619800"/>
+          </a:xfrm>
+          <a:prstGeom prst="roundRect">
+            <a:avLst>
+              <a:gd name="adj" fmla="val 16667"/>
+            </a:avLst>
+          </a:prstGeom>
+          <a:solidFill>
+            <a:schemeClr val="lt2"/>
+          </a:solidFill>
+          <a:ln>
+            <a:noFill/>
+          </a:ln>
+        </p:spPr>
+        <p:txBody>
+          <a:bodyPr spcFirstLastPara="1" wrap="square" lIns="91425" tIns="91425" rIns="91425" bIns="91425" anchor="ctr" anchorCtr="0">
+            <a:noAutofit/>
+          </a:bodyPr>
+          <a:lstStyle/>
+          <a:p>
+            <a:pPr marL="0" lvl="0" indent="0" algn="l" rtl="0">
+              <a:spcBef>
+                <a:spcPts val="0"/>
+              </a:spcBef>
+              <a:spcAft>
+                <a:spcPts val="0"/>
+              </a:spcAft>
+              <a:buNone/>
+            </a:pPr>
+            <a:endParaRPr/>
+          </a:p>
+        </p:txBody>
+      </p:sp>
+      <p:grpSp>
+        <p:nvGrpSpPr>
+          <p:cNvPr id="231" name="Google Shape;231;p33"/>
+          <p:cNvGrpSpPr/>
+          <p:nvPr/>
+        </p:nvGrpSpPr>
+        <p:grpSpPr>
+          <a:xfrm>
+            <a:off x="4397282" y="1369720"/>
+            <a:ext cx="284135" cy="275965"/>
+            <a:chOff x="-37804925" y="3953450"/>
+            <a:chExt cx="315075" cy="318225"/>
+          </a:xfrm>
+        </p:grpSpPr>
+        <p:sp>
+          <p:nvSpPr>
+            <p:cNvPr id="232" name="Google Shape;232;p33"/>
+            <p:cNvSpPr/>
+            <p:nvPr/>
+          </p:nvSpPr>
+          <p:spPr>
+            <a:xfrm>
+              <a:off x="-37614300" y="3955025"/>
+              <a:ext cx="124450" cy="186200"/>
+            </a:xfrm>
+            <a:custGeom>
+              <a:avLst/>
+              <a:gdLst/>
+              <a:ahLst/>
+              <a:cxnLst/>
+              <a:rect l="l" t="t" r="r" b="b"/>
+              <a:pathLst>
+                <a:path w="4978" h="7448" extrusionOk="0">
+                  <a:moveTo>
+                    <a:pt x="2489" y="820"/>
+                  </a:moveTo>
+                  <a:cubicBezTo>
+                    <a:pt x="3403" y="820"/>
+                    <a:pt x="4127" y="1576"/>
+                    <a:pt x="4127" y="2490"/>
+                  </a:cubicBezTo>
+                  <a:cubicBezTo>
+                    <a:pt x="4127" y="3372"/>
+                    <a:pt x="3403" y="4128"/>
+                    <a:pt x="2489" y="4128"/>
+                  </a:cubicBezTo>
+                  <a:cubicBezTo>
+                    <a:pt x="1575" y="4128"/>
+                    <a:pt x="819" y="3372"/>
+                    <a:pt x="819" y="2490"/>
+                  </a:cubicBezTo>
+                  <a:cubicBezTo>
+                    <a:pt x="819" y="1576"/>
+                    <a:pt x="1575" y="820"/>
+                    <a:pt x="2489" y="820"/>
+                  </a:cubicBezTo>
+                  <a:close/>
+                  <a:moveTo>
+                    <a:pt x="2489" y="1"/>
+                  </a:moveTo>
+                  <a:cubicBezTo>
+                    <a:pt x="1103" y="1"/>
+                    <a:pt x="0" y="1104"/>
+                    <a:pt x="0" y="2490"/>
+                  </a:cubicBezTo>
+                  <a:cubicBezTo>
+                    <a:pt x="0" y="3214"/>
+                    <a:pt x="315" y="3845"/>
+                    <a:pt x="819" y="4317"/>
+                  </a:cubicBezTo>
+                  <a:lnTo>
+                    <a:pt x="819" y="7058"/>
+                  </a:lnTo>
+                  <a:cubicBezTo>
+                    <a:pt x="819" y="7287"/>
+                    <a:pt x="1012" y="7448"/>
+                    <a:pt x="1225" y="7448"/>
+                  </a:cubicBezTo>
+                  <a:cubicBezTo>
+                    <a:pt x="1334" y="7448"/>
+                    <a:pt x="1448" y="7406"/>
+                    <a:pt x="1544" y="7310"/>
+                  </a:cubicBezTo>
+                  <a:lnTo>
+                    <a:pt x="2489" y="6365"/>
+                  </a:lnTo>
+                  <a:lnTo>
+                    <a:pt x="3434" y="7310"/>
+                  </a:lnTo>
+                  <a:cubicBezTo>
+                    <a:pt x="3530" y="7406"/>
+                    <a:pt x="3640" y="7448"/>
+                    <a:pt x="3744" y="7448"/>
+                  </a:cubicBezTo>
+                  <a:cubicBezTo>
+                    <a:pt x="3948" y="7448"/>
+                    <a:pt x="4127" y="7287"/>
+                    <a:pt x="4127" y="7058"/>
+                  </a:cubicBezTo>
+                  <a:lnTo>
+                    <a:pt x="4127" y="4317"/>
+                  </a:lnTo>
+                  <a:cubicBezTo>
+                    <a:pt x="4663" y="3845"/>
+                    <a:pt x="4978" y="3214"/>
+                    <a:pt x="4978" y="2490"/>
+                  </a:cubicBezTo>
+                  <a:cubicBezTo>
+                    <a:pt x="4978" y="1104"/>
+                    <a:pt x="3875" y="1"/>
+                    <a:pt x="2489" y="1"/>
+                  </a:cubicBezTo>
+                  <a:close/>
+                </a:path>
+              </a:pathLst>
+            </a:custGeom>
+            <a:solidFill>
+              <a:schemeClr val="dk1"/>
+            </a:solidFill>
+            <a:ln>
+              <a:noFill/>
+            </a:ln>
+          </p:spPr>
+          <p:txBody>
+            <a:bodyPr spcFirstLastPara="1" wrap="square" lIns="91425" tIns="91425" rIns="91425" bIns="91425" anchor="ctr" anchorCtr="0">
+              <a:noAutofit/>
+            </a:bodyPr>
+            <a:lstStyle/>
+            <a:p>
+              <a:pPr marL="0" lvl="0" indent="0" algn="l" rtl="0">
+                <a:spcBef>
+                  <a:spcPts val="0"/>
+                </a:spcBef>
+                <a:spcAft>
+                  <a:spcPts val="0"/>
+                </a:spcAft>
+                <a:buNone/>
+              </a:pPr>
+              <a:endParaRPr/>
+            </a:p>
+          </p:txBody>
+        </p:sp>
+        <p:sp>
+          <p:nvSpPr>
+            <p:cNvPr id="233" name="Google Shape;233;p33"/>
+            <p:cNvSpPr/>
+            <p:nvPr/>
+          </p:nvSpPr>
+          <p:spPr>
+            <a:xfrm>
+              <a:off x="-37761600" y="4230700"/>
+              <a:ext cx="270175" cy="40975"/>
+            </a:xfrm>
+            <a:custGeom>
+              <a:avLst/>
+              <a:gdLst/>
+              <a:ahLst/>
+              <a:cxnLst/>
+              <a:rect l="l" t="t" r="r" b="b"/>
+              <a:pathLst>
+                <a:path w="10807" h="1639" extrusionOk="0">
+                  <a:moveTo>
+                    <a:pt x="1450" y="1"/>
+                  </a:moveTo>
+                  <a:cubicBezTo>
+                    <a:pt x="1292" y="788"/>
+                    <a:pt x="662" y="1387"/>
+                    <a:pt x="1" y="1639"/>
+                  </a:cubicBezTo>
+                  <a:lnTo>
+                    <a:pt x="8822" y="1639"/>
+                  </a:lnTo>
+                  <a:cubicBezTo>
+                    <a:pt x="9799" y="1639"/>
+                    <a:pt x="10649" y="946"/>
+                    <a:pt x="10807" y="1"/>
+                  </a:cubicBezTo>
+                  <a:close/>
+                </a:path>
+              </a:pathLst>
+            </a:custGeom>
+            <a:solidFill>
+              <a:schemeClr val="dk1"/>
+            </a:solidFill>
+            <a:ln>
+              <a:noFill/>
+            </a:ln>
+          </p:spPr>
+          <p:txBody>
+            <a:bodyPr spcFirstLastPara="1" wrap="square" lIns="91425" tIns="91425" rIns="91425" bIns="91425" anchor="ctr" anchorCtr="0">
+              <a:noAutofit/>
+            </a:bodyPr>
+            <a:lstStyle/>
+            <a:p>
+              <a:pPr marL="0" lvl="0" indent="0" algn="l" rtl="0">
+                <a:spcBef>
+                  <a:spcPts val="0"/>
+                </a:spcBef>
+                <a:spcAft>
+                  <a:spcPts val="0"/>
+                </a:spcAft>
+                <a:buNone/>
+              </a:pPr>
+              <a:endParaRPr/>
+            </a:p>
+          </p:txBody>
+        </p:sp>
+        <p:sp>
+          <p:nvSpPr>
+            <p:cNvPr id="234" name="Google Shape;234;p33"/>
+            <p:cNvSpPr/>
+            <p:nvPr/>
+          </p:nvSpPr>
+          <p:spPr>
+            <a:xfrm>
+              <a:off x="-37804925" y="3953450"/>
+              <a:ext cx="274125" cy="295675"/>
+            </a:xfrm>
+            <a:custGeom>
+              <a:avLst/>
+              <a:gdLst/>
+              <a:ahLst/>
+              <a:cxnLst/>
+              <a:rect l="l" t="t" r="r" b="b"/>
+              <a:pathLst>
+                <a:path w="10965" h="11827" extrusionOk="0">
+                  <a:moveTo>
+                    <a:pt x="379" y="1"/>
+                  </a:moveTo>
+                  <a:cubicBezTo>
+                    <a:pt x="158" y="1"/>
+                    <a:pt x="1" y="221"/>
+                    <a:pt x="1" y="411"/>
+                  </a:cubicBezTo>
+                  <a:lnTo>
+                    <a:pt x="1" y="10618"/>
+                  </a:lnTo>
+                  <a:cubicBezTo>
+                    <a:pt x="1" y="11280"/>
+                    <a:pt x="537" y="11815"/>
+                    <a:pt x="1198" y="11815"/>
+                  </a:cubicBezTo>
+                  <a:cubicBezTo>
+                    <a:pt x="1247" y="11823"/>
+                    <a:pt x="1295" y="11826"/>
+                    <a:pt x="1342" y="11826"/>
+                  </a:cubicBezTo>
+                  <a:cubicBezTo>
+                    <a:pt x="1912" y="11826"/>
+                    <a:pt x="2395" y="11318"/>
+                    <a:pt x="2395" y="10650"/>
+                  </a:cubicBezTo>
+                  <a:cubicBezTo>
+                    <a:pt x="2395" y="10398"/>
+                    <a:pt x="2584" y="10272"/>
+                    <a:pt x="2836" y="10272"/>
+                  </a:cubicBezTo>
+                  <a:lnTo>
+                    <a:pt x="10965" y="10272"/>
+                  </a:lnTo>
+                  <a:lnTo>
+                    <a:pt x="10965" y="8255"/>
+                  </a:lnTo>
+                  <a:cubicBezTo>
+                    <a:pt x="10807" y="8161"/>
+                    <a:pt x="10650" y="8098"/>
+                    <a:pt x="10492" y="7972"/>
+                  </a:cubicBezTo>
+                  <a:lnTo>
+                    <a:pt x="10146" y="7625"/>
+                  </a:lnTo>
+                  <a:lnTo>
+                    <a:pt x="9799" y="7972"/>
+                  </a:lnTo>
+                  <a:cubicBezTo>
+                    <a:pt x="9547" y="8224"/>
+                    <a:pt x="9232" y="8318"/>
+                    <a:pt x="8917" y="8318"/>
+                  </a:cubicBezTo>
+                  <a:cubicBezTo>
+                    <a:pt x="8255" y="8318"/>
+                    <a:pt x="7720" y="7783"/>
+                    <a:pt x="7720" y="7058"/>
+                  </a:cubicBezTo>
+                  <a:lnTo>
+                    <a:pt x="7720" y="4664"/>
+                  </a:lnTo>
+                  <a:cubicBezTo>
+                    <a:pt x="7184" y="4065"/>
+                    <a:pt x="6869" y="3309"/>
+                    <a:pt x="6869" y="2490"/>
+                  </a:cubicBezTo>
+                  <a:cubicBezTo>
+                    <a:pt x="6869" y="1513"/>
+                    <a:pt x="7310" y="600"/>
+                    <a:pt x="8035" y="1"/>
+                  </a:cubicBezTo>
+                  <a:close/>
+                </a:path>
+              </a:pathLst>
+            </a:custGeom>
+            <a:solidFill>
+              <a:schemeClr val="dk1"/>
+            </a:solidFill>
+            <a:ln>
+              <a:noFill/>
+            </a:ln>
+          </p:spPr>
+          <p:txBody>
+            <a:bodyPr spcFirstLastPara="1" wrap="square" lIns="91425" tIns="91425" rIns="91425" bIns="91425" anchor="ctr" anchorCtr="0">
+              <a:noAutofit/>
+            </a:bodyPr>
+            <a:lstStyle/>
+            <a:p>
+              <a:pPr marL="0" lvl="0" indent="0" algn="l" rtl="0">
+                <a:spcBef>
+                  <a:spcPts val="0"/>
+                </a:spcBef>
+                <a:spcAft>
+                  <a:spcPts val="0"/>
+                </a:spcAft>
+                <a:buNone/>
+              </a:pPr>
+              <a:endParaRPr/>
+            </a:p>
+          </p:txBody>
+        </p:sp>
+      </p:grpSp>
+      <p:sp>
+        <p:nvSpPr>
+          <p:cNvPr id="235" name="Google Shape;235;p33"/>
+          <p:cNvSpPr txBox="1">
+            <a:spLocks noGrp="1"/>
+          </p:cNvSpPr>
+          <p:nvPr>
+            <p:ph type="title" idx="2"/>
+          </p:nvPr>
+        </p:nvSpPr>
+        <p:spPr>
+          <a:xfrm>
+            <a:off x="6029947" y="1919661"/>
+            <a:ext cx="2175300" cy="527700"/>
+          </a:xfrm>
+          <a:prstGeom prst="rect">
+            <a:avLst/>
+          </a:prstGeom>
+        </p:spPr>
+        <p:txBody>
+          <a:bodyPr spcFirstLastPara="1" wrap="square" lIns="91425" tIns="91425" rIns="91425" bIns="91425" anchor="t" anchorCtr="0">
+            <a:noAutofit/>
+          </a:bodyPr>
+          <a:lstStyle/>
+          <a:p>
+            <a:pPr marL="0" lvl="0" indent="0" algn="ctr" rtl="0">
+              <a:spcBef>
+                <a:spcPts val="0"/>
+              </a:spcBef>
+              <a:spcAft>
+                <a:spcPts val="0"/>
+              </a:spcAft>
+              <a:buNone/>
+            </a:pPr>
+            <a:r>
+              <a:rPr lang="en"/>
+              <a:t>Partners</a:t>
+            </a:r>
+            <a:endParaRPr/>
+          </a:p>
+        </p:txBody>
+      </p:sp>
+      <p:pic>
+        <p:nvPicPr>
+          <p:cNvPr id="236" name="Google Shape;236;p33"/>
+          <p:cNvPicPr preferRelativeResize="0"/>
+          <p:nvPr/>
+        </p:nvPicPr>
+        <p:blipFill>
+          <a:blip r:embed="rId3">
+            <a:alphaModFix/>
+          </a:blip>
+          <a:stretch>
+            <a:fillRect/>
+          </a:stretch>
+        </p:blipFill>
+        <p:spPr>
+          <a:xfrm>
+            <a:off x="8064600" y="234850"/>
+            <a:ext cx="886950" cy="886950"/>
+          </a:xfrm>
+          <a:prstGeom prst="rect">
+            <a:avLst/>
+          </a:prstGeom>
+          <a:noFill/>
+          <a:ln>
+            <a:noFill/>
+          </a:ln>
+        </p:spPr>
+      </p:pic>
+      <p:sp>
+        <p:nvSpPr>
+          <p:cNvPr id="237" name="Google Shape;237;p33"/>
+          <p:cNvSpPr txBox="1">
+            <a:spLocks noGrp="1"/>
+          </p:cNvSpPr>
+          <p:nvPr>
+            <p:ph type="title" idx="6"/>
+          </p:nvPr>
+        </p:nvSpPr>
+        <p:spPr>
+          <a:xfrm>
+            <a:off x="720000" y="445025"/>
+            <a:ext cx="7704000" cy="572700"/>
+          </a:xfrm>
+          <a:prstGeom prst="rect">
+            <a:avLst/>
+          </a:prstGeom>
+        </p:spPr>
+        <p:txBody>
+          <a:bodyPr spcFirstLastPara="1" wrap="square" lIns="91425" tIns="91425" rIns="91425" bIns="91425" anchor="t" anchorCtr="0">
+            <a:noAutofit/>
+          </a:bodyPr>
+          <a:lstStyle/>
+          <a:p>
+            <a:pPr marL="0" lvl="0" indent="0" algn="l" rtl="0">
+              <a:spcBef>
+                <a:spcPts val="0"/>
+              </a:spcBef>
+              <a:spcAft>
+                <a:spcPts val="0"/>
+              </a:spcAft>
+              <a:buNone/>
+            </a:pPr>
+            <a:r>
+              <a:rPr lang="en"/>
+              <a:t>Operating Plan</a:t>
+            </a:r>
+            <a:endParaRPr/>
+          </a:p>
+        </p:txBody>
+      </p:sp>
+    </p:spTree>
+  </p:cSld>
+  <p:clrMapOvr>
+    <a:masterClrMapping/>
+  </p:clrMapOvr>
+</p:sld>
+</file>
+
+<file path=ppt/slides/slide12.xml><?xml version="1.0" encoding="utf-8"?>
+<p:sld xmlns:a="http://schemas.openxmlformats.org/drawingml/2006/main" xmlns:r="http://schemas.openxmlformats.org/officeDocument/2006/relationships" xmlns:p="http://schemas.openxmlformats.org/presentationml/2006/main">
+  <p:cSld>
+    <p:spTree>
+      <p:nvGrpSpPr>
+        <p:cNvPr id="1" name="Shape 241"/>
+        <p:cNvGrpSpPr/>
+        <p:nvPr/>
+      </p:nvGrpSpPr>
+      <p:grpSpPr>
+        <a:xfrm>
+          <a:off x="0" y="0"/>
+          <a:ext cx="0" cy="0"/>
+          <a:chOff x="0" y="0"/>
+          <a:chExt cx="0" cy="0"/>
+        </a:xfrm>
+      </p:grpSpPr>
+      <p:pic>
+        <p:nvPicPr>
+          <p:cNvPr id="242" name="Google Shape;242;p34"/>
+          <p:cNvPicPr preferRelativeResize="0"/>
+          <p:nvPr/>
+        </p:nvPicPr>
+        <p:blipFill rotWithShape="1">
+          <a:blip r:embed="rId3">
+            <a:alphaModFix/>
+          </a:blip>
+          <a:srcRect t="27219" r="23960" b="33520"/>
+          <a:stretch/>
+        </p:blipFill>
+        <p:spPr>
+          <a:xfrm>
+            <a:off x="566938" y="1494362"/>
+            <a:ext cx="8010125" cy="2326225"/>
+          </a:xfrm>
+          <a:prstGeom prst="rect">
+            <a:avLst/>
+          </a:prstGeom>
+          <a:noFill/>
+          <a:ln>
+            <a:noFill/>
+          </a:ln>
+          <a:effectLst>
+            <a:outerShdw blurRad="57150" dist="19050" dir="5400000" algn="bl" rotWithShape="0">
+              <a:srgbClr val="000000">
+                <a:alpha val="50000"/>
+              </a:srgbClr>
+            </a:outerShdw>
+          </a:effectLst>
+        </p:spPr>
+      </p:pic>
+      <p:pic>
+        <p:nvPicPr>
+          <p:cNvPr id="243" name="Google Shape;243;p34"/>
+          <p:cNvPicPr preferRelativeResize="0"/>
+          <p:nvPr/>
+        </p:nvPicPr>
+        <p:blipFill>
+          <a:blip r:embed="rId4">
+            <a:alphaModFix/>
+          </a:blip>
+          <a:stretch>
+            <a:fillRect/>
+          </a:stretch>
+        </p:blipFill>
+        <p:spPr>
+          <a:xfrm>
+            <a:off x="8064600" y="234850"/>
+            <a:ext cx="886950" cy="886950"/>
+          </a:xfrm>
+          <a:prstGeom prst="rect">
+            <a:avLst/>
+          </a:prstGeom>
+          <a:noFill/>
+          <a:ln>
+            <a:noFill/>
+          </a:ln>
+        </p:spPr>
+      </p:pic>
+      <p:sp>
+        <p:nvSpPr>
+          <p:cNvPr id="244" name="Google Shape;244;p34"/>
+          <p:cNvSpPr txBox="1">
+            <a:spLocks noGrp="1"/>
+          </p:cNvSpPr>
+          <p:nvPr>
+            <p:ph type="title" idx="6"/>
+          </p:nvPr>
+        </p:nvSpPr>
+        <p:spPr>
+          <a:xfrm>
+            <a:off x="720000" y="445025"/>
+            <a:ext cx="7704000" cy="572700"/>
+          </a:xfrm>
+          <a:prstGeom prst="rect">
+            <a:avLst/>
+          </a:prstGeom>
+        </p:spPr>
+        <p:txBody>
+          <a:bodyPr spcFirstLastPara="1" wrap="square" lIns="91425" tIns="91425" rIns="91425" bIns="91425" anchor="t" anchorCtr="0">
+            <a:noAutofit/>
+          </a:bodyPr>
+          <a:lstStyle/>
+          <a:p>
+            <a:pPr marL="0" lvl="0" indent="0" algn="l" rtl="0">
+              <a:spcBef>
+                <a:spcPts val="0"/>
+              </a:spcBef>
+              <a:spcAft>
+                <a:spcPts val="0"/>
+              </a:spcAft>
+              <a:buNone/>
+            </a:pPr>
+            <a:r>
+              <a:rPr lang="en"/>
+              <a:t>Financial Plan: Startup Expenses</a:t>
+            </a:r>
+            <a:endParaRPr/>
+          </a:p>
+          <a:p>
+            <a:pPr marL="0" lvl="0" indent="0" algn="l" rtl="0">
+              <a:spcBef>
+                <a:spcPts val="0"/>
+              </a:spcBef>
+              <a:spcAft>
+                <a:spcPts val="0"/>
+              </a:spcAft>
+              <a:buNone/>
+            </a:pPr>
+            <a:endParaRPr/>
+          </a:p>
+          <a:p>
+            <a:pPr marL="0" lvl="0" indent="0" algn="l" rtl="0">
+              <a:spcBef>
+                <a:spcPts val="0"/>
+              </a:spcBef>
+              <a:spcAft>
+                <a:spcPts val="0"/>
+              </a:spcAft>
+              <a:buNone/>
+            </a:pPr>
+            <a:endParaRPr/>
+          </a:p>
+        </p:txBody>
+      </p:sp>
+    </p:spTree>
+  </p:cSld>
+  <p:clrMapOvr>
+    <a:masterClrMapping/>
+  </p:clrMapOvr>
+</p:sld>
+</file>
+
+<file path=ppt/slides/slide13.xml><?xml version="1.0" encoding="utf-8"?>
 <p:sld xmlns:a="http://schemas.openxmlformats.org/drawingml/2006/main" xmlns:r="http://schemas.openxmlformats.org/officeDocument/2006/relationships" xmlns:p="http://schemas.openxmlformats.org/presentationml/2006/main">
   <p:cSld>
     <p:spTree>
@@ -21168,7 +23455,7 @@
 </p:sld>
 </file>
 
-<file path=ppt/slides/slide11.xml><?xml version="1.0" encoding="utf-8"?>
+<file path=ppt/slides/slide14.xml><?xml version="1.0" encoding="utf-8"?>
 <p:sld xmlns:a="http://schemas.openxmlformats.org/drawingml/2006/main" xmlns:r="http://schemas.openxmlformats.org/officeDocument/2006/relationships" xmlns:p="http://schemas.openxmlformats.org/presentationml/2006/main">
   <p:cSld>
     <p:spTree>
@@ -21321,7 +23608,7 @@
 </p:sld>
 </file>
 
-<file path=ppt/slides/slide12.xml><?xml version="1.0" encoding="utf-8"?>
+<file path=ppt/slides/slide15.xml><?xml version="1.0" encoding="utf-8"?>
 <p:sld xmlns:a="http://schemas.openxmlformats.org/drawingml/2006/main" xmlns:r="http://schemas.openxmlformats.org/officeDocument/2006/relationships" xmlns:p="http://schemas.openxmlformats.org/presentationml/2006/main">
   <p:cSld>
     <p:spTree>
@@ -23623,7 +25910,7 @@
 </p:sld>
 </file>
 
-<file path=ppt/slides/slide13.xml><?xml version="1.0" encoding="utf-8"?>
+<file path=ppt/slides/slide16.xml><?xml version="1.0" encoding="utf-8"?>
 <p:sld xmlns:a="http://schemas.openxmlformats.org/drawingml/2006/main" xmlns:r="http://schemas.openxmlformats.org/officeDocument/2006/relationships" xmlns:p="http://schemas.openxmlformats.org/presentationml/2006/main">
   <p:cSld>
     <p:spTree>
@@ -24080,7 +26367,7 @@
 </p:sld>
 </file>
 
-<file path=ppt/slides/slide14.xml><?xml version="1.0" encoding="utf-8"?>
+<file path=ppt/slides/slide17.xml><?xml version="1.0" encoding="utf-8"?>
 <p:sld xmlns:a="http://schemas.openxmlformats.org/drawingml/2006/main" xmlns:r="http://schemas.openxmlformats.org/officeDocument/2006/relationships" xmlns:p="http://schemas.openxmlformats.org/presentationml/2006/main">
   <p:cSld>
     <p:spTree>
@@ -24218,7 +26505,7 @@
 </p:sld>
 </file>
 
-<file path=ppt/slides/slide15.xml><?xml version="1.0" encoding="utf-8"?>
+<file path=ppt/slides/slide18.xml><?xml version="1.0" encoding="utf-8"?>
 <p:sld xmlns:a="http://schemas.openxmlformats.org/drawingml/2006/main" xmlns:r="http://schemas.openxmlformats.org/officeDocument/2006/relationships" xmlns:p="http://schemas.openxmlformats.org/presentationml/2006/main">
   <p:cSld>
     <p:spTree>
@@ -25050,7 +27337,7 @@
 </p:sld>
 </file>
 
-<file path=ppt/slides/slide16.xml><?xml version="1.0" encoding="utf-8"?>
+<file path=ppt/slides/slide19.xml><?xml version="1.0" encoding="utf-8"?>
 <p:sld xmlns:a="http://schemas.openxmlformats.org/drawingml/2006/main" xmlns:r="http://schemas.openxmlformats.org/officeDocument/2006/relationships" xmlns:p="http://schemas.openxmlformats.org/presentationml/2006/main">
   <p:cSld>
     <p:spTree>
@@ -25309,7 +27596,228 @@
 </p:sld>
 </file>
 
-<file path=ppt/slides/slide17.xml><?xml version="1.0" encoding="utf-8"?>
+<file path=ppt/slides/slide2.xml><?xml version="1.0" encoding="utf-8"?>
+<p:sld xmlns:a="http://schemas.openxmlformats.org/drawingml/2006/main" xmlns:r="http://schemas.openxmlformats.org/officeDocument/2006/relationships" xmlns:p="http://schemas.openxmlformats.org/presentationml/2006/main">
+  <p:cSld>
+    <p:spTree>
+      <p:nvGrpSpPr>
+        <p:cNvPr id="1" name="Shape 192"/>
+        <p:cNvGrpSpPr/>
+        <p:nvPr/>
+      </p:nvGrpSpPr>
+      <p:grpSpPr>
+        <a:xfrm>
+          <a:off x="0" y="0"/>
+          <a:ext cx="0" cy="0"/>
+          <a:chOff x="0" y="0"/>
+          <a:chExt cx="0" cy="0"/>
+        </a:xfrm>
+      </p:grpSpPr>
+      <p:sp>
+        <p:nvSpPr>
+          <p:cNvPr id="193" name="Google Shape;193;p30"/>
+          <p:cNvSpPr txBox="1">
+            <a:spLocks noGrp="1"/>
+          </p:cNvSpPr>
+          <p:nvPr>
+            <p:ph type="title"/>
+          </p:nvPr>
+        </p:nvSpPr>
+        <p:spPr>
+          <a:xfrm>
+            <a:off x="720000" y="445025"/>
+            <a:ext cx="5810586" cy="572700"/>
+          </a:xfrm>
+          <a:prstGeom prst="rect">
+            <a:avLst/>
+          </a:prstGeom>
+        </p:spPr>
+        <p:txBody>
+          <a:bodyPr spcFirstLastPara="1" wrap="square" lIns="91425" tIns="91425" rIns="91425" bIns="91425" anchor="t" anchorCtr="0">
+            <a:noAutofit/>
+          </a:bodyPr>
+          <a:lstStyle/>
+          <a:p>
+            <a:pPr marL="0" lvl="0" indent="0" algn="l" rtl="0">
+              <a:spcBef>
+                <a:spcPts val="0"/>
+              </a:spcBef>
+              <a:spcAft>
+                <a:spcPts val="0"/>
+              </a:spcAft>
+              <a:buNone/>
+            </a:pPr>
+            <a:r>
+              <a:rPr lang="en" dirty="0"/>
+              <a:t>Company Description</a:t>
+            </a:r>
+            <a:endParaRPr dirty="0"/>
+          </a:p>
+        </p:txBody>
+      </p:sp>
+      <p:sp>
+        <p:nvSpPr>
+          <p:cNvPr id="194" name="Google Shape;194;p30"/>
+          <p:cNvSpPr txBox="1">
+            <a:spLocks noGrp="1"/>
+          </p:cNvSpPr>
+          <p:nvPr>
+            <p:ph type="body" idx="1"/>
+          </p:nvPr>
+        </p:nvSpPr>
+        <p:spPr>
+          <a:xfrm>
+            <a:off x="720000" y="1287725"/>
+            <a:ext cx="7704000" cy="3344400"/>
+          </a:xfrm>
+          <a:prstGeom prst="rect">
+            <a:avLst/>
+          </a:prstGeom>
+        </p:spPr>
+        <p:txBody>
+          <a:bodyPr spcFirstLastPara="1" wrap="square" lIns="91425" tIns="91425" rIns="91425" bIns="91425" anchor="t" anchorCtr="0">
+            <a:noAutofit/>
+          </a:bodyPr>
+          <a:lstStyle/>
+          <a:p>
+            <a:pPr marL="457200" lvl="0" indent="-311150" algn="l" rtl="0">
+              <a:spcBef>
+                <a:spcPts val="0"/>
+              </a:spcBef>
+              <a:spcAft>
+                <a:spcPts val="0"/>
+              </a:spcAft>
+              <a:buSzPts val="1300"/>
+              <a:buChar char="●"/>
+            </a:pPr>
+            <a:r>
+              <a:rPr lang="en-US" sz="1300" dirty="0"/>
+              <a:t>Lawn Buddy is a startup company operating a lawn service platform that allows lawn owners to:</a:t>
+            </a:r>
+          </a:p>
+          <a:p>
+            <a:pPr lvl="1" indent="-311150">
+              <a:spcBef>
+                <a:spcPts val="0"/>
+              </a:spcBef>
+              <a:buSzPts val="1300"/>
+              <a:buChar char="●"/>
+            </a:pPr>
+            <a:r>
+              <a:rPr lang="en-US" sz="1300" dirty="0"/>
+              <a:t>Input information about their lawn with the help of machine learning and image processing to help identify what services the lawn needs most</a:t>
+            </a:r>
+          </a:p>
+          <a:p>
+            <a:pPr lvl="1" indent="-311150">
+              <a:spcBef>
+                <a:spcPts val="0"/>
+              </a:spcBef>
+              <a:buSzPts val="1300"/>
+              <a:buChar char="●"/>
+            </a:pPr>
+            <a:r>
+              <a:rPr lang="en-US" sz="1300" dirty="0"/>
+              <a:t>Schedule and confirm lawn service appointment</a:t>
+            </a:r>
+          </a:p>
+          <a:p>
+            <a:pPr marL="457200" lvl="0" indent="-311150" algn="l" rtl="0">
+              <a:spcBef>
+                <a:spcPts val="0"/>
+              </a:spcBef>
+              <a:spcAft>
+                <a:spcPts val="0"/>
+              </a:spcAft>
+              <a:buSzPts val="1300"/>
+              <a:buChar char="●"/>
+            </a:pPr>
+            <a:r>
+              <a:rPr lang="en" sz="1300" b="1" dirty="0"/>
+              <a:t>Mission Statement:</a:t>
+            </a:r>
+            <a:r>
+              <a:rPr lang="en" sz="1300" dirty="0"/>
+              <a:t> Lawn Buddy is on a mission to provide expertise lawn care services for everyone, everywhere. We strive for innovation by providing services at the touch of a button.  </a:t>
+            </a:r>
+            <a:endParaRPr sz="1300" dirty="0"/>
+          </a:p>
+          <a:p>
+            <a:pPr marL="457200" lvl="0" indent="0" algn="l" rtl="0">
+              <a:spcBef>
+                <a:spcPts val="0"/>
+              </a:spcBef>
+              <a:spcAft>
+                <a:spcPts val="0"/>
+              </a:spcAft>
+              <a:buNone/>
+            </a:pPr>
+            <a:endParaRPr sz="1300" dirty="0"/>
+          </a:p>
+          <a:p>
+            <a:pPr marL="457200" lvl="0" indent="-311150" algn="l" rtl="0">
+              <a:spcBef>
+                <a:spcPts val="0"/>
+              </a:spcBef>
+              <a:spcAft>
+                <a:spcPts val="0"/>
+              </a:spcAft>
+              <a:buSzPts val="1300"/>
+              <a:buChar char="●"/>
+            </a:pPr>
+            <a:r>
+              <a:rPr lang="en" sz="1300" b="1" dirty="0"/>
+              <a:t>Vision and Goals: </a:t>
+            </a:r>
+            <a:r>
+              <a:rPr lang="en" sz="1300" dirty="0"/>
+              <a:t>At Lawn Buddy our vision is to service all communities, all over the country in order to provide lawn care for all types of localities. We want to build a place where people can mutually recognize the ethics of environmental care and community engagement</a:t>
+            </a:r>
+            <a:r>
+              <a:rPr lang="en" sz="1300"/>
+              <a:t>. </a:t>
+            </a:r>
+            <a:endParaRPr sz="1300" dirty="0"/>
+          </a:p>
+        </p:txBody>
+      </p:sp>
+      <p:pic>
+        <p:nvPicPr>
+          <p:cNvPr id="195" name="Google Shape;195;p30"/>
+          <p:cNvPicPr preferRelativeResize="0"/>
+          <p:nvPr/>
+        </p:nvPicPr>
+        <p:blipFill>
+          <a:blip r:embed="rId3">
+            <a:alphaModFix/>
+          </a:blip>
+          <a:stretch>
+            <a:fillRect/>
+          </a:stretch>
+        </p:blipFill>
+        <p:spPr>
+          <a:xfrm>
+            <a:off x="8064600" y="234850"/>
+            <a:ext cx="886950" cy="886950"/>
+          </a:xfrm>
+          <a:prstGeom prst="rect">
+            <a:avLst/>
+          </a:prstGeom>
+          <a:noFill/>
+          <a:ln>
+            <a:noFill/>
+          </a:ln>
+        </p:spPr>
+      </p:pic>
+    </p:spTree>
+  </p:cSld>
+  <p:clrMapOvr>
+    <a:masterClrMapping/>
+  </p:clrMapOvr>
+</p:sld>
+</file>
+
+<file path=ppt/slides/slide20.xml><?xml version="1.0" encoding="utf-8"?>
 <p:sld xmlns:a="http://schemas.openxmlformats.org/drawingml/2006/main" xmlns:r="http://schemas.openxmlformats.org/officeDocument/2006/relationships" xmlns:p="http://schemas.openxmlformats.org/presentationml/2006/main">
   <p:cSld>
     <p:spTree>
@@ -25832,7 +28340,255 @@
 </p:sld>
 </file>
 
-<file path=ppt/slides/slide2.xml><?xml version="1.0" encoding="utf-8"?>
+<file path=ppt/slides/slide3.xml><?xml version="1.0" encoding="utf-8"?>
+<p:sld xmlns:a="http://schemas.openxmlformats.org/drawingml/2006/main" xmlns:r="http://schemas.openxmlformats.org/officeDocument/2006/relationships" xmlns:p="http://schemas.openxmlformats.org/presentationml/2006/main">
+  <p:cSld>
+    <p:spTree>
+      <p:nvGrpSpPr>
+        <p:cNvPr id="1" name="Shape 192"/>
+        <p:cNvGrpSpPr/>
+        <p:nvPr/>
+      </p:nvGrpSpPr>
+      <p:grpSpPr>
+        <a:xfrm>
+          <a:off x="0" y="0"/>
+          <a:ext cx="0" cy="0"/>
+          <a:chOff x="0" y="0"/>
+          <a:chExt cx="0" cy="0"/>
+        </a:xfrm>
+      </p:grpSpPr>
+      <p:sp>
+        <p:nvSpPr>
+          <p:cNvPr id="193" name="Google Shape;193;p30"/>
+          <p:cNvSpPr txBox="1">
+            <a:spLocks noGrp="1"/>
+          </p:cNvSpPr>
+          <p:nvPr>
+            <p:ph type="title"/>
+          </p:nvPr>
+        </p:nvSpPr>
+        <p:spPr>
+          <a:xfrm>
+            <a:off x="720000" y="445025"/>
+            <a:ext cx="6787705" cy="572700"/>
+          </a:xfrm>
+          <a:prstGeom prst="rect">
+            <a:avLst/>
+          </a:prstGeom>
+        </p:spPr>
+        <p:txBody>
+          <a:bodyPr spcFirstLastPara="1" wrap="square" lIns="91425" tIns="91425" rIns="91425" bIns="91425" anchor="t" anchorCtr="0">
+            <a:noAutofit/>
+          </a:bodyPr>
+          <a:lstStyle/>
+          <a:p>
+            <a:pPr marL="0" lvl="0" indent="0" algn="l" rtl="0">
+              <a:spcBef>
+                <a:spcPts val="0"/>
+              </a:spcBef>
+              <a:spcAft>
+                <a:spcPts val="0"/>
+              </a:spcAft>
+              <a:buNone/>
+            </a:pPr>
+            <a:r>
+              <a:rPr lang="en-US" dirty="0"/>
+              <a:t>Customer Segmentation Strategy </a:t>
+            </a:r>
+          </a:p>
+        </p:txBody>
+      </p:sp>
+      <p:pic>
+        <p:nvPicPr>
+          <p:cNvPr id="195" name="Google Shape;195;p30"/>
+          <p:cNvPicPr preferRelativeResize="0"/>
+          <p:nvPr/>
+        </p:nvPicPr>
+        <p:blipFill>
+          <a:blip r:embed="rId3">
+            <a:alphaModFix/>
+          </a:blip>
+          <a:stretch>
+            <a:fillRect/>
+          </a:stretch>
+        </p:blipFill>
+        <p:spPr>
+          <a:xfrm>
+            <a:off x="8064600" y="234850"/>
+            <a:ext cx="886950" cy="886950"/>
+          </a:xfrm>
+          <a:prstGeom prst="rect">
+            <a:avLst/>
+          </a:prstGeom>
+          <a:noFill/>
+          <a:ln>
+            <a:noFill/>
+          </a:ln>
+        </p:spPr>
+      </p:pic>
+      <p:sp>
+        <p:nvSpPr>
+          <p:cNvPr id="3" name="Text Placeholder 2">
+            <a:extLst>
+              <a:ext uri="{FF2B5EF4-FFF2-40B4-BE49-F238E27FC236}">
+                <a16:creationId xmlns:a16="http://schemas.microsoft.com/office/drawing/2014/main" id="{25ACA126-3D58-3A63-935C-6AC24609044B}"/>
+              </a:ext>
+            </a:extLst>
+          </p:cNvPr>
+          <p:cNvSpPr>
+            <a:spLocks noGrp="1"/>
+          </p:cNvSpPr>
+          <p:nvPr>
+            <p:ph type="body" idx="1"/>
+          </p:nvPr>
+        </p:nvSpPr>
+        <p:spPr/>
+        <p:txBody>
+          <a:bodyPr/>
+          <a:lstStyle/>
+          <a:p>
+            <a:endParaRPr lang="en-US" dirty="0"/>
+          </a:p>
+        </p:txBody>
+      </p:sp>
+    </p:spTree>
+    <p:extLst>
+      <p:ext uri="{BB962C8B-B14F-4D97-AF65-F5344CB8AC3E}">
+        <p14:creationId xmlns:p14="http://schemas.microsoft.com/office/powerpoint/2010/main" val="3614043797"/>
+      </p:ext>
+    </p:extLst>
+  </p:cSld>
+  <p:clrMapOvr>
+    <a:masterClrMapping/>
+  </p:clrMapOvr>
+</p:sld>
+</file>
+
+<file path=ppt/slides/slide4.xml><?xml version="1.0" encoding="utf-8"?>
+<p:sld xmlns:a="http://schemas.openxmlformats.org/drawingml/2006/main" xmlns:r="http://schemas.openxmlformats.org/officeDocument/2006/relationships" xmlns:p="http://schemas.openxmlformats.org/presentationml/2006/main">
+  <p:cSld>
+    <p:spTree>
+      <p:nvGrpSpPr>
+        <p:cNvPr id="1" name="Shape 192"/>
+        <p:cNvGrpSpPr/>
+        <p:nvPr/>
+      </p:nvGrpSpPr>
+      <p:grpSpPr>
+        <a:xfrm>
+          <a:off x="0" y="0"/>
+          <a:ext cx="0" cy="0"/>
+          <a:chOff x="0" y="0"/>
+          <a:chExt cx="0" cy="0"/>
+        </a:xfrm>
+      </p:grpSpPr>
+      <p:sp>
+        <p:nvSpPr>
+          <p:cNvPr id="193" name="Google Shape;193;p30"/>
+          <p:cNvSpPr txBox="1">
+            <a:spLocks noGrp="1"/>
+          </p:cNvSpPr>
+          <p:nvPr>
+            <p:ph type="title"/>
+          </p:nvPr>
+        </p:nvSpPr>
+        <p:spPr>
+          <a:xfrm>
+            <a:off x="720000" y="445025"/>
+            <a:ext cx="5193521" cy="572700"/>
+          </a:xfrm>
+          <a:prstGeom prst="rect">
+            <a:avLst/>
+          </a:prstGeom>
+        </p:spPr>
+        <p:txBody>
+          <a:bodyPr spcFirstLastPara="1" wrap="square" lIns="91425" tIns="91425" rIns="91425" bIns="91425" anchor="t" anchorCtr="0">
+            <a:noAutofit/>
+          </a:bodyPr>
+          <a:lstStyle/>
+          <a:p>
+            <a:pPr marL="0" lvl="0" indent="0" algn="l" rtl="0">
+              <a:spcBef>
+                <a:spcPts val="0"/>
+              </a:spcBef>
+              <a:spcAft>
+                <a:spcPts val="0"/>
+              </a:spcAft>
+              <a:buNone/>
+            </a:pPr>
+            <a:r>
+              <a:rPr lang="en-US" dirty="0"/>
+              <a:t>AI/Data Strategy</a:t>
+            </a:r>
+          </a:p>
+        </p:txBody>
+      </p:sp>
+      <p:pic>
+        <p:nvPicPr>
+          <p:cNvPr id="195" name="Google Shape;195;p30"/>
+          <p:cNvPicPr preferRelativeResize="0"/>
+          <p:nvPr/>
+        </p:nvPicPr>
+        <p:blipFill>
+          <a:blip r:embed="rId3">
+            <a:alphaModFix/>
+          </a:blip>
+          <a:stretch>
+            <a:fillRect/>
+          </a:stretch>
+        </p:blipFill>
+        <p:spPr>
+          <a:xfrm>
+            <a:off x="8064600" y="234850"/>
+            <a:ext cx="886950" cy="886950"/>
+          </a:xfrm>
+          <a:prstGeom prst="rect">
+            <a:avLst/>
+          </a:prstGeom>
+          <a:noFill/>
+          <a:ln>
+            <a:noFill/>
+          </a:ln>
+        </p:spPr>
+      </p:pic>
+      <p:sp>
+        <p:nvSpPr>
+          <p:cNvPr id="3" name="Text Placeholder 2">
+            <a:extLst>
+              <a:ext uri="{FF2B5EF4-FFF2-40B4-BE49-F238E27FC236}">
+                <a16:creationId xmlns:a16="http://schemas.microsoft.com/office/drawing/2014/main" id="{25ACA126-3D58-3A63-935C-6AC24609044B}"/>
+              </a:ext>
+            </a:extLst>
+          </p:cNvPr>
+          <p:cNvSpPr>
+            <a:spLocks noGrp="1"/>
+          </p:cNvSpPr>
+          <p:nvPr>
+            <p:ph type="body" idx="1"/>
+          </p:nvPr>
+        </p:nvSpPr>
+        <p:spPr/>
+        <p:txBody>
+          <a:bodyPr/>
+          <a:lstStyle/>
+          <a:p>
+            <a:endParaRPr lang="en-US" dirty="0"/>
+          </a:p>
+        </p:txBody>
+      </p:sp>
+    </p:spTree>
+    <p:extLst>
+      <p:ext uri="{BB962C8B-B14F-4D97-AF65-F5344CB8AC3E}">
+        <p14:creationId xmlns:p14="http://schemas.microsoft.com/office/powerpoint/2010/main" val="602431366"/>
+      </p:ext>
+    </p:extLst>
+  </p:cSld>
+  <p:clrMapOvr>
+    <a:masterClrMapping/>
+  </p:clrMapOvr>
+</p:sld>
+</file>
+
+<file path=ppt/slides/slide5.xml><?xml version="1.0" encoding="utf-8"?>
 <p:sld xmlns:a="http://schemas.openxmlformats.org/drawingml/2006/main" xmlns:r="http://schemas.openxmlformats.org/officeDocument/2006/relationships" xmlns:p="http://schemas.openxmlformats.org/presentationml/2006/main">
   <p:cSld>
     <p:spTree>
@@ -25862,7 +28618,7 @@
         <p:spPr>
           <a:xfrm>
             <a:off x="720000" y="445025"/>
-            <a:ext cx="7704000" cy="572700"/>
+            <a:ext cx="5200821" cy="572700"/>
           </a:xfrm>
           <a:prstGeom prst="rect">
             <a:avLst/>
@@ -26131,7 +28887,7 @@
         </p:nvSpPr>
         <p:spPr>
           <a:xfrm>
-            <a:off x="-268091" y="3633859"/>
+            <a:off x="-191522" y="3625753"/>
             <a:ext cx="2107500" cy="665400"/>
           </a:xfrm>
           <a:prstGeom prst="rect">
@@ -26424,7 +29180,7 @@
         </p:nvSpPr>
         <p:spPr>
           <a:xfrm>
-            <a:off x="376889" y="1932016"/>
+            <a:off x="453458" y="1923910"/>
             <a:ext cx="1452102" cy="527700"/>
           </a:xfrm>
           <a:prstGeom prst="rect">
@@ -26472,7 +29228,7 @@
         </p:nvSpPr>
         <p:spPr>
           <a:xfrm>
-            <a:off x="60960" y="2236019"/>
+            <a:off x="137529" y="2227913"/>
             <a:ext cx="1778475" cy="665400"/>
           </a:xfrm>
           <a:prstGeom prst="rect">
@@ -26520,7 +29276,7 @@
         </p:nvSpPr>
         <p:spPr>
           <a:xfrm>
-            <a:off x="7546582" y="1935487"/>
+            <a:off x="7291211" y="1952091"/>
             <a:ext cx="1452075" cy="527700"/>
           </a:xfrm>
           <a:prstGeom prst="rect">
@@ -26568,7 +29324,7 @@
         </p:nvSpPr>
         <p:spPr>
           <a:xfrm>
-            <a:off x="387334" y="3346507"/>
+            <a:off x="463903" y="3338401"/>
             <a:ext cx="1452102" cy="527700"/>
           </a:xfrm>
           <a:prstGeom prst="rect">
@@ -26607,7 +29363,7 @@
         </p:nvSpPr>
         <p:spPr>
           <a:xfrm>
-            <a:off x="7550709" y="3379772"/>
+            <a:off x="7280718" y="3395315"/>
             <a:ext cx="1452075" cy="468113"/>
           </a:xfrm>
           <a:prstGeom prst="rect">
@@ -29037,7 +31793,7 @@
         </p:nvSpPr>
         <p:spPr>
           <a:xfrm>
-            <a:off x="7546582" y="3724960"/>
+            <a:off x="7276591" y="3740503"/>
             <a:ext cx="1648653" cy="976986"/>
           </a:xfrm>
           <a:prstGeom prst="rect">
@@ -29328,8 +32084,8 @@
         </p:nvSpPr>
         <p:spPr>
           <a:xfrm>
-            <a:off x="7546581" y="2401725"/>
-            <a:ext cx="1648653" cy="976986"/>
+            <a:off x="7291210" y="2418329"/>
+            <a:ext cx="1728909" cy="976986"/>
           </a:xfrm>
           <a:prstGeom prst="rect">
             <a:avLst/>
@@ -30485,7 +33241,7 @@
 </p:sld>
 </file>
 
-<file path=ppt/slides/slide3.xml><?xml version="1.0" encoding="utf-8"?>
+<file path=ppt/slides/slide6.xml><?xml version="1.0" encoding="utf-8"?>
 <p:sld xmlns:a="http://schemas.openxmlformats.org/drawingml/2006/main" xmlns:r="http://schemas.openxmlformats.org/officeDocument/2006/relationships" xmlns:p="http://schemas.openxmlformats.org/presentationml/2006/main">
   <p:cSld>
     <p:spTree>
@@ -30710,7 +33466,7 @@
         </p:nvSpPr>
         <p:spPr>
           <a:xfrm>
-            <a:off x="-268091" y="3633859"/>
+            <a:off x="-201841" y="3633455"/>
             <a:ext cx="2107500" cy="665400"/>
           </a:xfrm>
           <a:prstGeom prst="rect">
@@ -31003,7 +33759,7 @@
         </p:nvSpPr>
         <p:spPr>
           <a:xfrm>
-            <a:off x="376889" y="979516"/>
+            <a:off x="443139" y="979112"/>
             <a:ext cx="1452102" cy="527700"/>
           </a:xfrm>
           <a:prstGeom prst="rect">
@@ -31026,10 +33782,10 @@
               <a:buNone/>
             </a:pPr>
             <a:r>
-              <a:rPr lang="en" sz="1000" dirty="0"/>
+              <a:rPr lang="en" sz="1000" b="1" dirty="0"/>
               <a:t>Homeowner</a:t>
             </a:r>
-            <a:endParaRPr sz="1000" dirty="0"/>
+            <a:endParaRPr sz="1000" b="1" dirty="0"/>
           </a:p>
         </p:txBody>
       </p:sp>
@@ -31051,7 +33807,7 @@
         </p:nvSpPr>
         <p:spPr>
           <a:xfrm>
-            <a:off x="60960" y="1283519"/>
+            <a:off x="127210" y="1283115"/>
             <a:ext cx="1778475" cy="665400"/>
           </a:xfrm>
           <a:prstGeom prst="rect">
@@ -31099,7 +33855,7 @@
         </p:nvSpPr>
         <p:spPr>
           <a:xfrm>
-            <a:off x="7546582" y="982987"/>
+            <a:off x="7281849" y="994567"/>
             <a:ext cx="1452075" cy="527700"/>
           </a:xfrm>
           <a:prstGeom prst="rect">
@@ -31122,10 +33878,10 @@
               <a:buNone/>
             </a:pPr>
             <a:r>
-              <a:rPr lang="en-US" sz="1000" dirty="0"/>
+              <a:rPr lang="en-US" sz="1000" b="1" dirty="0"/>
               <a:t>Home Improvement Stores</a:t>
             </a:r>
-            <a:endParaRPr sz="1000" dirty="0"/>
+            <a:endParaRPr sz="1000" b="1" dirty="0"/>
           </a:p>
         </p:txBody>
       </p:sp>
@@ -31147,7 +33903,7 @@
         </p:nvSpPr>
         <p:spPr>
           <a:xfrm>
-            <a:off x="387334" y="3346507"/>
+            <a:off x="453584" y="3346103"/>
             <a:ext cx="1452102" cy="527700"/>
           </a:xfrm>
           <a:prstGeom prst="rect">
@@ -31161,10 +33917,10 @@
           <a:lstStyle/>
           <a:p>
             <a:r>
-              <a:rPr lang="en-US" sz="1000" dirty="0"/>
+              <a:rPr lang="en-US" sz="1000" b="1" dirty="0"/>
               <a:t>Data Analytics</a:t>
             </a:r>
-            <a:endParaRPr sz="1000" dirty="0"/>
+            <a:endParaRPr sz="1000" b="1" dirty="0"/>
           </a:p>
         </p:txBody>
       </p:sp>
@@ -31186,7 +33942,7 @@
         </p:nvSpPr>
         <p:spPr>
           <a:xfrm>
-            <a:off x="7550709" y="3379772"/>
+            <a:off x="7281849" y="3391783"/>
             <a:ext cx="1452075" cy="468113"/>
           </a:xfrm>
           <a:prstGeom prst="rect">
@@ -31209,10 +33965,10 @@
               <a:buNone/>
             </a:pPr>
             <a:r>
-              <a:rPr lang="en" sz="1000" dirty="0"/>
+              <a:rPr lang="en" sz="1000" b="1" dirty="0"/>
               <a:t>Homeowners Insurance</a:t>
             </a:r>
-            <a:endParaRPr sz="1000" dirty="0"/>
+            <a:endParaRPr sz="1000" b="1" dirty="0"/>
           </a:p>
         </p:txBody>
       </p:sp>
@@ -31807,7 +34563,7 @@
           <a:p>
             <a:pPr algn="ctr"/>
             <a:r>
-              <a:rPr lang="en-US" sz="1000" dirty="0"/>
+              <a:rPr lang="en-US" sz="1000" b="1" dirty="0"/>
               <a:t>Credit Payment Service</a:t>
             </a:r>
           </a:p>
@@ -32094,7 +34850,7 @@
           <a:p>
             <a:pPr algn="ctr"/>
             <a:r>
-              <a:rPr lang="en-US" sz="1000" dirty="0"/>
+              <a:rPr lang="en-US" sz="1000" b="1" dirty="0"/>
               <a:t>AI Engineer</a:t>
             </a:r>
           </a:p>
@@ -32477,7 +35233,7 @@
           <a:p>
             <a:pPr algn="ctr"/>
             <a:r>
-              <a:rPr lang="en-US" sz="1000" dirty="0"/>
+              <a:rPr lang="en-US" sz="1000" b="1" dirty="0"/>
               <a:t>Other</a:t>
             </a:r>
           </a:p>
@@ -32772,7 +35528,7 @@
               <a:buNone/>
             </a:pPr>
             <a:r>
-              <a:rPr lang="en-US" sz="1000" dirty="0"/>
+              <a:rPr lang="en-US" sz="1000" b="1" dirty="0"/>
               <a:t>Lawn Professional</a:t>
             </a:r>
           </a:p>
@@ -33616,7 +36372,7 @@
         </p:nvSpPr>
         <p:spPr>
           <a:xfrm>
-            <a:off x="7546582" y="3724960"/>
+            <a:off x="7277722" y="3736971"/>
             <a:ext cx="1648653" cy="976986"/>
           </a:xfrm>
           <a:prstGeom prst="rect">
@@ -33907,7 +36663,7 @@
         </p:nvSpPr>
         <p:spPr>
           <a:xfrm>
-            <a:off x="7546581" y="1449225"/>
+            <a:off x="7281848" y="1460805"/>
             <a:ext cx="1648653" cy="976986"/>
           </a:xfrm>
           <a:prstGeom prst="rect">
@@ -35064,7 +37820,609 @@
 </p:sld>
 </file>
 
-<file path=ppt/slides/slide4.xml><?xml version="1.0" encoding="utf-8"?>
+<file path=ppt/slides/slide7.xml><?xml version="1.0" encoding="utf-8"?>
+<p:sld xmlns:a="http://schemas.openxmlformats.org/drawingml/2006/main" xmlns:r="http://schemas.openxmlformats.org/officeDocument/2006/relationships" xmlns:p="http://schemas.openxmlformats.org/presentationml/2006/main">
+  <p:cSld>
+    <p:spTree>
+      <p:nvGrpSpPr>
+        <p:cNvPr id="1" name="Shape 316"/>
+        <p:cNvGrpSpPr/>
+        <p:nvPr/>
+      </p:nvGrpSpPr>
+      <p:grpSpPr>
+        <a:xfrm>
+          <a:off x="0" y="0"/>
+          <a:ext cx="0" cy="0"/>
+          <a:chOff x="0" y="0"/>
+          <a:chExt cx="0" cy="0"/>
+        </a:xfrm>
+      </p:grpSpPr>
+      <p:sp>
+        <p:nvSpPr>
+          <p:cNvPr id="321" name="Google Shape;321;p40"/>
+          <p:cNvSpPr txBox="1">
+            <a:spLocks noGrp="1"/>
+          </p:cNvSpPr>
+          <p:nvPr>
+            <p:ph type="title" idx="8"/>
+          </p:nvPr>
+        </p:nvSpPr>
+        <p:spPr>
+          <a:xfrm>
+            <a:off x="720000" y="445025"/>
+            <a:ext cx="5200821" cy="572700"/>
+          </a:xfrm>
+          <a:prstGeom prst="rect">
+            <a:avLst/>
+          </a:prstGeom>
+        </p:spPr>
+        <p:txBody>
+          <a:bodyPr spcFirstLastPara="1" wrap="square" lIns="91425" tIns="91425" rIns="91425" bIns="91425" anchor="t" anchorCtr="0">
+            <a:noAutofit/>
+          </a:bodyPr>
+          <a:lstStyle/>
+          <a:p>
+            <a:pPr marL="0" lvl="0" indent="0" algn="l" rtl="0">
+              <a:spcBef>
+                <a:spcPts val="0"/>
+              </a:spcBef>
+              <a:spcAft>
+                <a:spcPts val="0"/>
+              </a:spcAft>
+              <a:buClr>
+                <a:schemeClr val="dk1"/>
+              </a:buClr>
+              <a:buSzPts val="1100"/>
+              <a:buFont typeface="Arial"/>
+              <a:buNone/>
+            </a:pPr>
+            <a:r>
+              <a:rPr lang="en-US" dirty="0"/>
+              <a:t>Finances</a:t>
+            </a:r>
+          </a:p>
+        </p:txBody>
+      </p:sp>
+      <p:pic>
+        <p:nvPicPr>
+          <p:cNvPr id="338" name="Google Shape;338;p40"/>
+          <p:cNvPicPr preferRelativeResize="0"/>
+          <p:nvPr/>
+        </p:nvPicPr>
+        <p:blipFill>
+          <a:blip r:embed="rId3">
+            <a:alphaModFix/>
+          </a:blip>
+          <a:stretch>
+            <a:fillRect/>
+          </a:stretch>
+        </p:blipFill>
+        <p:spPr>
+          <a:xfrm>
+            <a:off x="8115835" y="238321"/>
+            <a:ext cx="886950" cy="886950"/>
+          </a:xfrm>
+          <a:prstGeom prst="rect">
+            <a:avLst/>
+          </a:prstGeom>
+          <a:noFill/>
+          <a:ln>
+            <a:noFill/>
+          </a:ln>
+        </p:spPr>
+      </p:pic>
+      <p:pic>
+        <p:nvPicPr>
+          <p:cNvPr id="17" name="Picture 16">
+            <a:extLst>
+              <a:ext uri="{FF2B5EF4-FFF2-40B4-BE49-F238E27FC236}">
+                <a16:creationId xmlns:a16="http://schemas.microsoft.com/office/drawing/2014/main" id="{C2FF3497-2609-7484-40A8-89924FF7DA95}"/>
+              </a:ext>
+            </a:extLst>
+          </p:cNvPr>
+          <p:cNvPicPr>
+            <a:picLocks noChangeAspect="1"/>
+          </p:cNvPicPr>
+          <p:nvPr/>
+        </p:nvPicPr>
+        <p:blipFill>
+          <a:blip r:embed="rId4"/>
+          <a:stretch>
+            <a:fillRect/>
+          </a:stretch>
+        </p:blipFill>
+        <p:spPr>
+          <a:xfrm>
+            <a:off x="1291848" y="1314054"/>
+            <a:ext cx="6560303" cy="3384421"/>
+          </a:xfrm>
+          <a:prstGeom prst="rect">
+            <a:avLst/>
+          </a:prstGeom>
+        </p:spPr>
+      </p:pic>
+      <p:sp>
+        <p:nvSpPr>
+          <p:cNvPr id="18" name="TextBox 17">
+            <a:extLst>
+              <a:ext uri="{FF2B5EF4-FFF2-40B4-BE49-F238E27FC236}">
+                <a16:creationId xmlns:a16="http://schemas.microsoft.com/office/drawing/2014/main" id="{12B84152-8E98-9984-51EA-607CCFDB6D17}"/>
+              </a:ext>
+            </a:extLst>
+          </p:cNvPr>
+          <p:cNvSpPr txBox="1"/>
+          <p:nvPr/>
+        </p:nvSpPr>
+        <p:spPr>
+          <a:xfrm>
+            <a:off x="3174298" y="4482446"/>
+            <a:ext cx="1633781" cy="246221"/>
+          </a:xfrm>
+          <a:prstGeom prst="rect">
+            <a:avLst/>
+          </a:prstGeom>
+          <a:noFill/>
+        </p:spPr>
+        <p:txBody>
+          <a:bodyPr wrap="none" rtlCol="0">
+            <a:spAutoFit/>
+          </a:bodyPr>
+          <a:lstStyle/>
+          <a:p>
+            <a:r>
+              <a:rPr lang="en-US" sz="1000" dirty="0">
+                <a:latin typeface="Lato" panose="020F0502020204030203" pitchFamily="34" charset="0"/>
+                <a:ea typeface="Lato" panose="020F0502020204030203" pitchFamily="34" charset="0"/>
+                <a:cs typeface="Lato" panose="020F0502020204030203" pitchFamily="34" charset="0"/>
+              </a:rPr>
+              <a:t>Lawn Buddy Annual Sales</a:t>
+            </a:r>
+          </a:p>
+        </p:txBody>
+      </p:sp>
+      <p:sp>
+        <p:nvSpPr>
+          <p:cNvPr id="19" name="TextBox 18">
+            <a:extLst>
+              <a:ext uri="{FF2B5EF4-FFF2-40B4-BE49-F238E27FC236}">
+                <a16:creationId xmlns:a16="http://schemas.microsoft.com/office/drawing/2014/main" id="{A40E996A-051C-5398-F829-ADB7690D391D}"/>
+              </a:ext>
+            </a:extLst>
+          </p:cNvPr>
+          <p:cNvSpPr txBox="1"/>
+          <p:nvPr/>
+        </p:nvSpPr>
+        <p:spPr>
+          <a:xfrm>
+            <a:off x="4990529" y="4482446"/>
+            <a:ext cx="1555234" cy="246221"/>
+          </a:xfrm>
+          <a:prstGeom prst="rect">
+            <a:avLst/>
+          </a:prstGeom>
+          <a:noFill/>
+        </p:spPr>
+        <p:txBody>
+          <a:bodyPr wrap="none" rtlCol="0">
+            <a:spAutoFit/>
+          </a:bodyPr>
+          <a:lstStyle/>
+          <a:p>
+            <a:r>
+              <a:rPr lang="en-US" sz="1000" dirty="0">
+                <a:latin typeface="Lato" panose="020F0502020204030203" pitchFamily="34" charset="0"/>
+                <a:ea typeface="Lato" panose="020F0502020204030203" pitchFamily="34" charset="0"/>
+                <a:cs typeface="Lato" panose="020F0502020204030203" pitchFamily="34" charset="0"/>
+              </a:rPr>
+              <a:t>Lawn Buddy Sales Share</a:t>
+            </a:r>
+          </a:p>
+        </p:txBody>
+      </p:sp>
+      <p:sp>
+        <p:nvSpPr>
+          <p:cNvPr id="20" name="TextBox 19">
+            <a:extLst>
+              <a:ext uri="{FF2B5EF4-FFF2-40B4-BE49-F238E27FC236}">
+                <a16:creationId xmlns:a16="http://schemas.microsoft.com/office/drawing/2014/main" id="{D076A917-22F0-CF02-DB88-374C8FFE3A6A}"/>
+              </a:ext>
+            </a:extLst>
+          </p:cNvPr>
+          <p:cNvSpPr txBox="1"/>
+          <p:nvPr/>
+        </p:nvSpPr>
+        <p:spPr>
+          <a:xfrm>
+            <a:off x="2203688" y="4312764"/>
+            <a:ext cx="421910" cy="215444"/>
+          </a:xfrm>
+          <a:prstGeom prst="rect">
+            <a:avLst/>
+          </a:prstGeom>
+          <a:noFill/>
+        </p:spPr>
+        <p:txBody>
+          <a:bodyPr wrap="none" rtlCol="0">
+            <a:spAutoFit/>
+          </a:bodyPr>
+          <a:lstStyle/>
+          <a:p>
+            <a:r>
+              <a:rPr lang="en-US" sz="800" dirty="0">
+                <a:latin typeface="Lato" panose="020F0502020204030203" pitchFamily="34" charset="0"/>
+                <a:ea typeface="Lato" panose="020F0502020204030203" pitchFamily="34" charset="0"/>
+                <a:cs typeface="Lato" panose="020F0502020204030203" pitchFamily="34" charset="0"/>
+              </a:rPr>
+              <a:t>2023</a:t>
+            </a:r>
+          </a:p>
+        </p:txBody>
+      </p:sp>
+      <p:sp>
+        <p:nvSpPr>
+          <p:cNvPr id="21" name="TextBox 20">
+            <a:extLst>
+              <a:ext uri="{FF2B5EF4-FFF2-40B4-BE49-F238E27FC236}">
+                <a16:creationId xmlns:a16="http://schemas.microsoft.com/office/drawing/2014/main" id="{AAA90A4C-A7E3-733A-19BE-61B8C53C5F7D}"/>
+              </a:ext>
+            </a:extLst>
+          </p:cNvPr>
+          <p:cNvSpPr txBox="1"/>
+          <p:nvPr/>
+        </p:nvSpPr>
+        <p:spPr>
+          <a:xfrm>
+            <a:off x="2693756" y="4309866"/>
+            <a:ext cx="421910" cy="215444"/>
+          </a:xfrm>
+          <a:prstGeom prst="rect">
+            <a:avLst/>
+          </a:prstGeom>
+          <a:noFill/>
+        </p:spPr>
+        <p:txBody>
+          <a:bodyPr wrap="none" rtlCol="0">
+            <a:spAutoFit/>
+          </a:bodyPr>
+          <a:lstStyle/>
+          <a:p>
+            <a:r>
+              <a:rPr lang="en-US" sz="800" dirty="0">
+                <a:latin typeface="Lato" panose="020F0502020204030203" pitchFamily="34" charset="0"/>
+                <a:ea typeface="Lato" panose="020F0502020204030203" pitchFamily="34" charset="0"/>
+                <a:cs typeface="Lato" panose="020F0502020204030203" pitchFamily="34" charset="0"/>
+              </a:rPr>
+              <a:t>2024</a:t>
+            </a:r>
+          </a:p>
+        </p:txBody>
+      </p:sp>
+      <p:sp>
+        <p:nvSpPr>
+          <p:cNvPr id="22" name="TextBox 21">
+            <a:extLst>
+              <a:ext uri="{FF2B5EF4-FFF2-40B4-BE49-F238E27FC236}">
+                <a16:creationId xmlns:a16="http://schemas.microsoft.com/office/drawing/2014/main" id="{F492A489-0C41-85DA-9D53-A3128F9B49AB}"/>
+              </a:ext>
+            </a:extLst>
+          </p:cNvPr>
+          <p:cNvSpPr txBox="1"/>
+          <p:nvPr/>
+        </p:nvSpPr>
+        <p:spPr>
+          <a:xfrm>
+            <a:off x="3193350" y="4309866"/>
+            <a:ext cx="421910" cy="215444"/>
+          </a:xfrm>
+          <a:prstGeom prst="rect">
+            <a:avLst/>
+          </a:prstGeom>
+          <a:noFill/>
+        </p:spPr>
+        <p:txBody>
+          <a:bodyPr wrap="none" rtlCol="0">
+            <a:spAutoFit/>
+          </a:bodyPr>
+          <a:lstStyle/>
+          <a:p>
+            <a:r>
+              <a:rPr lang="en-US" sz="800" dirty="0">
+                <a:latin typeface="Lato" panose="020F0502020204030203" pitchFamily="34" charset="0"/>
+                <a:ea typeface="Lato" panose="020F0502020204030203" pitchFamily="34" charset="0"/>
+                <a:cs typeface="Lato" panose="020F0502020204030203" pitchFamily="34" charset="0"/>
+              </a:rPr>
+              <a:t>2025</a:t>
+            </a:r>
+          </a:p>
+        </p:txBody>
+      </p:sp>
+      <p:sp>
+        <p:nvSpPr>
+          <p:cNvPr id="23" name="TextBox 22">
+            <a:extLst>
+              <a:ext uri="{FF2B5EF4-FFF2-40B4-BE49-F238E27FC236}">
+                <a16:creationId xmlns:a16="http://schemas.microsoft.com/office/drawing/2014/main" id="{C52082CB-9A03-28E4-43C5-83F4B5114C94}"/>
+              </a:ext>
+            </a:extLst>
+          </p:cNvPr>
+          <p:cNvSpPr txBox="1"/>
+          <p:nvPr/>
+        </p:nvSpPr>
+        <p:spPr>
+          <a:xfrm>
+            <a:off x="3679074" y="4312764"/>
+            <a:ext cx="421910" cy="215444"/>
+          </a:xfrm>
+          <a:prstGeom prst="rect">
+            <a:avLst/>
+          </a:prstGeom>
+          <a:noFill/>
+        </p:spPr>
+        <p:txBody>
+          <a:bodyPr wrap="none" rtlCol="0">
+            <a:spAutoFit/>
+          </a:bodyPr>
+          <a:lstStyle/>
+          <a:p>
+            <a:r>
+              <a:rPr lang="en-US" sz="800" dirty="0">
+                <a:latin typeface="Lato" panose="020F0502020204030203" pitchFamily="34" charset="0"/>
+                <a:ea typeface="Lato" panose="020F0502020204030203" pitchFamily="34" charset="0"/>
+                <a:cs typeface="Lato" panose="020F0502020204030203" pitchFamily="34" charset="0"/>
+              </a:rPr>
+              <a:t>2026</a:t>
+            </a:r>
+          </a:p>
+        </p:txBody>
+      </p:sp>
+      <p:sp>
+        <p:nvSpPr>
+          <p:cNvPr id="24" name="TextBox 23">
+            <a:extLst>
+              <a:ext uri="{FF2B5EF4-FFF2-40B4-BE49-F238E27FC236}">
+                <a16:creationId xmlns:a16="http://schemas.microsoft.com/office/drawing/2014/main" id="{7517D92B-332E-71F5-50F1-7AF512A30252}"/>
+              </a:ext>
+            </a:extLst>
+          </p:cNvPr>
+          <p:cNvSpPr txBox="1"/>
+          <p:nvPr/>
+        </p:nvSpPr>
+        <p:spPr>
+          <a:xfrm>
+            <a:off x="4159616" y="4309866"/>
+            <a:ext cx="421910" cy="215444"/>
+          </a:xfrm>
+          <a:prstGeom prst="rect">
+            <a:avLst/>
+          </a:prstGeom>
+          <a:noFill/>
+        </p:spPr>
+        <p:txBody>
+          <a:bodyPr wrap="none" rtlCol="0">
+            <a:spAutoFit/>
+          </a:bodyPr>
+          <a:lstStyle/>
+          <a:p>
+            <a:r>
+              <a:rPr lang="en-US" sz="800" dirty="0">
+                <a:latin typeface="Lato" panose="020F0502020204030203" pitchFamily="34" charset="0"/>
+                <a:ea typeface="Lato" panose="020F0502020204030203" pitchFamily="34" charset="0"/>
+                <a:cs typeface="Lato" panose="020F0502020204030203" pitchFamily="34" charset="0"/>
+              </a:rPr>
+              <a:t>2027</a:t>
+            </a:r>
+          </a:p>
+        </p:txBody>
+      </p:sp>
+      <p:sp>
+        <p:nvSpPr>
+          <p:cNvPr id="25" name="TextBox 24">
+            <a:extLst>
+              <a:ext uri="{FF2B5EF4-FFF2-40B4-BE49-F238E27FC236}">
+                <a16:creationId xmlns:a16="http://schemas.microsoft.com/office/drawing/2014/main" id="{21EAE3CB-588D-D611-5F73-FAC0D699B6C5}"/>
+              </a:ext>
+            </a:extLst>
+          </p:cNvPr>
+          <p:cNvSpPr txBox="1"/>
+          <p:nvPr/>
+        </p:nvSpPr>
+        <p:spPr>
+          <a:xfrm>
+            <a:off x="4672366" y="4314432"/>
+            <a:ext cx="421910" cy="215444"/>
+          </a:xfrm>
+          <a:prstGeom prst="rect">
+            <a:avLst/>
+          </a:prstGeom>
+          <a:noFill/>
+        </p:spPr>
+        <p:txBody>
+          <a:bodyPr wrap="none" rtlCol="0">
+            <a:spAutoFit/>
+          </a:bodyPr>
+          <a:lstStyle/>
+          <a:p>
+            <a:r>
+              <a:rPr lang="en-US" sz="800" dirty="0">
+                <a:latin typeface="Lato" panose="020F0502020204030203" pitchFamily="34" charset="0"/>
+                <a:ea typeface="Lato" panose="020F0502020204030203" pitchFamily="34" charset="0"/>
+                <a:cs typeface="Lato" panose="020F0502020204030203" pitchFamily="34" charset="0"/>
+              </a:rPr>
+              <a:t>2028</a:t>
+            </a:r>
+          </a:p>
+        </p:txBody>
+      </p:sp>
+      <p:sp>
+        <p:nvSpPr>
+          <p:cNvPr id="26" name="TextBox 25">
+            <a:extLst>
+              <a:ext uri="{FF2B5EF4-FFF2-40B4-BE49-F238E27FC236}">
+                <a16:creationId xmlns:a16="http://schemas.microsoft.com/office/drawing/2014/main" id="{74BFD521-5F4B-3262-B58C-9D5D856148C8}"/>
+              </a:ext>
+            </a:extLst>
+          </p:cNvPr>
+          <p:cNvSpPr txBox="1"/>
+          <p:nvPr/>
+        </p:nvSpPr>
+        <p:spPr>
+          <a:xfrm>
+            <a:off x="5168330" y="4309866"/>
+            <a:ext cx="421910" cy="215444"/>
+          </a:xfrm>
+          <a:prstGeom prst="rect">
+            <a:avLst/>
+          </a:prstGeom>
+          <a:noFill/>
+        </p:spPr>
+        <p:txBody>
+          <a:bodyPr wrap="none" rtlCol="0">
+            <a:spAutoFit/>
+          </a:bodyPr>
+          <a:lstStyle/>
+          <a:p>
+            <a:r>
+              <a:rPr lang="en-US" sz="800" dirty="0">
+                <a:latin typeface="Lato" panose="020F0502020204030203" pitchFamily="34" charset="0"/>
+                <a:ea typeface="Lato" panose="020F0502020204030203" pitchFamily="34" charset="0"/>
+                <a:cs typeface="Lato" panose="020F0502020204030203" pitchFamily="34" charset="0"/>
+              </a:rPr>
+              <a:t>2029</a:t>
+            </a:r>
+          </a:p>
+        </p:txBody>
+      </p:sp>
+      <p:sp>
+        <p:nvSpPr>
+          <p:cNvPr id="27" name="TextBox 26">
+            <a:extLst>
+              <a:ext uri="{FF2B5EF4-FFF2-40B4-BE49-F238E27FC236}">
+                <a16:creationId xmlns:a16="http://schemas.microsoft.com/office/drawing/2014/main" id="{C0937891-35C6-6820-3098-E31BF3BB0C14}"/>
+              </a:ext>
+            </a:extLst>
+          </p:cNvPr>
+          <p:cNvSpPr txBox="1"/>
+          <p:nvPr/>
+        </p:nvSpPr>
+        <p:spPr>
+          <a:xfrm>
+            <a:off x="5658817" y="4309866"/>
+            <a:ext cx="421910" cy="215444"/>
+          </a:xfrm>
+          <a:prstGeom prst="rect">
+            <a:avLst/>
+          </a:prstGeom>
+          <a:noFill/>
+        </p:spPr>
+        <p:txBody>
+          <a:bodyPr wrap="none" rtlCol="0">
+            <a:spAutoFit/>
+          </a:bodyPr>
+          <a:lstStyle/>
+          <a:p>
+            <a:r>
+              <a:rPr lang="en-US" sz="800" dirty="0">
+                <a:latin typeface="Lato" panose="020F0502020204030203" pitchFamily="34" charset="0"/>
+                <a:ea typeface="Lato" panose="020F0502020204030203" pitchFamily="34" charset="0"/>
+                <a:cs typeface="Lato" panose="020F0502020204030203" pitchFamily="34" charset="0"/>
+              </a:rPr>
+              <a:t>2030</a:t>
+            </a:r>
+          </a:p>
+        </p:txBody>
+      </p:sp>
+      <p:sp>
+        <p:nvSpPr>
+          <p:cNvPr id="28" name="TextBox 27">
+            <a:extLst>
+              <a:ext uri="{FF2B5EF4-FFF2-40B4-BE49-F238E27FC236}">
+                <a16:creationId xmlns:a16="http://schemas.microsoft.com/office/drawing/2014/main" id="{BDA62C93-6C8F-F0FD-0C16-219C00C4C8DE}"/>
+              </a:ext>
+            </a:extLst>
+          </p:cNvPr>
+          <p:cNvSpPr txBox="1"/>
+          <p:nvPr/>
+        </p:nvSpPr>
+        <p:spPr>
+          <a:xfrm>
+            <a:off x="6158411" y="4309866"/>
+            <a:ext cx="421910" cy="215444"/>
+          </a:xfrm>
+          <a:prstGeom prst="rect">
+            <a:avLst/>
+          </a:prstGeom>
+          <a:noFill/>
+        </p:spPr>
+        <p:txBody>
+          <a:bodyPr wrap="none" rtlCol="0">
+            <a:spAutoFit/>
+          </a:bodyPr>
+          <a:lstStyle/>
+          <a:p>
+            <a:r>
+              <a:rPr lang="en-US" sz="800" dirty="0">
+                <a:latin typeface="Lato" panose="020F0502020204030203" pitchFamily="34" charset="0"/>
+                <a:ea typeface="Lato" panose="020F0502020204030203" pitchFamily="34" charset="0"/>
+                <a:cs typeface="Lato" panose="020F0502020204030203" pitchFamily="34" charset="0"/>
+              </a:rPr>
+              <a:t>2031</a:t>
+            </a:r>
+          </a:p>
+        </p:txBody>
+      </p:sp>
+      <p:sp>
+        <p:nvSpPr>
+          <p:cNvPr id="29" name="TextBox 28">
+            <a:extLst>
+              <a:ext uri="{FF2B5EF4-FFF2-40B4-BE49-F238E27FC236}">
+                <a16:creationId xmlns:a16="http://schemas.microsoft.com/office/drawing/2014/main" id="{4C71F847-B5FD-A386-A297-40BEAE351BC4}"/>
+              </a:ext>
+            </a:extLst>
+          </p:cNvPr>
+          <p:cNvSpPr txBox="1"/>
+          <p:nvPr/>
+        </p:nvSpPr>
+        <p:spPr>
+          <a:xfrm>
+            <a:off x="6653242" y="4309866"/>
+            <a:ext cx="421910" cy="215444"/>
+          </a:xfrm>
+          <a:prstGeom prst="rect">
+            <a:avLst/>
+          </a:prstGeom>
+          <a:noFill/>
+        </p:spPr>
+        <p:txBody>
+          <a:bodyPr wrap="none" rtlCol="0">
+            <a:spAutoFit/>
+          </a:bodyPr>
+          <a:lstStyle/>
+          <a:p>
+            <a:r>
+              <a:rPr lang="en-US" sz="800" dirty="0">
+                <a:latin typeface="Lato" panose="020F0502020204030203" pitchFamily="34" charset="0"/>
+                <a:ea typeface="Lato" panose="020F0502020204030203" pitchFamily="34" charset="0"/>
+                <a:cs typeface="Lato" panose="020F0502020204030203" pitchFamily="34" charset="0"/>
+              </a:rPr>
+              <a:t>2032</a:t>
+            </a:r>
+          </a:p>
+        </p:txBody>
+      </p:sp>
+    </p:spTree>
+    <p:extLst>
+      <p:ext uri="{BB962C8B-B14F-4D97-AF65-F5344CB8AC3E}">
+        <p14:creationId xmlns:p14="http://schemas.microsoft.com/office/powerpoint/2010/main" val="3855377581"/>
+      </p:ext>
+    </p:extLst>
+  </p:cSld>
+  <p:clrMapOvr>
+    <a:masterClrMapping/>
+  </p:clrMapOvr>
+</p:sld>
+</file>
+
+<file path=ppt/slides/slide8.xml><?xml version="1.0" encoding="utf-8"?>
 <p:sld xmlns:a="http://schemas.openxmlformats.org/drawingml/2006/main" xmlns:r="http://schemas.openxmlformats.org/officeDocument/2006/relationships" xmlns:p="http://schemas.openxmlformats.org/presentationml/2006/main">
   <p:cSld>
     <p:spTree>
@@ -36469,244 +39827,7 @@
 </p:sld>
 </file>
 
-<file path=ppt/slides/slide5.xml><?xml version="1.0" encoding="utf-8"?>
-<p:sld xmlns:a="http://schemas.openxmlformats.org/drawingml/2006/main" xmlns:r="http://schemas.openxmlformats.org/officeDocument/2006/relationships" xmlns:p="http://schemas.openxmlformats.org/presentationml/2006/main">
-  <p:cSld>
-    <p:spTree>
-      <p:nvGrpSpPr>
-        <p:cNvPr id="1" name="Shape 192"/>
-        <p:cNvGrpSpPr/>
-        <p:nvPr/>
-      </p:nvGrpSpPr>
-      <p:grpSpPr>
-        <a:xfrm>
-          <a:off x="0" y="0"/>
-          <a:ext cx="0" cy="0"/>
-          <a:chOff x="0" y="0"/>
-          <a:chExt cx="0" cy="0"/>
-        </a:xfrm>
-      </p:grpSpPr>
-      <p:sp>
-        <p:nvSpPr>
-          <p:cNvPr id="193" name="Google Shape;193;p30"/>
-          <p:cNvSpPr txBox="1">
-            <a:spLocks noGrp="1"/>
-          </p:cNvSpPr>
-          <p:nvPr>
-            <p:ph type="title"/>
-          </p:nvPr>
-        </p:nvSpPr>
-        <p:spPr>
-          <a:xfrm>
-            <a:off x="720000" y="445025"/>
-            <a:ext cx="7704000" cy="572700"/>
-          </a:xfrm>
-          <a:prstGeom prst="rect">
-            <a:avLst/>
-          </a:prstGeom>
-        </p:spPr>
-        <p:txBody>
-          <a:bodyPr spcFirstLastPara="1" wrap="square" lIns="91425" tIns="91425" rIns="91425" bIns="91425" anchor="t" anchorCtr="0">
-            <a:noAutofit/>
-          </a:bodyPr>
-          <a:lstStyle/>
-          <a:p>
-            <a:pPr marL="0" lvl="0" indent="0" algn="l" rtl="0">
-              <a:spcBef>
-                <a:spcPts val="0"/>
-              </a:spcBef>
-              <a:spcAft>
-                <a:spcPts val="0"/>
-              </a:spcAft>
-              <a:buNone/>
-            </a:pPr>
-            <a:r>
-              <a:rPr lang="en"/>
-              <a:t>Company Description</a:t>
-            </a:r>
-            <a:endParaRPr/>
-          </a:p>
-        </p:txBody>
-      </p:sp>
-      <p:sp>
-        <p:nvSpPr>
-          <p:cNvPr id="194" name="Google Shape;194;p30"/>
-          <p:cNvSpPr txBox="1">
-            <a:spLocks noGrp="1"/>
-          </p:cNvSpPr>
-          <p:nvPr>
-            <p:ph type="body" idx="1"/>
-          </p:nvPr>
-        </p:nvSpPr>
-        <p:spPr>
-          <a:xfrm>
-            <a:off x="720000" y="1287725"/>
-            <a:ext cx="7704000" cy="3344400"/>
-          </a:xfrm>
-          <a:prstGeom prst="rect">
-            <a:avLst/>
-          </a:prstGeom>
-        </p:spPr>
-        <p:txBody>
-          <a:bodyPr spcFirstLastPara="1" wrap="square" lIns="91425" tIns="91425" rIns="91425" bIns="91425" anchor="t" anchorCtr="0">
-            <a:noAutofit/>
-          </a:bodyPr>
-          <a:lstStyle/>
-          <a:p>
-            <a:pPr marL="457200" lvl="0" indent="-311150" algn="l" rtl="0">
-              <a:spcBef>
-                <a:spcPts val="0"/>
-              </a:spcBef>
-              <a:spcAft>
-                <a:spcPts val="0"/>
-              </a:spcAft>
-              <a:buSzPts val="1300"/>
-              <a:buChar char="●"/>
-            </a:pPr>
-            <a:r>
-              <a:rPr lang="en" sz="1300"/>
-              <a:t>Lawn Buddy is a company operating a lawn service platform to connect individuals to their community. Its product, the LB website and app, provides years of expertise in lawn care including grass cutting, hedging, and trimming from local professionals that enable an interconnectedness by catering to local commerce. By taking care of your lawn, we strive to empower local businesses and individuals to provide community stability and futuristic lawn services.</a:t>
-            </a:r>
-            <a:endParaRPr sz="1300"/>
-          </a:p>
-          <a:p>
-            <a:pPr marL="457200" lvl="0" indent="0" algn="l" rtl="0">
-              <a:spcBef>
-                <a:spcPts val="0"/>
-              </a:spcBef>
-              <a:spcAft>
-                <a:spcPts val="0"/>
-              </a:spcAft>
-              <a:buNone/>
-            </a:pPr>
-            <a:endParaRPr sz="1300"/>
-          </a:p>
-          <a:p>
-            <a:pPr marL="457200" lvl="0" indent="-311150" algn="l" rtl="0">
-              <a:spcBef>
-                <a:spcPts val="0"/>
-              </a:spcBef>
-              <a:spcAft>
-                <a:spcPts val="0"/>
-              </a:spcAft>
-              <a:buSzPts val="1300"/>
-              <a:buChar char="●"/>
-            </a:pPr>
-            <a:r>
-              <a:rPr lang="en" sz="1300" b="1"/>
-              <a:t>Mission Statement:</a:t>
-            </a:r>
-            <a:r>
-              <a:rPr lang="en" sz="1300"/>
-              <a:t> Lawn Buddy is on a mission to provide expertise lawn care services for everyone, everywhere. We strive for innovation by providing services at the touch of a button.  </a:t>
-            </a:r>
-            <a:endParaRPr sz="1300"/>
-          </a:p>
-          <a:p>
-            <a:pPr marL="457200" lvl="0" indent="0" algn="l" rtl="0">
-              <a:spcBef>
-                <a:spcPts val="0"/>
-              </a:spcBef>
-              <a:spcAft>
-                <a:spcPts val="0"/>
-              </a:spcAft>
-              <a:buNone/>
-            </a:pPr>
-            <a:endParaRPr sz="1300"/>
-          </a:p>
-          <a:p>
-            <a:pPr marL="457200" lvl="0" indent="-311150" algn="l" rtl="0">
-              <a:spcBef>
-                <a:spcPts val="0"/>
-              </a:spcBef>
-              <a:spcAft>
-                <a:spcPts val="0"/>
-              </a:spcAft>
-              <a:buSzPts val="1300"/>
-              <a:buChar char="●"/>
-            </a:pPr>
-            <a:r>
-              <a:rPr lang="en" sz="1300" b="1"/>
-              <a:t>Vision and Goals: </a:t>
-            </a:r>
-            <a:r>
-              <a:rPr lang="en" sz="1300"/>
-              <a:t>At Lawn Buddy our vision is to service all communities, all over the country in order to provide lawn care for all types of localities. We want to build a place where people can mutually recognize the ethics of environmental care and community engagement. </a:t>
-            </a:r>
-            <a:endParaRPr sz="1300"/>
-          </a:p>
-          <a:p>
-            <a:pPr marL="457200" lvl="0" indent="0" algn="l" rtl="0">
-              <a:spcBef>
-                <a:spcPts val="0"/>
-              </a:spcBef>
-              <a:spcAft>
-                <a:spcPts val="0"/>
-              </a:spcAft>
-              <a:buNone/>
-            </a:pPr>
-            <a:endParaRPr sz="1300"/>
-          </a:p>
-          <a:p>
-            <a:pPr marL="457200" lvl="0" indent="-311150" algn="l" rtl="0">
-              <a:spcBef>
-                <a:spcPts val="0"/>
-              </a:spcBef>
-              <a:spcAft>
-                <a:spcPts val="0"/>
-              </a:spcAft>
-              <a:buSzPts val="1300"/>
-              <a:buChar char="●"/>
-            </a:pPr>
-            <a:r>
-              <a:rPr lang="en" sz="1300" b="1"/>
-              <a:t>Structure:</a:t>
-            </a:r>
-            <a:r>
-              <a:rPr lang="en" sz="1300"/>
-              <a:t> Lawn Buddy is structured as a multi member LLC, with three members in order to create a shared business venture. It is managed as a member-managed LLC. The shares are divided as follows: 40-30-30. </a:t>
-            </a:r>
-            <a:endParaRPr sz="1300"/>
-          </a:p>
-        </p:txBody>
-      </p:sp>
-      <p:pic>
-        <p:nvPicPr>
-          <p:cNvPr id="195" name="Google Shape;195;p30"/>
-          <p:cNvPicPr preferRelativeResize="0"/>
-          <p:nvPr/>
-        </p:nvPicPr>
-        <p:blipFill>
-          <a:blip r:embed="rId3">
-            <a:alphaModFix/>
-          </a:blip>
-          <a:stretch>
-            <a:fillRect/>
-          </a:stretch>
-        </p:blipFill>
-        <p:spPr>
-          <a:xfrm>
-            <a:off x="8064600" y="234850"/>
-            <a:ext cx="886950" cy="886950"/>
-          </a:xfrm>
-          <a:prstGeom prst="rect">
-            <a:avLst/>
-          </a:prstGeom>
-          <a:noFill/>
-          <a:ln>
-            <a:noFill/>
-          </a:ln>
-        </p:spPr>
-      </p:pic>
-    </p:spTree>
-  </p:cSld>
-  <p:clrMapOvr>
-    <a:masterClrMapping/>
-  </p:clrMapOvr>
-</p:sld>
-</file>
-
-<file path=ppt/slides/slide6.xml><?xml version="1.0" encoding="utf-8"?>
+<file path=ppt/slides/slide9.xml><?xml version="1.0" encoding="utf-8"?>
 <p:sld xmlns:a="http://schemas.openxmlformats.org/drawingml/2006/main" xmlns:r="http://schemas.openxmlformats.org/officeDocument/2006/relationships" xmlns:p="http://schemas.openxmlformats.org/presentationml/2006/main">
   <p:cSld>
     <p:spTree>
@@ -36949,1955 +40070,6 @@
               <a:rPr lang="en"/>
               <a:t>Service</a:t>
             </a:r>
-            <a:endParaRPr/>
-          </a:p>
-        </p:txBody>
-      </p:sp>
-    </p:spTree>
-  </p:cSld>
-  <p:clrMapOvr>
-    <a:masterClrMapping/>
-  </p:clrMapOvr>
-</p:sld>
-</file>
-
-<file path=ppt/slides/slide7.xml><?xml version="1.0" encoding="utf-8"?>
-<p:sld xmlns:a="http://schemas.openxmlformats.org/drawingml/2006/main" xmlns:r="http://schemas.openxmlformats.org/officeDocument/2006/relationships" xmlns:p="http://schemas.openxmlformats.org/presentationml/2006/main">
-  <p:cSld>
-    <p:spTree>
-      <p:nvGrpSpPr>
-        <p:cNvPr id="1" name="Shape 206"/>
-        <p:cNvGrpSpPr/>
-        <p:nvPr/>
-      </p:nvGrpSpPr>
-      <p:grpSpPr>
-        <a:xfrm>
-          <a:off x="0" y="0"/>
-          <a:ext cx="0" cy="0"/>
-          <a:chOff x="0" y="0"/>
-          <a:chExt cx="0" cy="0"/>
-        </a:xfrm>
-      </p:grpSpPr>
-      <p:sp>
-        <p:nvSpPr>
-          <p:cNvPr id="207" name="Google Shape;207;p32"/>
-          <p:cNvSpPr txBox="1">
-            <a:spLocks noGrp="1"/>
-          </p:cNvSpPr>
-          <p:nvPr>
-            <p:ph type="title"/>
-          </p:nvPr>
-        </p:nvSpPr>
-        <p:spPr>
-          <a:xfrm>
-            <a:off x="720000" y="445025"/>
-            <a:ext cx="7704000" cy="572700"/>
-          </a:xfrm>
-          <a:prstGeom prst="rect">
-            <a:avLst/>
-          </a:prstGeom>
-        </p:spPr>
-        <p:txBody>
-          <a:bodyPr spcFirstLastPara="1" wrap="square" lIns="91425" tIns="91425" rIns="91425" bIns="91425" anchor="t" anchorCtr="0">
-            <a:noAutofit/>
-          </a:bodyPr>
-          <a:lstStyle/>
-          <a:p>
-            <a:pPr marL="0" lvl="0" indent="0" algn="l" rtl="0">
-              <a:spcBef>
-                <a:spcPts val="0"/>
-              </a:spcBef>
-              <a:spcAft>
-                <a:spcPts val="0"/>
-              </a:spcAft>
-              <a:buNone/>
-            </a:pPr>
-            <a:r>
-              <a:rPr lang="en"/>
-              <a:t>Marketing Plan </a:t>
-            </a:r>
-            <a:endParaRPr/>
-          </a:p>
-        </p:txBody>
-      </p:sp>
-      <p:sp>
-        <p:nvSpPr>
-          <p:cNvPr id="208" name="Google Shape;208;p32"/>
-          <p:cNvSpPr txBox="1">
-            <a:spLocks noGrp="1"/>
-          </p:cNvSpPr>
-          <p:nvPr>
-            <p:ph type="body" idx="1"/>
-          </p:nvPr>
-        </p:nvSpPr>
-        <p:spPr>
-          <a:xfrm>
-            <a:off x="720000" y="1287725"/>
-            <a:ext cx="7704000" cy="3344400"/>
-          </a:xfrm>
-          <a:prstGeom prst="rect">
-            <a:avLst/>
-          </a:prstGeom>
-        </p:spPr>
-        <p:txBody>
-          <a:bodyPr spcFirstLastPara="1" wrap="square" lIns="91425" tIns="91425" rIns="91425" bIns="91425" anchor="t" anchorCtr="0">
-            <a:noAutofit/>
-          </a:bodyPr>
-          <a:lstStyle/>
-          <a:p>
-            <a:pPr marL="457200" lvl="0" indent="-311150" algn="l" rtl="0">
-              <a:spcBef>
-                <a:spcPts val="0"/>
-              </a:spcBef>
-              <a:spcAft>
-                <a:spcPts val="0"/>
-              </a:spcAft>
-              <a:buSzPts val="1300"/>
-              <a:buChar char="●"/>
-            </a:pPr>
-            <a:r>
-              <a:rPr lang="en" sz="1300" b="1"/>
-              <a:t>Competitors:</a:t>
-            </a:r>
-            <a:r>
-              <a:rPr lang="en" sz="1300"/>
-              <a:t> Lawn Buddy is a pioneering idea, a first of its kind. Our niche is to tackle real world problems by implementing innovative and futuristic technology in the lawn care industry. By mobilizing lawn maintenance, we actively implement ease and efficiency and in return customer satisfaction. </a:t>
-            </a:r>
-            <a:endParaRPr sz="1300"/>
-          </a:p>
-          <a:p>
-            <a:pPr marL="457200" lvl="0" indent="0" algn="l" rtl="0">
-              <a:spcBef>
-                <a:spcPts val="0"/>
-              </a:spcBef>
-              <a:spcAft>
-                <a:spcPts val="0"/>
-              </a:spcAft>
-              <a:buNone/>
-            </a:pPr>
-            <a:endParaRPr sz="1300"/>
-          </a:p>
-          <a:p>
-            <a:pPr marL="457200" lvl="0" indent="-311150" algn="l" rtl="0">
-              <a:spcBef>
-                <a:spcPts val="0"/>
-              </a:spcBef>
-              <a:spcAft>
-                <a:spcPts val="0"/>
-              </a:spcAft>
-              <a:buSzPts val="1300"/>
-              <a:buChar char="●"/>
-            </a:pPr>
-            <a:r>
-              <a:rPr lang="en" sz="1300" b="1"/>
-              <a:t>Target Audience:</a:t>
-            </a:r>
-            <a:r>
-              <a:rPr lang="en" sz="1300"/>
-              <a:t> We strive to provide our services to all people, everywhere. We know that some are busier than others and do not have time to dedicate to lawn maintenance, those are ideal customers that would have a need to avail our customers. As well as those that are physically unable to provide care to their lawn like the elderly, sick individuals or disabled persons. Including customers that do not have lawn care tools and seek lawn services. Lastly, tech enthusiasts that implement innovativeness and hope to simplify everyday tasks. </a:t>
-            </a:r>
-            <a:endParaRPr sz="1300"/>
-          </a:p>
-          <a:p>
-            <a:pPr marL="0" lvl="0" indent="0" algn="l" rtl="0">
-              <a:spcBef>
-                <a:spcPts val="0"/>
-              </a:spcBef>
-              <a:spcAft>
-                <a:spcPts val="0"/>
-              </a:spcAft>
-              <a:buNone/>
-            </a:pPr>
-            <a:endParaRPr sz="1300"/>
-          </a:p>
-          <a:p>
-            <a:pPr marL="457200" lvl="0" indent="-311150" algn="l" rtl="0">
-              <a:spcBef>
-                <a:spcPts val="0"/>
-              </a:spcBef>
-              <a:spcAft>
-                <a:spcPts val="0"/>
-              </a:spcAft>
-              <a:buSzPts val="1300"/>
-              <a:buChar char="●"/>
-            </a:pPr>
-            <a:r>
-              <a:rPr lang="en" sz="1300" b="1"/>
-              <a:t>Advertisement</a:t>
-            </a:r>
-            <a:r>
-              <a:rPr lang="en" sz="1300"/>
-              <a:t>: Lawn Buddy’s advertisements will be displayed on social media as well as similar service-type applications.</a:t>
-            </a:r>
-            <a:endParaRPr/>
-          </a:p>
-        </p:txBody>
-      </p:sp>
-      <p:pic>
-        <p:nvPicPr>
-          <p:cNvPr id="209" name="Google Shape;209;p32"/>
-          <p:cNvPicPr preferRelativeResize="0"/>
-          <p:nvPr/>
-        </p:nvPicPr>
-        <p:blipFill>
-          <a:blip r:embed="rId3">
-            <a:alphaModFix/>
-          </a:blip>
-          <a:stretch>
-            <a:fillRect/>
-          </a:stretch>
-        </p:blipFill>
-        <p:spPr>
-          <a:xfrm>
-            <a:off x="8064600" y="234850"/>
-            <a:ext cx="886950" cy="886950"/>
-          </a:xfrm>
-          <a:prstGeom prst="rect">
-            <a:avLst/>
-          </a:prstGeom>
-          <a:noFill/>
-          <a:ln>
-            <a:noFill/>
-          </a:ln>
-        </p:spPr>
-      </p:pic>
-      <p:sp>
-        <p:nvSpPr>
-          <p:cNvPr id="210" name="Google Shape;210;p32"/>
-          <p:cNvSpPr txBox="1"/>
-          <p:nvPr/>
-        </p:nvSpPr>
-        <p:spPr>
-          <a:xfrm>
-            <a:off x="526700" y="4632125"/>
-            <a:ext cx="7704000" cy="330900"/>
-          </a:xfrm>
-          <a:prstGeom prst="rect">
-            <a:avLst/>
-          </a:prstGeom>
-          <a:noFill/>
-          <a:ln>
-            <a:noFill/>
-          </a:ln>
-        </p:spPr>
-        <p:txBody>
-          <a:bodyPr spcFirstLastPara="1" wrap="square" lIns="91425" tIns="91425" rIns="91425" bIns="91425" anchor="t" anchorCtr="0">
-            <a:spAutoFit/>
-          </a:bodyPr>
-          <a:lstStyle/>
-          <a:p>
-            <a:pPr marL="0" lvl="0" indent="0" algn="ctr" rtl="0">
-              <a:spcBef>
-                <a:spcPts val="0"/>
-              </a:spcBef>
-              <a:spcAft>
-                <a:spcPts val="0"/>
-              </a:spcAft>
-              <a:buNone/>
-            </a:pPr>
-            <a:r>
-              <a:rPr lang="en" sz="950" i="1">
-                <a:solidFill>
-                  <a:srgbClr val="38761D"/>
-                </a:solidFill>
-                <a:highlight>
-                  <a:srgbClr val="FFFFFF"/>
-                </a:highlight>
-                <a:latin typeface="Roboto"/>
-                <a:ea typeface="Roboto"/>
-                <a:cs typeface="Roboto"/>
-                <a:sym typeface="Roboto"/>
-              </a:rPr>
-              <a:t>“The average American spends about </a:t>
-            </a:r>
-            <a:r>
-              <a:rPr lang="en" sz="950" b="1" i="1">
-                <a:solidFill>
-                  <a:srgbClr val="38761D"/>
-                </a:solidFill>
-                <a:highlight>
-                  <a:srgbClr val="FFFFFF"/>
-                </a:highlight>
-                <a:latin typeface="Roboto"/>
-                <a:ea typeface="Roboto"/>
-                <a:cs typeface="Roboto"/>
-                <a:sym typeface="Roboto"/>
-              </a:rPr>
-              <a:t>70 hours a year</a:t>
-            </a:r>
-            <a:r>
-              <a:rPr lang="en" sz="950" i="1">
-                <a:solidFill>
-                  <a:srgbClr val="38761D"/>
-                </a:solidFill>
-                <a:highlight>
-                  <a:srgbClr val="FFFFFF"/>
-                </a:highlight>
-                <a:latin typeface="Roboto"/>
-                <a:ea typeface="Roboto"/>
-                <a:cs typeface="Roboto"/>
-                <a:sym typeface="Roboto"/>
-              </a:rPr>
-              <a:t> on lawn and garden care, according to the American Time Use Survey.”</a:t>
-            </a:r>
-            <a:endParaRPr sz="950" i="1">
-              <a:solidFill>
-                <a:srgbClr val="38761D"/>
-              </a:solidFill>
-              <a:latin typeface="Lato"/>
-              <a:ea typeface="Lato"/>
-              <a:cs typeface="Lato"/>
-              <a:sym typeface="Lato"/>
-            </a:endParaRPr>
-          </a:p>
-        </p:txBody>
-      </p:sp>
-    </p:spTree>
-  </p:cSld>
-  <p:clrMapOvr>
-    <a:masterClrMapping/>
-  </p:clrMapOvr>
-</p:sld>
-</file>
-
-<file path=ppt/slides/slide8.xml><?xml version="1.0" encoding="utf-8"?>
-<p:sld xmlns:a="http://schemas.openxmlformats.org/drawingml/2006/main" xmlns:r="http://schemas.openxmlformats.org/officeDocument/2006/relationships" xmlns:p="http://schemas.openxmlformats.org/presentationml/2006/main">
-  <p:cSld>
-    <p:spTree>
-      <p:nvGrpSpPr>
-        <p:cNvPr id="1" name="Shape 214"/>
-        <p:cNvGrpSpPr/>
-        <p:nvPr/>
-      </p:nvGrpSpPr>
-      <p:grpSpPr>
-        <a:xfrm>
-          <a:off x="0" y="0"/>
-          <a:ext cx="0" cy="0"/>
-          <a:chOff x="0" y="0"/>
-          <a:chExt cx="0" cy="0"/>
-        </a:xfrm>
-      </p:grpSpPr>
-      <p:sp>
-        <p:nvSpPr>
-          <p:cNvPr id="215" name="Google Shape;215;p33"/>
-          <p:cNvSpPr/>
-          <p:nvPr/>
-        </p:nvSpPr>
-        <p:spPr>
-          <a:xfrm>
-            <a:off x="6733700" y="1211600"/>
-            <a:ext cx="639300" cy="619800"/>
-          </a:xfrm>
-          <a:prstGeom prst="roundRect">
-            <a:avLst>
-              <a:gd name="adj" fmla="val 16667"/>
-            </a:avLst>
-          </a:prstGeom>
-          <a:solidFill>
-            <a:schemeClr val="lt2"/>
-          </a:solidFill>
-          <a:ln>
-            <a:noFill/>
-          </a:ln>
-        </p:spPr>
-        <p:txBody>
-          <a:bodyPr spcFirstLastPara="1" wrap="square" lIns="91425" tIns="91425" rIns="91425" bIns="91425" anchor="ctr" anchorCtr="0">
-            <a:noAutofit/>
-          </a:bodyPr>
-          <a:lstStyle/>
-          <a:p>
-            <a:pPr marL="0" lvl="0" indent="0" algn="l" rtl="0">
-              <a:spcBef>
-                <a:spcPts val="0"/>
-              </a:spcBef>
-              <a:spcAft>
-                <a:spcPts val="0"/>
-              </a:spcAft>
-              <a:buNone/>
-            </a:pPr>
-            <a:endParaRPr/>
-          </a:p>
-        </p:txBody>
-      </p:sp>
-      <p:sp>
-        <p:nvSpPr>
-          <p:cNvPr id="216" name="Google Shape;216;p33"/>
-          <p:cNvSpPr/>
-          <p:nvPr/>
-        </p:nvSpPr>
-        <p:spPr>
-          <a:xfrm>
-            <a:off x="1705700" y="1211600"/>
-            <a:ext cx="639300" cy="619800"/>
-          </a:xfrm>
-          <a:prstGeom prst="roundRect">
-            <a:avLst>
-              <a:gd name="adj" fmla="val 16667"/>
-            </a:avLst>
-          </a:prstGeom>
-          <a:solidFill>
-            <a:schemeClr val="lt2"/>
-          </a:solidFill>
-          <a:ln>
-            <a:noFill/>
-          </a:ln>
-        </p:spPr>
-        <p:txBody>
-          <a:bodyPr spcFirstLastPara="1" wrap="square" lIns="91425" tIns="91425" rIns="91425" bIns="91425" anchor="ctr" anchorCtr="0">
-            <a:noAutofit/>
-          </a:bodyPr>
-          <a:lstStyle/>
-          <a:p>
-            <a:pPr marL="0" lvl="0" indent="0" algn="l" rtl="0">
-              <a:spcBef>
-                <a:spcPts val="0"/>
-              </a:spcBef>
-              <a:spcAft>
-                <a:spcPts val="0"/>
-              </a:spcAft>
-              <a:buNone/>
-            </a:pPr>
-            <a:endParaRPr/>
-          </a:p>
-        </p:txBody>
-      </p:sp>
-      <p:sp>
-        <p:nvSpPr>
-          <p:cNvPr id="217" name="Google Shape;217;p33"/>
-          <p:cNvSpPr txBox="1">
-            <a:spLocks noGrp="1"/>
-          </p:cNvSpPr>
-          <p:nvPr>
-            <p:ph type="title"/>
-          </p:nvPr>
-        </p:nvSpPr>
-        <p:spPr>
-          <a:xfrm>
-            <a:off x="958550" y="1919642"/>
-            <a:ext cx="2175300" cy="527700"/>
-          </a:xfrm>
-          <a:prstGeom prst="rect">
-            <a:avLst/>
-          </a:prstGeom>
-        </p:spPr>
-        <p:txBody>
-          <a:bodyPr spcFirstLastPara="1" wrap="square" lIns="91425" tIns="91425" rIns="91425" bIns="91425" anchor="t" anchorCtr="0">
-            <a:noAutofit/>
-          </a:bodyPr>
-          <a:lstStyle/>
-          <a:p>
-            <a:pPr marL="0" lvl="0" indent="0" algn="ctr" rtl="0">
-              <a:spcBef>
-                <a:spcPts val="0"/>
-              </a:spcBef>
-              <a:spcAft>
-                <a:spcPts val="0"/>
-              </a:spcAft>
-              <a:buNone/>
-            </a:pPr>
-            <a:r>
-              <a:rPr lang="en"/>
-              <a:t>Production</a:t>
-            </a:r>
-            <a:endParaRPr/>
-          </a:p>
-        </p:txBody>
-      </p:sp>
-      <p:sp>
-        <p:nvSpPr>
-          <p:cNvPr id="218" name="Google Shape;218;p33"/>
-          <p:cNvSpPr txBox="1">
-            <a:spLocks noGrp="1"/>
-          </p:cNvSpPr>
-          <p:nvPr>
-            <p:ph type="subTitle" idx="1"/>
-          </p:nvPr>
-        </p:nvSpPr>
-        <p:spPr>
-          <a:xfrm>
-            <a:off x="719475" y="2594450"/>
-            <a:ext cx="2733300" cy="2133000"/>
-          </a:xfrm>
-          <a:prstGeom prst="rect">
-            <a:avLst/>
-          </a:prstGeom>
-        </p:spPr>
-        <p:txBody>
-          <a:bodyPr spcFirstLastPara="1" wrap="square" lIns="91425" tIns="91425" rIns="91425" bIns="91425" anchor="t" anchorCtr="0">
-            <a:noAutofit/>
-          </a:bodyPr>
-          <a:lstStyle/>
-          <a:p>
-            <a:pPr marL="457200" lvl="0" indent="-317500" algn="l" rtl="0">
-              <a:spcBef>
-                <a:spcPts val="0"/>
-              </a:spcBef>
-              <a:spcAft>
-                <a:spcPts val="0"/>
-              </a:spcAft>
-              <a:buSzPts val="1400"/>
-              <a:buChar char="●"/>
-            </a:pPr>
-            <a:r>
-              <a:rPr lang="en"/>
-              <a:t>Production will be covered in house</a:t>
-            </a:r>
-            <a:endParaRPr/>
-          </a:p>
-          <a:p>
-            <a:pPr marL="457200" lvl="0" indent="-317500" algn="l" rtl="0">
-              <a:spcBef>
-                <a:spcPts val="0"/>
-              </a:spcBef>
-              <a:spcAft>
-                <a:spcPts val="0"/>
-              </a:spcAft>
-              <a:buSzPts val="1400"/>
-              <a:buChar char="●"/>
-            </a:pPr>
-            <a:r>
-              <a:rPr lang="en"/>
-              <a:t>Overall cost of production/development: $60,000 (app)</a:t>
-            </a:r>
-            <a:endParaRPr/>
-          </a:p>
-          <a:p>
-            <a:pPr marL="457200" lvl="0" indent="-317500" algn="l" rtl="0">
-              <a:spcBef>
-                <a:spcPts val="0"/>
-              </a:spcBef>
-              <a:spcAft>
-                <a:spcPts val="0"/>
-              </a:spcAft>
-              <a:buSzPts val="1400"/>
-              <a:buChar char="●"/>
-            </a:pPr>
-            <a:r>
-              <a:rPr lang="en"/>
-              <a:t>Monthly subscription-based (lawn mowing companies, $50/month/contractor) &amp; 5% of sales</a:t>
-            </a:r>
-            <a:endParaRPr/>
-          </a:p>
-          <a:p>
-            <a:pPr marL="457200" lvl="0" indent="0" algn="l" rtl="0">
-              <a:spcBef>
-                <a:spcPts val="0"/>
-              </a:spcBef>
-              <a:spcAft>
-                <a:spcPts val="0"/>
-              </a:spcAft>
-              <a:buNone/>
-            </a:pPr>
-            <a:endParaRPr/>
-          </a:p>
-        </p:txBody>
-      </p:sp>
-      <p:sp>
-        <p:nvSpPr>
-          <p:cNvPr id="219" name="Google Shape;219;p33"/>
-          <p:cNvSpPr txBox="1">
-            <a:spLocks noGrp="1"/>
-          </p:cNvSpPr>
-          <p:nvPr>
-            <p:ph type="title" idx="2"/>
-          </p:nvPr>
-        </p:nvSpPr>
-        <p:spPr>
-          <a:xfrm>
-            <a:off x="3483824" y="1919649"/>
-            <a:ext cx="2175300" cy="527700"/>
-          </a:xfrm>
-          <a:prstGeom prst="rect">
-            <a:avLst/>
-          </a:prstGeom>
-        </p:spPr>
-        <p:txBody>
-          <a:bodyPr spcFirstLastPara="1" wrap="square" lIns="91425" tIns="91425" rIns="91425" bIns="91425" anchor="t" anchorCtr="0">
-            <a:noAutofit/>
-          </a:bodyPr>
-          <a:lstStyle/>
-          <a:p>
-            <a:pPr marL="0" lvl="0" indent="0" algn="ctr" rtl="0">
-              <a:spcBef>
-                <a:spcPts val="0"/>
-              </a:spcBef>
-              <a:spcAft>
-                <a:spcPts val="0"/>
-              </a:spcAft>
-              <a:buNone/>
-            </a:pPr>
-            <a:r>
-              <a:rPr lang="en"/>
-              <a:t>Quality</a:t>
-            </a:r>
-            <a:endParaRPr/>
-          </a:p>
-        </p:txBody>
-      </p:sp>
-      <p:sp>
-        <p:nvSpPr>
-          <p:cNvPr id="220" name="Google Shape;220;p33"/>
-          <p:cNvSpPr txBox="1">
-            <a:spLocks noGrp="1"/>
-          </p:cNvSpPr>
-          <p:nvPr>
-            <p:ph type="subTitle" idx="3"/>
-          </p:nvPr>
-        </p:nvSpPr>
-        <p:spPr>
-          <a:xfrm>
-            <a:off x="3402225" y="2594450"/>
-            <a:ext cx="2733300" cy="1165800"/>
-          </a:xfrm>
-          <a:prstGeom prst="rect">
-            <a:avLst/>
-          </a:prstGeom>
-        </p:spPr>
-        <p:txBody>
-          <a:bodyPr spcFirstLastPara="1" wrap="square" lIns="91425" tIns="91425" rIns="91425" bIns="91425" anchor="t" anchorCtr="0">
-            <a:noAutofit/>
-          </a:bodyPr>
-          <a:lstStyle/>
-          <a:p>
-            <a:pPr marL="457200" lvl="0" indent="-317500" algn="l" rtl="0">
-              <a:spcBef>
-                <a:spcPts val="0"/>
-              </a:spcBef>
-              <a:spcAft>
-                <a:spcPts val="0"/>
-              </a:spcAft>
-              <a:buSzPts val="1400"/>
-              <a:buChar char="●"/>
-            </a:pPr>
-            <a:r>
-              <a:rPr lang="en"/>
-              <a:t>Monitor the marketplace (reviews by customers)</a:t>
-            </a:r>
-            <a:endParaRPr/>
-          </a:p>
-          <a:p>
-            <a:pPr marL="457200" lvl="0" indent="-317500" algn="l" rtl="0">
-              <a:spcBef>
-                <a:spcPts val="0"/>
-              </a:spcBef>
-              <a:spcAft>
-                <a:spcPts val="0"/>
-              </a:spcAft>
-              <a:buSzPts val="1400"/>
-              <a:buChar char="●"/>
-            </a:pPr>
-            <a:r>
-              <a:rPr lang="en"/>
-              <a:t>Automated Testing</a:t>
-            </a:r>
-            <a:endParaRPr/>
-          </a:p>
-          <a:p>
-            <a:pPr marL="457200" lvl="0" indent="-317500" algn="l" rtl="0">
-              <a:spcBef>
-                <a:spcPts val="0"/>
-              </a:spcBef>
-              <a:spcAft>
-                <a:spcPts val="0"/>
-              </a:spcAft>
-              <a:buSzPts val="1400"/>
-              <a:buChar char="●"/>
-            </a:pPr>
-            <a:r>
-              <a:rPr lang="en"/>
-              <a:t>Frequent Testing</a:t>
-            </a:r>
-            <a:endParaRPr/>
-          </a:p>
-          <a:p>
-            <a:pPr marL="457200" lvl="0" indent="-317500" algn="l" rtl="0">
-              <a:spcBef>
-                <a:spcPts val="0"/>
-              </a:spcBef>
-              <a:spcAft>
-                <a:spcPts val="0"/>
-              </a:spcAft>
-              <a:buSzPts val="1400"/>
-              <a:buChar char="●"/>
-            </a:pPr>
-            <a:r>
-              <a:rPr lang="en"/>
-              <a:t>Crowdsourcing Testing</a:t>
-            </a:r>
-            <a:endParaRPr/>
-          </a:p>
-          <a:p>
-            <a:pPr marL="457200" lvl="0" indent="0" algn="l" rtl="0">
-              <a:spcBef>
-                <a:spcPts val="0"/>
-              </a:spcBef>
-              <a:spcAft>
-                <a:spcPts val="0"/>
-              </a:spcAft>
-              <a:buNone/>
-            </a:pPr>
-            <a:endParaRPr/>
-          </a:p>
-        </p:txBody>
-      </p:sp>
-      <p:sp>
-        <p:nvSpPr>
-          <p:cNvPr id="221" name="Google Shape;221;p33"/>
-          <p:cNvSpPr txBox="1">
-            <a:spLocks noGrp="1"/>
-          </p:cNvSpPr>
-          <p:nvPr>
-            <p:ph type="subTitle" idx="5"/>
-          </p:nvPr>
-        </p:nvSpPr>
-        <p:spPr>
-          <a:xfrm>
-            <a:off x="5959600" y="2594450"/>
-            <a:ext cx="2318400" cy="1165800"/>
-          </a:xfrm>
-          <a:prstGeom prst="rect">
-            <a:avLst/>
-          </a:prstGeom>
-        </p:spPr>
-        <p:txBody>
-          <a:bodyPr spcFirstLastPara="1" wrap="square" lIns="91425" tIns="91425" rIns="91425" bIns="91425" anchor="t" anchorCtr="0">
-            <a:noAutofit/>
-          </a:bodyPr>
-          <a:lstStyle/>
-          <a:p>
-            <a:pPr marL="457200" lvl="0" indent="-317500" algn="l" rtl="0">
-              <a:spcBef>
-                <a:spcPts val="0"/>
-              </a:spcBef>
-              <a:spcAft>
-                <a:spcPts val="0"/>
-              </a:spcAft>
-              <a:buSzPts val="1400"/>
-              <a:buChar char="●"/>
-            </a:pPr>
-            <a:r>
-              <a:rPr lang="en"/>
-              <a:t>Contractors (lawn mowing companies &amp; individuals)</a:t>
-            </a:r>
-            <a:endParaRPr/>
-          </a:p>
-        </p:txBody>
-      </p:sp>
-      <p:grpSp>
-        <p:nvGrpSpPr>
-          <p:cNvPr id="222" name="Google Shape;222;p33"/>
-          <p:cNvGrpSpPr/>
-          <p:nvPr/>
-        </p:nvGrpSpPr>
-        <p:grpSpPr>
-          <a:xfrm>
-            <a:off x="6911274" y="1383536"/>
-            <a:ext cx="284159" cy="275951"/>
-            <a:chOff x="-40378075" y="3267450"/>
-            <a:chExt cx="317425" cy="289075"/>
-          </a:xfrm>
-        </p:grpSpPr>
-        <p:sp>
-          <p:nvSpPr>
-            <p:cNvPr id="223" name="Google Shape;223;p33"/>
-            <p:cNvSpPr/>
-            <p:nvPr/>
-          </p:nvSpPr>
-          <p:spPr>
-            <a:xfrm>
-              <a:off x="-40218975" y="3308400"/>
-              <a:ext cx="158325" cy="248125"/>
-            </a:xfrm>
-            <a:custGeom>
-              <a:avLst/>
-              <a:gdLst/>
-              <a:ahLst/>
-              <a:cxnLst/>
-              <a:rect l="l" t="t" r="r" b="b"/>
-              <a:pathLst>
-                <a:path w="6333" h="9925" extrusionOk="0">
-                  <a:moveTo>
-                    <a:pt x="4694" y="1"/>
-                  </a:moveTo>
-                  <a:lnTo>
-                    <a:pt x="4694" y="7877"/>
-                  </a:lnTo>
-                  <a:cubicBezTo>
-                    <a:pt x="4694" y="8097"/>
-                    <a:pt x="4474" y="8255"/>
-                    <a:pt x="4253" y="8255"/>
-                  </a:cubicBezTo>
-                  <a:cubicBezTo>
-                    <a:pt x="2993" y="8255"/>
-                    <a:pt x="1638" y="8696"/>
-                    <a:pt x="693" y="9452"/>
-                  </a:cubicBezTo>
-                  <a:cubicBezTo>
-                    <a:pt x="536" y="9546"/>
-                    <a:pt x="189" y="9925"/>
-                    <a:pt x="0" y="9925"/>
-                  </a:cubicBezTo>
-                  <a:lnTo>
-                    <a:pt x="5073" y="9925"/>
-                  </a:lnTo>
-                  <a:cubicBezTo>
-                    <a:pt x="5734" y="9925"/>
-                    <a:pt x="6333" y="9357"/>
-                    <a:pt x="6333" y="8696"/>
-                  </a:cubicBezTo>
-                  <a:lnTo>
-                    <a:pt x="6333" y="1229"/>
-                  </a:lnTo>
-                  <a:cubicBezTo>
-                    <a:pt x="6333" y="536"/>
-                    <a:pt x="5766" y="1"/>
-                    <a:pt x="5073" y="1"/>
-                  </a:cubicBezTo>
-                  <a:close/>
-                </a:path>
-              </a:pathLst>
-            </a:custGeom>
-            <a:solidFill>
-              <a:schemeClr val="dk1"/>
-            </a:solidFill>
-            <a:ln>
-              <a:noFill/>
-            </a:ln>
-          </p:spPr>
-          <p:txBody>
-            <a:bodyPr spcFirstLastPara="1" wrap="square" lIns="91425" tIns="91425" rIns="91425" bIns="91425" anchor="ctr" anchorCtr="0">
-              <a:noAutofit/>
-            </a:bodyPr>
-            <a:lstStyle/>
-            <a:p>
-              <a:pPr marL="0" lvl="0" indent="0" algn="l" rtl="0">
-                <a:spcBef>
-                  <a:spcPts val="0"/>
-                </a:spcBef>
-                <a:spcAft>
-                  <a:spcPts val="0"/>
-                </a:spcAft>
-                <a:buNone/>
-              </a:pPr>
-              <a:endParaRPr/>
-            </a:p>
-          </p:txBody>
-        </p:sp>
-        <p:sp>
-          <p:nvSpPr>
-            <p:cNvPr id="224" name="Google Shape;224;p33"/>
-            <p:cNvSpPr/>
-            <p:nvPr/>
-          </p:nvSpPr>
-          <p:spPr>
-            <a:xfrm>
-              <a:off x="-40316650" y="3267450"/>
-              <a:ext cx="86675" cy="257575"/>
-            </a:xfrm>
-            <a:custGeom>
-              <a:avLst/>
-              <a:gdLst/>
-              <a:ahLst/>
-              <a:cxnLst/>
-              <a:rect l="l" t="t" r="r" b="b"/>
-              <a:pathLst>
-                <a:path w="3467" h="10303" extrusionOk="0">
-                  <a:moveTo>
-                    <a:pt x="1" y="0"/>
-                  </a:moveTo>
-                  <a:lnTo>
-                    <a:pt x="1" y="9105"/>
-                  </a:lnTo>
-                  <a:cubicBezTo>
-                    <a:pt x="1166" y="9200"/>
-                    <a:pt x="2489" y="9578"/>
-                    <a:pt x="3466" y="10302"/>
-                  </a:cubicBezTo>
-                  <a:lnTo>
-                    <a:pt x="3466" y="1197"/>
-                  </a:lnTo>
-                  <a:cubicBezTo>
-                    <a:pt x="2489" y="473"/>
-                    <a:pt x="1229" y="95"/>
-                    <a:pt x="1" y="0"/>
-                  </a:cubicBezTo>
-                  <a:close/>
-                </a:path>
-              </a:pathLst>
-            </a:custGeom>
-            <a:solidFill>
-              <a:schemeClr val="dk1"/>
-            </a:solidFill>
-            <a:ln>
-              <a:noFill/>
-            </a:ln>
-          </p:spPr>
-          <p:txBody>
-            <a:bodyPr spcFirstLastPara="1" wrap="square" lIns="91425" tIns="91425" rIns="91425" bIns="91425" anchor="ctr" anchorCtr="0">
-              <a:noAutofit/>
-            </a:bodyPr>
-            <a:lstStyle/>
-            <a:p>
-              <a:pPr marL="0" lvl="0" indent="0" algn="l" rtl="0">
-                <a:spcBef>
-                  <a:spcPts val="0"/>
-                </a:spcBef>
-                <a:spcAft>
-                  <a:spcPts val="0"/>
-                </a:spcAft>
-                <a:buNone/>
-              </a:pPr>
-              <a:endParaRPr/>
-            </a:p>
-          </p:txBody>
-        </p:sp>
-        <p:sp>
-          <p:nvSpPr>
-            <p:cNvPr id="225" name="Google Shape;225;p33"/>
-            <p:cNvSpPr/>
-            <p:nvPr/>
-          </p:nvSpPr>
-          <p:spPr>
-            <a:xfrm>
-              <a:off x="-40209525" y="3267450"/>
-              <a:ext cx="86650" cy="257575"/>
-            </a:xfrm>
-            <a:custGeom>
-              <a:avLst/>
-              <a:gdLst/>
-              <a:ahLst/>
-              <a:cxnLst/>
-              <a:rect l="l" t="t" r="r" b="b"/>
-              <a:pathLst>
-                <a:path w="3466" h="10303" extrusionOk="0">
-                  <a:moveTo>
-                    <a:pt x="3466" y="0"/>
-                  </a:moveTo>
-                  <a:cubicBezTo>
-                    <a:pt x="2300" y="95"/>
-                    <a:pt x="977" y="473"/>
-                    <a:pt x="0" y="1197"/>
-                  </a:cubicBezTo>
-                  <a:lnTo>
-                    <a:pt x="0" y="10302"/>
-                  </a:lnTo>
-                  <a:cubicBezTo>
-                    <a:pt x="977" y="9578"/>
-                    <a:pt x="2237" y="9200"/>
-                    <a:pt x="3466" y="9105"/>
-                  </a:cubicBezTo>
-                  <a:lnTo>
-                    <a:pt x="3466" y="0"/>
-                  </a:lnTo>
-                  <a:close/>
-                </a:path>
-              </a:pathLst>
-            </a:custGeom>
-            <a:solidFill>
-              <a:schemeClr val="dk1"/>
-            </a:solidFill>
-            <a:ln>
-              <a:noFill/>
-            </a:ln>
-          </p:spPr>
-          <p:txBody>
-            <a:bodyPr spcFirstLastPara="1" wrap="square" lIns="91425" tIns="91425" rIns="91425" bIns="91425" anchor="ctr" anchorCtr="0">
-              <a:noAutofit/>
-            </a:bodyPr>
-            <a:lstStyle/>
-            <a:p>
-              <a:pPr marL="0" lvl="0" indent="0" algn="l" rtl="0">
-                <a:spcBef>
-                  <a:spcPts val="0"/>
-                </a:spcBef>
-                <a:spcAft>
-                  <a:spcPts val="0"/>
-                </a:spcAft>
-                <a:buNone/>
-              </a:pPr>
-              <a:endParaRPr/>
-            </a:p>
-          </p:txBody>
-        </p:sp>
-        <p:sp>
-          <p:nvSpPr>
-            <p:cNvPr id="226" name="Google Shape;226;p33"/>
-            <p:cNvSpPr/>
-            <p:nvPr/>
-          </p:nvSpPr>
-          <p:spPr>
-            <a:xfrm>
-              <a:off x="-40378075" y="3308400"/>
-              <a:ext cx="157550" cy="248125"/>
-            </a:xfrm>
-            <a:custGeom>
-              <a:avLst/>
-              <a:gdLst/>
-              <a:ahLst/>
-              <a:cxnLst/>
-              <a:rect l="l" t="t" r="r" b="b"/>
-              <a:pathLst>
-                <a:path w="6302" h="9925" extrusionOk="0">
-                  <a:moveTo>
-                    <a:pt x="1229" y="1"/>
-                  </a:moveTo>
-                  <a:cubicBezTo>
-                    <a:pt x="567" y="1"/>
-                    <a:pt x="0" y="536"/>
-                    <a:pt x="0" y="1198"/>
-                  </a:cubicBezTo>
-                  <a:lnTo>
-                    <a:pt x="0" y="8664"/>
-                  </a:lnTo>
-                  <a:cubicBezTo>
-                    <a:pt x="32" y="9357"/>
-                    <a:pt x="567" y="9925"/>
-                    <a:pt x="1229" y="9925"/>
-                  </a:cubicBezTo>
-                  <a:lnTo>
-                    <a:pt x="6301" y="9925"/>
-                  </a:lnTo>
-                  <a:cubicBezTo>
-                    <a:pt x="6112" y="9925"/>
-                    <a:pt x="5766" y="9609"/>
-                    <a:pt x="5608" y="9452"/>
-                  </a:cubicBezTo>
-                  <a:cubicBezTo>
-                    <a:pt x="4631" y="8664"/>
-                    <a:pt x="3277" y="8255"/>
-                    <a:pt x="2048" y="8255"/>
-                  </a:cubicBezTo>
-                  <a:cubicBezTo>
-                    <a:pt x="1828" y="8255"/>
-                    <a:pt x="1638" y="8066"/>
-                    <a:pt x="1638" y="7877"/>
-                  </a:cubicBezTo>
-                  <a:lnTo>
-                    <a:pt x="1638" y="1"/>
-                  </a:lnTo>
-                  <a:close/>
-                </a:path>
-              </a:pathLst>
-            </a:custGeom>
-            <a:solidFill>
-              <a:schemeClr val="dk1"/>
-            </a:solidFill>
-            <a:ln>
-              <a:noFill/>
-            </a:ln>
-          </p:spPr>
-          <p:txBody>
-            <a:bodyPr spcFirstLastPara="1" wrap="square" lIns="91425" tIns="91425" rIns="91425" bIns="91425" anchor="ctr" anchorCtr="0">
-              <a:noAutofit/>
-            </a:bodyPr>
-            <a:lstStyle/>
-            <a:p>
-              <a:pPr marL="0" lvl="0" indent="0" algn="l" rtl="0">
-                <a:spcBef>
-                  <a:spcPts val="0"/>
-                </a:spcBef>
-                <a:spcAft>
-                  <a:spcPts val="0"/>
-                </a:spcAft>
-                <a:buNone/>
-              </a:pPr>
-              <a:endParaRPr/>
-            </a:p>
-          </p:txBody>
-        </p:sp>
-      </p:grpSp>
-      <p:grpSp>
-        <p:nvGrpSpPr>
-          <p:cNvPr id="227" name="Google Shape;227;p33"/>
-          <p:cNvGrpSpPr/>
-          <p:nvPr/>
-        </p:nvGrpSpPr>
-        <p:grpSpPr>
-          <a:xfrm>
-            <a:off x="1883271" y="1383534"/>
-            <a:ext cx="284158" cy="275931"/>
-            <a:chOff x="1854078" y="1391294"/>
-            <a:chExt cx="341208" cy="260534"/>
-          </a:xfrm>
-        </p:grpSpPr>
-        <p:sp>
-          <p:nvSpPr>
-            <p:cNvPr id="228" name="Google Shape;228;p33"/>
-            <p:cNvSpPr/>
-            <p:nvPr/>
-          </p:nvSpPr>
-          <p:spPr>
-            <a:xfrm>
-              <a:off x="1854078" y="1609485"/>
-              <a:ext cx="341208" cy="42343"/>
-            </a:xfrm>
-            <a:custGeom>
-              <a:avLst/>
-              <a:gdLst/>
-              <a:ahLst/>
-              <a:cxnLst/>
-              <a:rect l="l" t="t" r="r" b="b"/>
-              <a:pathLst>
-                <a:path w="12635" h="1608" extrusionOk="0">
-                  <a:moveTo>
-                    <a:pt x="379" y="0"/>
-                  </a:moveTo>
-                  <a:cubicBezTo>
-                    <a:pt x="159" y="0"/>
-                    <a:pt x="1" y="189"/>
-                    <a:pt x="1" y="378"/>
-                  </a:cubicBezTo>
-                  <a:cubicBezTo>
-                    <a:pt x="1" y="1040"/>
-                    <a:pt x="537" y="1607"/>
-                    <a:pt x="1198" y="1607"/>
-                  </a:cubicBezTo>
-                  <a:lnTo>
-                    <a:pt x="11406" y="1607"/>
-                  </a:lnTo>
-                  <a:cubicBezTo>
-                    <a:pt x="12067" y="1607"/>
-                    <a:pt x="12634" y="1072"/>
-                    <a:pt x="12634" y="378"/>
-                  </a:cubicBezTo>
-                  <a:cubicBezTo>
-                    <a:pt x="12603" y="158"/>
-                    <a:pt x="12445" y="0"/>
-                    <a:pt x="12193" y="0"/>
-                  </a:cubicBezTo>
-                  <a:lnTo>
-                    <a:pt x="10965" y="0"/>
-                  </a:lnTo>
-                  <a:lnTo>
-                    <a:pt x="10965" y="378"/>
-                  </a:lnTo>
-                  <a:cubicBezTo>
-                    <a:pt x="10965" y="630"/>
-                    <a:pt x="10776" y="819"/>
-                    <a:pt x="10555" y="819"/>
-                  </a:cubicBezTo>
-                  <a:cubicBezTo>
-                    <a:pt x="10303" y="819"/>
-                    <a:pt x="10146" y="630"/>
-                    <a:pt x="10146" y="378"/>
-                  </a:cubicBezTo>
-                  <a:lnTo>
-                    <a:pt x="10146" y="0"/>
-                  </a:lnTo>
-                  <a:lnTo>
-                    <a:pt x="9326" y="0"/>
-                  </a:lnTo>
-                  <a:lnTo>
-                    <a:pt x="9326" y="378"/>
-                  </a:lnTo>
-                  <a:cubicBezTo>
-                    <a:pt x="9326" y="630"/>
-                    <a:pt x="9137" y="819"/>
-                    <a:pt x="8917" y="819"/>
-                  </a:cubicBezTo>
-                  <a:cubicBezTo>
-                    <a:pt x="8696" y="819"/>
-                    <a:pt x="8507" y="630"/>
-                    <a:pt x="8507" y="378"/>
-                  </a:cubicBezTo>
-                  <a:lnTo>
-                    <a:pt x="8507" y="0"/>
-                  </a:lnTo>
-                  <a:close/>
-                </a:path>
-              </a:pathLst>
-            </a:custGeom>
-            <a:solidFill>
-              <a:schemeClr val="dk1"/>
-            </a:solidFill>
-            <a:ln>
-              <a:noFill/>
-            </a:ln>
-          </p:spPr>
-          <p:txBody>
-            <a:bodyPr spcFirstLastPara="1" wrap="square" lIns="91425" tIns="91425" rIns="91425" bIns="91425" anchor="ctr" anchorCtr="0">
-              <a:noAutofit/>
-            </a:bodyPr>
-            <a:lstStyle/>
-            <a:p>
-              <a:pPr marL="0" lvl="0" indent="0" algn="l" rtl="0">
-                <a:spcBef>
-                  <a:spcPts val="0"/>
-                </a:spcBef>
-                <a:spcAft>
-                  <a:spcPts val="0"/>
-                </a:spcAft>
-                <a:buNone/>
-              </a:pPr>
-              <a:endParaRPr/>
-            </a:p>
-          </p:txBody>
-        </p:sp>
-        <p:sp>
-          <p:nvSpPr>
-            <p:cNvPr id="229" name="Google Shape;229;p33"/>
-            <p:cNvSpPr/>
-            <p:nvPr/>
-          </p:nvSpPr>
-          <p:spPr>
-            <a:xfrm>
-              <a:off x="1875358" y="1391294"/>
-              <a:ext cx="297811" cy="196651"/>
-            </a:xfrm>
-            <a:custGeom>
-              <a:avLst/>
-              <a:gdLst/>
-              <a:ahLst/>
-              <a:cxnLst/>
-              <a:rect l="l" t="t" r="r" b="b"/>
-              <a:pathLst>
-                <a:path w="11028" h="7468" extrusionOk="0">
-                  <a:moveTo>
-                    <a:pt x="3794" y="1673"/>
-                  </a:moveTo>
-                  <a:cubicBezTo>
-                    <a:pt x="3841" y="1673"/>
-                    <a:pt x="3890" y="1682"/>
-                    <a:pt x="3939" y="1702"/>
-                  </a:cubicBezTo>
-                  <a:lnTo>
-                    <a:pt x="6428" y="2521"/>
-                  </a:lnTo>
-                  <a:cubicBezTo>
-                    <a:pt x="6680" y="2616"/>
-                    <a:pt x="6806" y="2994"/>
-                    <a:pt x="6585" y="3214"/>
-                  </a:cubicBezTo>
-                  <a:lnTo>
-                    <a:pt x="6018" y="3750"/>
-                  </a:lnTo>
-                  <a:lnTo>
-                    <a:pt x="7404" y="5136"/>
-                  </a:lnTo>
-                  <a:cubicBezTo>
-                    <a:pt x="7593" y="5262"/>
-                    <a:pt x="7593" y="5514"/>
-                    <a:pt x="7436" y="5671"/>
-                  </a:cubicBezTo>
-                  <a:cubicBezTo>
-                    <a:pt x="7357" y="5750"/>
-                    <a:pt x="7247" y="5790"/>
-                    <a:pt x="7136" y="5790"/>
-                  </a:cubicBezTo>
-                  <a:cubicBezTo>
-                    <a:pt x="7026" y="5790"/>
-                    <a:pt x="6916" y="5750"/>
-                    <a:pt x="6837" y="5671"/>
-                  </a:cubicBezTo>
-                  <a:lnTo>
-                    <a:pt x="5451" y="4317"/>
-                  </a:lnTo>
-                  <a:lnTo>
-                    <a:pt x="4915" y="4852"/>
-                  </a:lnTo>
-                  <a:cubicBezTo>
-                    <a:pt x="4821" y="4947"/>
-                    <a:pt x="4714" y="4988"/>
-                    <a:pt x="4613" y="4988"/>
-                  </a:cubicBezTo>
-                  <a:cubicBezTo>
-                    <a:pt x="4444" y="4988"/>
-                    <a:pt x="4293" y="4872"/>
-                    <a:pt x="4254" y="4695"/>
-                  </a:cubicBezTo>
-                  <a:lnTo>
-                    <a:pt x="3435" y="2206"/>
-                  </a:lnTo>
-                  <a:cubicBezTo>
-                    <a:pt x="3328" y="1940"/>
-                    <a:pt x="3537" y="1673"/>
-                    <a:pt x="3794" y="1673"/>
-                  </a:cubicBezTo>
-                  <a:close/>
-                  <a:moveTo>
-                    <a:pt x="1198" y="1"/>
-                  </a:moveTo>
-                  <a:cubicBezTo>
-                    <a:pt x="536" y="1"/>
-                    <a:pt x="1" y="568"/>
-                    <a:pt x="1" y="1229"/>
-                  </a:cubicBezTo>
-                  <a:lnTo>
-                    <a:pt x="1" y="7467"/>
-                  </a:lnTo>
-                  <a:lnTo>
-                    <a:pt x="11027" y="7467"/>
-                  </a:lnTo>
-                  <a:lnTo>
-                    <a:pt x="11027" y="1229"/>
-                  </a:lnTo>
-                  <a:cubicBezTo>
-                    <a:pt x="11027" y="568"/>
-                    <a:pt x="10460" y="1"/>
-                    <a:pt x="9767" y="1"/>
-                  </a:cubicBezTo>
-                  <a:close/>
-                </a:path>
-              </a:pathLst>
-            </a:custGeom>
-            <a:solidFill>
-              <a:schemeClr val="dk1"/>
-            </a:solidFill>
-            <a:ln>
-              <a:noFill/>
-            </a:ln>
-          </p:spPr>
-          <p:txBody>
-            <a:bodyPr spcFirstLastPara="1" wrap="square" lIns="91425" tIns="91425" rIns="91425" bIns="91425" anchor="ctr" anchorCtr="0">
-              <a:noAutofit/>
-            </a:bodyPr>
-            <a:lstStyle/>
-            <a:p>
-              <a:pPr marL="0" lvl="0" indent="0" algn="l" rtl="0">
-                <a:spcBef>
-                  <a:spcPts val="0"/>
-                </a:spcBef>
-                <a:spcAft>
-                  <a:spcPts val="0"/>
-                </a:spcAft>
-                <a:buNone/>
-              </a:pPr>
-              <a:endParaRPr/>
-            </a:p>
-          </p:txBody>
-        </p:sp>
-      </p:grpSp>
-      <p:sp>
-        <p:nvSpPr>
-          <p:cNvPr id="230" name="Google Shape;230;p33"/>
-          <p:cNvSpPr/>
-          <p:nvPr/>
-        </p:nvSpPr>
-        <p:spPr>
-          <a:xfrm>
-            <a:off x="4219700" y="1197800"/>
-            <a:ext cx="639300" cy="619800"/>
-          </a:xfrm>
-          <a:prstGeom prst="roundRect">
-            <a:avLst>
-              <a:gd name="adj" fmla="val 16667"/>
-            </a:avLst>
-          </a:prstGeom>
-          <a:solidFill>
-            <a:schemeClr val="lt2"/>
-          </a:solidFill>
-          <a:ln>
-            <a:noFill/>
-          </a:ln>
-        </p:spPr>
-        <p:txBody>
-          <a:bodyPr spcFirstLastPara="1" wrap="square" lIns="91425" tIns="91425" rIns="91425" bIns="91425" anchor="ctr" anchorCtr="0">
-            <a:noAutofit/>
-          </a:bodyPr>
-          <a:lstStyle/>
-          <a:p>
-            <a:pPr marL="0" lvl="0" indent="0" algn="l" rtl="0">
-              <a:spcBef>
-                <a:spcPts val="0"/>
-              </a:spcBef>
-              <a:spcAft>
-                <a:spcPts val="0"/>
-              </a:spcAft>
-              <a:buNone/>
-            </a:pPr>
-            <a:endParaRPr/>
-          </a:p>
-        </p:txBody>
-      </p:sp>
-      <p:grpSp>
-        <p:nvGrpSpPr>
-          <p:cNvPr id="231" name="Google Shape;231;p33"/>
-          <p:cNvGrpSpPr/>
-          <p:nvPr/>
-        </p:nvGrpSpPr>
-        <p:grpSpPr>
-          <a:xfrm>
-            <a:off x="4397282" y="1369720"/>
-            <a:ext cx="284135" cy="275965"/>
-            <a:chOff x="-37804925" y="3953450"/>
-            <a:chExt cx="315075" cy="318225"/>
-          </a:xfrm>
-        </p:grpSpPr>
-        <p:sp>
-          <p:nvSpPr>
-            <p:cNvPr id="232" name="Google Shape;232;p33"/>
-            <p:cNvSpPr/>
-            <p:nvPr/>
-          </p:nvSpPr>
-          <p:spPr>
-            <a:xfrm>
-              <a:off x="-37614300" y="3955025"/>
-              <a:ext cx="124450" cy="186200"/>
-            </a:xfrm>
-            <a:custGeom>
-              <a:avLst/>
-              <a:gdLst/>
-              <a:ahLst/>
-              <a:cxnLst/>
-              <a:rect l="l" t="t" r="r" b="b"/>
-              <a:pathLst>
-                <a:path w="4978" h="7448" extrusionOk="0">
-                  <a:moveTo>
-                    <a:pt x="2489" y="820"/>
-                  </a:moveTo>
-                  <a:cubicBezTo>
-                    <a:pt x="3403" y="820"/>
-                    <a:pt x="4127" y="1576"/>
-                    <a:pt x="4127" y="2490"/>
-                  </a:cubicBezTo>
-                  <a:cubicBezTo>
-                    <a:pt x="4127" y="3372"/>
-                    <a:pt x="3403" y="4128"/>
-                    <a:pt x="2489" y="4128"/>
-                  </a:cubicBezTo>
-                  <a:cubicBezTo>
-                    <a:pt x="1575" y="4128"/>
-                    <a:pt x="819" y="3372"/>
-                    <a:pt x="819" y="2490"/>
-                  </a:cubicBezTo>
-                  <a:cubicBezTo>
-                    <a:pt x="819" y="1576"/>
-                    <a:pt x="1575" y="820"/>
-                    <a:pt x="2489" y="820"/>
-                  </a:cubicBezTo>
-                  <a:close/>
-                  <a:moveTo>
-                    <a:pt x="2489" y="1"/>
-                  </a:moveTo>
-                  <a:cubicBezTo>
-                    <a:pt x="1103" y="1"/>
-                    <a:pt x="0" y="1104"/>
-                    <a:pt x="0" y="2490"/>
-                  </a:cubicBezTo>
-                  <a:cubicBezTo>
-                    <a:pt x="0" y="3214"/>
-                    <a:pt x="315" y="3845"/>
-                    <a:pt x="819" y="4317"/>
-                  </a:cubicBezTo>
-                  <a:lnTo>
-                    <a:pt x="819" y="7058"/>
-                  </a:lnTo>
-                  <a:cubicBezTo>
-                    <a:pt x="819" y="7287"/>
-                    <a:pt x="1012" y="7448"/>
-                    <a:pt x="1225" y="7448"/>
-                  </a:cubicBezTo>
-                  <a:cubicBezTo>
-                    <a:pt x="1334" y="7448"/>
-                    <a:pt x="1448" y="7406"/>
-                    <a:pt x="1544" y="7310"/>
-                  </a:cubicBezTo>
-                  <a:lnTo>
-                    <a:pt x="2489" y="6365"/>
-                  </a:lnTo>
-                  <a:lnTo>
-                    <a:pt x="3434" y="7310"/>
-                  </a:lnTo>
-                  <a:cubicBezTo>
-                    <a:pt x="3530" y="7406"/>
-                    <a:pt x="3640" y="7448"/>
-                    <a:pt x="3744" y="7448"/>
-                  </a:cubicBezTo>
-                  <a:cubicBezTo>
-                    <a:pt x="3948" y="7448"/>
-                    <a:pt x="4127" y="7287"/>
-                    <a:pt x="4127" y="7058"/>
-                  </a:cubicBezTo>
-                  <a:lnTo>
-                    <a:pt x="4127" y="4317"/>
-                  </a:lnTo>
-                  <a:cubicBezTo>
-                    <a:pt x="4663" y="3845"/>
-                    <a:pt x="4978" y="3214"/>
-                    <a:pt x="4978" y="2490"/>
-                  </a:cubicBezTo>
-                  <a:cubicBezTo>
-                    <a:pt x="4978" y="1104"/>
-                    <a:pt x="3875" y="1"/>
-                    <a:pt x="2489" y="1"/>
-                  </a:cubicBezTo>
-                  <a:close/>
-                </a:path>
-              </a:pathLst>
-            </a:custGeom>
-            <a:solidFill>
-              <a:schemeClr val="dk1"/>
-            </a:solidFill>
-            <a:ln>
-              <a:noFill/>
-            </a:ln>
-          </p:spPr>
-          <p:txBody>
-            <a:bodyPr spcFirstLastPara="1" wrap="square" lIns="91425" tIns="91425" rIns="91425" bIns="91425" anchor="ctr" anchorCtr="0">
-              <a:noAutofit/>
-            </a:bodyPr>
-            <a:lstStyle/>
-            <a:p>
-              <a:pPr marL="0" lvl="0" indent="0" algn="l" rtl="0">
-                <a:spcBef>
-                  <a:spcPts val="0"/>
-                </a:spcBef>
-                <a:spcAft>
-                  <a:spcPts val="0"/>
-                </a:spcAft>
-                <a:buNone/>
-              </a:pPr>
-              <a:endParaRPr/>
-            </a:p>
-          </p:txBody>
-        </p:sp>
-        <p:sp>
-          <p:nvSpPr>
-            <p:cNvPr id="233" name="Google Shape;233;p33"/>
-            <p:cNvSpPr/>
-            <p:nvPr/>
-          </p:nvSpPr>
-          <p:spPr>
-            <a:xfrm>
-              <a:off x="-37761600" y="4230700"/>
-              <a:ext cx="270175" cy="40975"/>
-            </a:xfrm>
-            <a:custGeom>
-              <a:avLst/>
-              <a:gdLst/>
-              <a:ahLst/>
-              <a:cxnLst/>
-              <a:rect l="l" t="t" r="r" b="b"/>
-              <a:pathLst>
-                <a:path w="10807" h="1639" extrusionOk="0">
-                  <a:moveTo>
-                    <a:pt x="1450" y="1"/>
-                  </a:moveTo>
-                  <a:cubicBezTo>
-                    <a:pt x="1292" y="788"/>
-                    <a:pt x="662" y="1387"/>
-                    <a:pt x="1" y="1639"/>
-                  </a:cubicBezTo>
-                  <a:lnTo>
-                    <a:pt x="8822" y="1639"/>
-                  </a:lnTo>
-                  <a:cubicBezTo>
-                    <a:pt x="9799" y="1639"/>
-                    <a:pt x="10649" y="946"/>
-                    <a:pt x="10807" y="1"/>
-                  </a:cubicBezTo>
-                  <a:close/>
-                </a:path>
-              </a:pathLst>
-            </a:custGeom>
-            <a:solidFill>
-              <a:schemeClr val="dk1"/>
-            </a:solidFill>
-            <a:ln>
-              <a:noFill/>
-            </a:ln>
-          </p:spPr>
-          <p:txBody>
-            <a:bodyPr spcFirstLastPara="1" wrap="square" lIns="91425" tIns="91425" rIns="91425" bIns="91425" anchor="ctr" anchorCtr="0">
-              <a:noAutofit/>
-            </a:bodyPr>
-            <a:lstStyle/>
-            <a:p>
-              <a:pPr marL="0" lvl="0" indent="0" algn="l" rtl="0">
-                <a:spcBef>
-                  <a:spcPts val="0"/>
-                </a:spcBef>
-                <a:spcAft>
-                  <a:spcPts val="0"/>
-                </a:spcAft>
-                <a:buNone/>
-              </a:pPr>
-              <a:endParaRPr/>
-            </a:p>
-          </p:txBody>
-        </p:sp>
-        <p:sp>
-          <p:nvSpPr>
-            <p:cNvPr id="234" name="Google Shape;234;p33"/>
-            <p:cNvSpPr/>
-            <p:nvPr/>
-          </p:nvSpPr>
-          <p:spPr>
-            <a:xfrm>
-              <a:off x="-37804925" y="3953450"/>
-              <a:ext cx="274125" cy="295675"/>
-            </a:xfrm>
-            <a:custGeom>
-              <a:avLst/>
-              <a:gdLst/>
-              <a:ahLst/>
-              <a:cxnLst/>
-              <a:rect l="l" t="t" r="r" b="b"/>
-              <a:pathLst>
-                <a:path w="10965" h="11827" extrusionOk="0">
-                  <a:moveTo>
-                    <a:pt x="379" y="1"/>
-                  </a:moveTo>
-                  <a:cubicBezTo>
-                    <a:pt x="158" y="1"/>
-                    <a:pt x="1" y="221"/>
-                    <a:pt x="1" y="411"/>
-                  </a:cubicBezTo>
-                  <a:lnTo>
-                    <a:pt x="1" y="10618"/>
-                  </a:lnTo>
-                  <a:cubicBezTo>
-                    <a:pt x="1" y="11280"/>
-                    <a:pt x="537" y="11815"/>
-                    <a:pt x="1198" y="11815"/>
-                  </a:cubicBezTo>
-                  <a:cubicBezTo>
-                    <a:pt x="1247" y="11823"/>
-                    <a:pt x="1295" y="11826"/>
-                    <a:pt x="1342" y="11826"/>
-                  </a:cubicBezTo>
-                  <a:cubicBezTo>
-                    <a:pt x="1912" y="11826"/>
-                    <a:pt x="2395" y="11318"/>
-                    <a:pt x="2395" y="10650"/>
-                  </a:cubicBezTo>
-                  <a:cubicBezTo>
-                    <a:pt x="2395" y="10398"/>
-                    <a:pt x="2584" y="10272"/>
-                    <a:pt x="2836" y="10272"/>
-                  </a:cubicBezTo>
-                  <a:lnTo>
-                    <a:pt x="10965" y="10272"/>
-                  </a:lnTo>
-                  <a:lnTo>
-                    <a:pt x="10965" y="8255"/>
-                  </a:lnTo>
-                  <a:cubicBezTo>
-                    <a:pt x="10807" y="8161"/>
-                    <a:pt x="10650" y="8098"/>
-                    <a:pt x="10492" y="7972"/>
-                  </a:cubicBezTo>
-                  <a:lnTo>
-                    <a:pt x="10146" y="7625"/>
-                  </a:lnTo>
-                  <a:lnTo>
-                    <a:pt x="9799" y="7972"/>
-                  </a:lnTo>
-                  <a:cubicBezTo>
-                    <a:pt x="9547" y="8224"/>
-                    <a:pt x="9232" y="8318"/>
-                    <a:pt x="8917" y="8318"/>
-                  </a:cubicBezTo>
-                  <a:cubicBezTo>
-                    <a:pt x="8255" y="8318"/>
-                    <a:pt x="7720" y="7783"/>
-                    <a:pt x="7720" y="7058"/>
-                  </a:cubicBezTo>
-                  <a:lnTo>
-                    <a:pt x="7720" y="4664"/>
-                  </a:lnTo>
-                  <a:cubicBezTo>
-                    <a:pt x="7184" y="4065"/>
-                    <a:pt x="6869" y="3309"/>
-                    <a:pt x="6869" y="2490"/>
-                  </a:cubicBezTo>
-                  <a:cubicBezTo>
-                    <a:pt x="6869" y="1513"/>
-                    <a:pt x="7310" y="600"/>
-                    <a:pt x="8035" y="1"/>
-                  </a:cubicBezTo>
-                  <a:close/>
-                </a:path>
-              </a:pathLst>
-            </a:custGeom>
-            <a:solidFill>
-              <a:schemeClr val="dk1"/>
-            </a:solidFill>
-            <a:ln>
-              <a:noFill/>
-            </a:ln>
-          </p:spPr>
-          <p:txBody>
-            <a:bodyPr spcFirstLastPara="1" wrap="square" lIns="91425" tIns="91425" rIns="91425" bIns="91425" anchor="ctr" anchorCtr="0">
-              <a:noAutofit/>
-            </a:bodyPr>
-            <a:lstStyle/>
-            <a:p>
-              <a:pPr marL="0" lvl="0" indent="0" algn="l" rtl="0">
-                <a:spcBef>
-                  <a:spcPts val="0"/>
-                </a:spcBef>
-                <a:spcAft>
-                  <a:spcPts val="0"/>
-                </a:spcAft>
-                <a:buNone/>
-              </a:pPr>
-              <a:endParaRPr/>
-            </a:p>
-          </p:txBody>
-        </p:sp>
-      </p:grpSp>
-      <p:sp>
-        <p:nvSpPr>
-          <p:cNvPr id="235" name="Google Shape;235;p33"/>
-          <p:cNvSpPr txBox="1">
-            <a:spLocks noGrp="1"/>
-          </p:cNvSpPr>
-          <p:nvPr>
-            <p:ph type="title" idx="2"/>
-          </p:nvPr>
-        </p:nvSpPr>
-        <p:spPr>
-          <a:xfrm>
-            <a:off x="6029947" y="1919661"/>
-            <a:ext cx="2175300" cy="527700"/>
-          </a:xfrm>
-          <a:prstGeom prst="rect">
-            <a:avLst/>
-          </a:prstGeom>
-        </p:spPr>
-        <p:txBody>
-          <a:bodyPr spcFirstLastPara="1" wrap="square" lIns="91425" tIns="91425" rIns="91425" bIns="91425" anchor="t" anchorCtr="0">
-            <a:noAutofit/>
-          </a:bodyPr>
-          <a:lstStyle/>
-          <a:p>
-            <a:pPr marL="0" lvl="0" indent="0" algn="ctr" rtl="0">
-              <a:spcBef>
-                <a:spcPts val="0"/>
-              </a:spcBef>
-              <a:spcAft>
-                <a:spcPts val="0"/>
-              </a:spcAft>
-              <a:buNone/>
-            </a:pPr>
-            <a:r>
-              <a:rPr lang="en"/>
-              <a:t>Partners</a:t>
-            </a:r>
-            <a:endParaRPr/>
-          </a:p>
-        </p:txBody>
-      </p:sp>
-      <p:pic>
-        <p:nvPicPr>
-          <p:cNvPr id="236" name="Google Shape;236;p33"/>
-          <p:cNvPicPr preferRelativeResize="0"/>
-          <p:nvPr/>
-        </p:nvPicPr>
-        <p:blipFill>
-          <a:blip r:embed="rId3">
-            <a:alphaModFix/>
-          </a:blip>
-          <a:stretch>
-            <a:fillRect/>
-          </a:stretch>
-        </p:blipFill>
-        <p:spPr>
-          <a:xfrm>
-            <a:off x="8064600" y="234850"/>
-            <a:ext cx="886950" cy="886950"/>
-          </a:xfrm>
-          <a:prstGeom prst="rect">
-            <a:avLst/>
-          </a:prstGeom>
-          <a:noFill/>
-          <a:ln>
-            <a:noFill/>
-          </a:ln>
-        </p:spPr>
-      </p:pic>
-      <p:sp>
-        <p:nvSpPr>
-          <p:cNvPr id="237" name="Google Shape;237;p33"/>
-          <p:cNvSpPr txBox="1">
-            <a:spLocks noGrp="1"/>
-          </p:cNvSpPr>
-          <p:nvPr>
-            <p:ph type="title" idx="6"/>
-          </p:nvPr>
-        </p:nvSpPr>
-        <p:spPr>
-          <a:xfrm>
-            <a:off x="720000" y="445025"/>
-            <a:ext cx="7704000" cy="572700"/>
-          </a:xfrm>
-          <a:prstGeom prst="rect">
-            <a:avLst/>
-          </a:prstGeom>
-        </p:spPr>
-        <p:txBody>
-          <a:bodyPr spcFirstLastPara="1" wrap="square" lIns="91425" tIns="91425" rIns="91425" bIns="91425" anchor="t" anchorCtr="0">
-            <a:noAutofit/>
-          </a:bodyPr>
-          <a:lstStyle/>
-          <a:p>
-            <a:pPr marL="0" lvl="0" indent="0" algn="l" rtl="0">
-              <a:spcBef>
-                <a:spcPts val="0"/>
-              </a:spcBef>
-              <a:spcAft>
-                <a:spcPts val="0"/>
-              </a:spcAft>
-              <a:buNone/>
-            </a:pPr>
-            <a:r>
-              <a:rPr lang="en"/>
-              <a:t>Operating Plan</a:t>
-            </a:r>
-            <a:endParaRPr/>
-          </a:p>
-        </p:txBody>
-      </p:sp>
-    </p:spTree>
-  </p:cSld>
-  <p:clrMapOvr>
-    <a:masterClrMapping/>
-  </p:clrMapOvr>
-</p:sld>
-</file>
-
-<file path=ppt/slides/slide9.xml><?xml version="1.0" encoding="utf-8"?>
-<p:sld xmlns:a="http://schemas.openxmlformats.org/drawingml/2006/main" xmlns:r="http://schemas.openxmlformats.org/officeDocument/2006/relationships" xmlns:p="http://schemas.openxmlformats.org/presentationml/2006/main">
-  <p:cSld>
-    <p:spTree>
-      <p:nvGrpSpPr>
-        <p:cNvPr id="1" name="Shape 241"/>
-        <p:cNvGrpSpPr/>
-        <p:nvPr/>
-      </p:nvGrpSpPr>
-      <p:grpSpPr>
-        <a:xfrm>
-          <a:off x="0" y="0"/>
-          <a:ext cx="0" cy="0"/>
-          <a:chOff x="0" y="0"/>
-          <a:chExt cx="0" cy="0"/>
-        </a:xfrm>
-      </p:grpSpPr>
-      <p:pic>
-        <p:nvPicPr>
-          <p:cNvPr id="242" name="Google Shape;242;p34"/>
-          <p:cNvPicPr preferRelativeResize="0"/>
-          <p:nvPr/>
-        </p:nvPicPr>
-        <p:blipFill rotWithShape="1">
-          <a:blip r:embed="rId3">
-            <a:alphaModFix/>
-          </a:blip>
-          <a:srcRect t="27219" r="23960" b="33520"/>
-          <a:stretch/>
-        </p:blipFill>
-        <p:spPr>
-          <a:xfrm>
-            <a:off x="566938" y="1494362"/>
-            <a:ext cx="8010125" cy="2326225"/>
-          </a:xfrm>
-          <a:prstGeom prst="rect">
-            <a:avLst/>
-          </a:prstGeom>
-          <a:noFill/>
-          <a:ln>
-            <a:noFill/>
-          </a:ln>
-          <a:effectLst>
-            <a:outerShdw blurRad="57150" dist="19050" dir="5400000" algn="bl" rotWithShape="0">
-              <a:srgbClr val="000000">
-                <a:alpha val="50000"/>
-              </a:srgbClr>
-            </a:outerShdw>
-          </a:effectLst>
-        </p:spPr>
-      </p:pic>
-      <p:pic>
-        <p:nvPicPr>
-          <p:cNvPr id="243" name="Google Shape;243;p34"/>
-          <p:cNvPicPr preferRelativeResize="0"/>
-          <p:nvPr/>
-        </p:nvPicPr>
-        <p:blipFill>
-          <a:blip r:embed="rId4">
-            <a:alphaModFix/>
-          </a:blip>
-          <a:stretch>
-            <a:fillRect/>
-          </a:stretch>
-        </p:blipFill>
-        <p:spPr>
-          <a:xfrm>
-            <a:off x="8064600" y="234850"/>
-            <a:ext cx="886950" cy="886950"/>
-          </a:xfrm>
-          <a:prstGeom prst="rect">
-            <a:avLst/>
-          </a:prstGeom>
-          <a:noFill/>
-          <a:ln>
-            <a:noFill/>
-          </a:ln>
-        </p:spPr>
-      </p:pic>
-      <p:sp>
-        <p:nvSpPr>
-          <p:cNvPr id="244" name="Google Shape;244;p34"/>
-          <p:cNvSpPr txBox="1">
-            <a:spLocks noGrp="1"/>
-          </p:cNvSpPr>
-          <p:nvPr>
-            <p:ph type="title" idx="6"/>
-          </p:nvPr>
-        </p:nvSpPr>
-        <p:spPr>
-          <a:xfrm>
-            <a:off x="720000" y="445025"/>
-            <a:ext cx="7704000" cy="572700"/>
-          </a:xfrm>
-          <a:prstGeom prst="rect">
-            <a:avLst/>
-          </a:prstGeom>
-        </p:spPr>
-        <p:txBody>
-          <a:bodyPr spcFirstLastPara="1" wrap="square" lIns="91425" tIns="91425" rIns="91425" bIns="91425" anchor="t" anchorCtr="0">
-            <a:noAutofit/>
-          </a:bodyPr>
-          <a:lstStyle/>
-          <a:p>
-            <a:pPr marL="0" lvl="0" indent="0" algn="l" rtl="0">
-              <a:spcBef>
-                <a:spcPts val="0"/>
-              </a:spcBef>
-              <a:spcAft>
-                <a:spcPts val="0"/>
-              </a:spcAft>
-              <a:buNone/>
-            </a:pPr>
-            <a:r>
-              <a:rPr lang="en"/>
-              <a:t>Financial Plan: Startup Expenses</a:t>
-            </a:r>
-            <a:endParaRPr/>
-          </a:p>
-          <a:p>
-            <a:pPr marL="0" lvl="0" indent="0" algn="l" rtl="0">
-              <a:spcBef>
-                <a:spcPts val="0"/>
-              </a:spcBef>
-              <a:spcAft>
-                <a:spcPts val="0"/>
-              </a:spcAft>
-              <a:buNone/>
-            </a:pPr>
-            <a:endParaRPr/>
-          </a:p>
-          <a:p>
-            <a:pPr marL="0" lvl="0" indent="0" algn="l" rtl="0">
-              <a:spcBef>
-                <a:spcPts val="0"/>
-              </a:spcBef>
-              <a:spcAft>
-                <a:spcPts val="0"/>
-              </a:spcAft>
-              <a:buNone/>
-            </a:pPr>
             <a:endParaRPr/>
           </a:p>
         </p:txBody>
